--- a/W13/W13S1.pptx
+++ b/W13/W13S1.pptx
@@ -5,7 +5,7 @@
     <p:sldMasterId id="2147483648" r:id="rId1"/>
   </p:sldMasterIdLst>
   <p:notesMasterIdLst>
-    <p:notesMasterId r:id="rId31"/>
+    <p:notesMasterId r:id="rId32"/>
   </p:notesMasterIdLst>
   <p:sldIdLst>
     <p:sldId id="377" r:id="rId2"/>
@@ -24,19 +24,20 @@
     <p:sldId id="695" r:id="rId15"/>
     <p:sldId id="698" r:id="rId16"/>
     <p:sldId id="700" r:id="rId17"/>
-    <p:sldId id="701" r:id="rId18"/>
-    <p:sldId id="706" r:id="rId19"/>
-    <p:sldId id="704" r:id="rId20"/>
-    <p:sldId id="707" r:id="rId21"/>
+    <p:sldId id="718" r:id="rId18"/>
+    <p:sldId id="701" r:id="rId19"/>
+    <p:sldId id="706" r:id="rId20"/>
+    <p:sldId id="704" r:id="rId21"/>
     <p:sldId id="699" r:id="rId22"/>
-    <p:sldId id="708" r:id="rId23"/>
-    <p:sldId id="709" r:id="rId24"/>
-    <p:sldId id="710" r:id="rId25"/>
-    <p:sldId id="712" r:id="rId26"/>
-    <p:sldId id="711" r:id="rId27"/>
-    <p:sldId id="716" r:id="rId28"/>
-    <p:sldId id="717" r:id="rId29"/>
-    <p:sldId id="714" r:id="rId30"/>
+    <p:sldId id="707" r:id="rId23"/>
+    <p:sldId id="708" r:id="rId24"/>
+    <p:sldId id="709" r:id="rId25"/>
+    <p:sldId id="710" r:id="rId26"/>
+    <p:sldId id="712" r:id="rId27"/>
+    <p:sldId id="711" r:id="rId28"/>
+    <p:sldId id="716" r:id="rId29"/>
+    <p:sldId id="717" r:id="rId30"/>
+    <p:sldId id="714" r:id="rId31"/>
   </p:sldIdLst>
   <p:sldSz cx="12192000" cy="6858000"/>
   <p:notesSz cx="6858000" cy="9144000"/>
@@ -164,6 +165,7 @@
             <p14:sldId id="695"/>
             <p14:sldId id="698"/>
             <p14:sldId id="700"/>
+            <p14:sldId id="718"/>
             <p14:sldId id="701"/>
             <p14:sldId id="706"/>
             <p14:sldId id="704"/>
@@ -171,8 +173,8 @@
         </p14:section>
         <p14:section name="Watchlist" id="{6B8B9247-B796-41CD-A922-8A044C5DF655}">
           <p14:sldIdLst>
+            <p14:sldId id="699"/>
             <p14:sldId id="707"/>
-            <p14:sldId id="699"/>
             <p14:sldId id="708"/>
             <p14:sldId id="709"/>
             <p14:sldId id="710"/>
@@ -190,6 +192,357 @@
     </p:ext>
   </p:extLst>
 </p:presentation>
+</file>
+
+<file path=ppt/revisionInfo.xml><?xml version="1.0" encoding="utf-8"?>
+<p1510:revInfo xmlns:a="http://schemas.openxmlformats.org/drawingml/2006/main" xmlns:r="http://schemas.openxmlformats.org/officeDocument/2006/relationships" xmlns:p1510="http://schemas.microsoft.com/office/powerpoint/2015/10/main">
+  <p1510:revLst>
+    <p1510:client id="{F12FC4A2-B409-4069-B166-D5A2DB97FEBD}" v="8" dt="2022-11-14T07:19:28.891"/>
+  </p1510:revLst>
+</p1510:revInfo>
+</file>
+
+<file path=ppt/changesInfos/changesInfo1.xml><?xml version="1.0" encoding="utf-8"?>
+<pc:chgInfo xmlns:a="http://schemas.openxmlformats.org/drawingml/2006/main" xmlns:r="http://schemas.openxmlformats.org/officeDocument/2006/relationships" xmlns:ac="http://schemas.microsoft.com/office/drawing/2013/main/command" xmlns:pc="http://schemas.microsoft.com/office/powerpoint/2013/main/command">
+  <pc:docChgLst>
+    <pc:chgData name="Matthieu De Mari" userId="dfb708c9-d8dc-439f-9a3b-c772bf4a311c" providerId="ADAL" clId="{F12FC4A2-B409-4069-B166-D5A2DB97FEBD}"/>
+    <pc:docChg chg="custSel mod addSld modSld sldOrd modMainMaster modSection">
+      <pc:chgData name="Matthieu De Mari" userId="dfb708c9-d8dc-439f-9a3b-c772bf4a311c" providerId="ADAL" clId="{F12FC4A2-B409-4069-B166-D5A2DB97FEBD}" dt="2022-11-14T07:21:43.958" v="487" actId="113"/>
+      <pc:docMkLst>
+        <pc:docMk/>
+      </pc:docMkLst>
+      <pc:sldChg chg="modSp mod">
+        <pc:chgData name="Matthieu De Mari" userId="dfb708c9-d8dc-439f-9a3b-c772bf4a311c" providerId="ADAL" clId="{F12FC4A2-B409-4069-B166-D5A2DB97FEBD}" dt="2022-11-14T07:08:50.088" v="2" actId="20577"/>
+        <pc:sldMkLst>
+          <pc:docMk/>
+          <pc:sldMk cId="1040156172" sldId="377"/>
+        </pc:sldMkLst>
+        <pc:spChg chg="mod">
+          <ac:chgData name="Matthieu De Mari" userId="dfb708c9-d8dc-439f-9a3b-c772bf4a311c" providerId="ADAL" clId="{F12FC4A2-B409-4069-B166-D5A2DB97FEBD}" dt="2022-11-14T07:08:50.088" v="2" actId="20577"/>
+          <ac:spMkLst>
+            <pc:docMk/>
+            <pc:sldMk cId="1040156172" sldId="377"/>
+            <ac:spMk id="3" creationId="{816ABDE1-A047-4B53-92F2-67282914DD77}"/>
+          </ac:spMkLst>
+        </pc:spChg>
+      </pc:sldChg>
+      <pc:sldChg chg="modSp mod">
+        <pc:chgData name="Matthieu De Mari" userId="dfb708c9-d8dc-439f-9a3b-c772bf4a311c" providerId="ADAL" clId="{F12FC4A2-B409-4069-B166-D5A2DB97FEBD}" dt="2022-11-14T07:10:56.921" v="47" actId="5793"/>
+        <pc:sldMkLst>
+          <pc:docMk/>
+          <pc:sldMk cId="1926033687" sldId="686"/>
+        </pc:sldMkLst>
+        <pc:spChg chg="mod">
+          <ac:chgData name="Matthieu De Mari" userId="dfb708c9-d8dc-439f-9a3b-c772bf4a311c" providerId="ADAL" clId="{F12FC4A2-B409-4069-B166-D5A2DB97FEBD}" dt="2022-11-14T07:10:56.921" v="47" actId="5793"/>
+          <ac:spMkLst>
+            <pc:docMk/>
+            <pc:sldMk cId="1926033687" sldId="686"/>
+            <ac:spMk id="3" creationId="{9D882609-53DF-4B06-91C6-50E0570C62D5}"/>
+          </ac:spMkLst>
+        </pc:spChg>
+      </pc:sldChg>
+      <pc:sldChg chg="modSp mod">
+        <pc:chgData name="Matthieu De Mari" userId="dfb708c9-d8dc-439f-9a3b-c772bf4a311c" providerId="ADAL" clId="{F12FC4A2-B409-4069-B166-D5A2DB97FEBD}" dt="2022-11-14T07:09:22.468" v="10" actId="20577"/>
+        <pc:sldMkLst>
+          <pc:docMk/>
+          <pc:sldMk cId="2489181972" sldId="689"/>
+        </pc:sldMkLst>
+        <pc:spChg chg="mod">
+          <ac:chgData name="Matthieu De Mari" userId="dfb708c9-d8dc-439f-9a3b-c772bf4a311c" providerId="ADAL" clId="{F12FC4A2-B409-4069-B166-D5A2DB97FEBD}" dt="2022-11-14T07:09:22.468" v="10" actId="20577"/>
+          <ac:spMkLst>
+            <pc:docMk/>
+            <pc:sldMk cId="2489181972" sldId="689"/>
+            <ac:spMk id="5" creationId="{8D68AA04-CE99-4E3D-A743-B4FE0611BB3C}"/>
+          </ac:spMkLst>
+        </pc:spChg>
+      </pc:sldChg>
+      <pc:sldChg chg="modSp mod">
+        <pc:chgData name="Matthieu De Mari" userId="dfb708c9-d8dc-439f-9a3b-c772bf4a311c" providerId="ADAL" clId="{F12FC4A2-B409-4069-B166-D5A2DB97FEBD}" dt="2022-11-14T07:09:56.831" v="24" actId="20577"/>
+        <pc:sldMkLst>
+          <pc:docMk/>
+          <pc:sldMk cId="714959462" sldId="690"/>
+        </pc:sldMkLst>
+        <pc:spChg chg="mod">
+          <ac:chgData name="Matthieu De Mari" userId="dfb708c9-d8dc-439f-9a3b-c772bf4a311c" providerId="ADAL" clId="{F12FC4A2-B409-4069-B166-D5A2DB97FEBD}" dt="2022-11-14T07:09:56.831" v="24" actId="20577"/>
+          <ac:spMkLst>
+            <pc:docMk/>
+            <pc:sldMk cId="714959462" sldId="690"/>
+            <ac:spMk id="5" creationId="{8D68AA04-CE99-4E3D-A743-B4FE0611BB3C}"/>
+          </ac:spMkLst>
+        </pc:spChg>
+      </pc:sldChg>
+      <pc:sldChg chg="modSp mod">
+        <pc:chgData name="Matthieu De Mari" userId="dfb708c9-d8dc-439f-9a3b-c772bf4a311c" providerId="ADAL" clId="{F12FC4A2-B409-4069-B166-D5A2DB97FEBD}" dt="2022-11-14T07:09:30.239" v="11" actId="5793"/>
+        <pc:sldMkLst>
+          <pc:docMk/>
+          <pc:sldMk cId="2210072154" sldId="691"/>
+        </pc:sldMkLst>
+        <pc:spChg chg="mod">
+          <ac:chgData name="Matthieu De Mari" userId="dfb708c9-d8dc-439f-9a3b-c772bf4a311c" providerId="ADAL" clId="{F12FC4A2-B409-4069-B166-D5A2DB97FEBD}" dt="2022-11-14T07:09:30.239" v="11" actId="5793"/>
+          <ac:spMkLst>
+            <pc:docMk/>
+            <pc:sldMk cId="2210072154" sldId="691"/>
+            <ac:spMk id="5" creationId="{8D68AA04-CE99-4E3D-A743-B4FE0611BB3C}"/>
+          </ac:spMkLst>
+        </pc:spChg>
+      </pc:sldChg>
+      <pc:sldChg chg="modSp mod">
+        <pc:chgData name="Matthieu De Mari" userId="dfb708c9-d8dc-439f-9a3b-c772bf4a311c" providerId="ADAL" clId="{F12FC4A2-B409-4069-B166-D5A2DB97FEBD}" dt="2022-11-14T07:10:35.582" v="33" actId="20577"/>
+        <pc:sldMkLst>
+          <pc:docMk/>
+          <pc:sldMk cId="3161243228" sldId="694"/>
+        </pc:sldMkLst>
+        <pc:spChg chg="mod">
+          <ac:chgData name="Matthieu De Mari" userId="dfb708c9-d8dc-439f-9a3b-c772bf4a311c" providerId="ADAL" clId="{F12FC4A2-B409-4069-B166-D5A2DB97FEBD}" dt="2022-11-14T07:10:35.582" v="33" actId="20577"/>
+          <ac:spMkLst>
+            <pc:docMk/>
+            <pc:sldMk cId="3161243228" sldId="694"/>
+            <ac:spMk id="5" creationId="{8D68AA04-CE99-4E3D-A743-B4FE0611BB3C}"/>
+          </ac:spMkLst>
+        </pc:spChg>
+      </pc:sldChg>
+      <pc:sldChg chg="modSp mod">
+        <pc:chgData name="Matthieu De Mari" userId="dfb708c9-d8dc-439f-9a3b-c772bf4a311c" providerId="ADAL" clId="{F12FC4A2-B409-4069-B166-D5A2DB97FEBD}" dt="2022-11-14T07:11:24.994" v="64" actId="20577"/>
+        <pc:sldMkLst>
+          <pc:docMk/>
+          <pc:sldMk cId="364281716" sldId="695"/>
+        </pc:sldMkLst>
+        <pc:spChg chg="mod">
+          <ac:chgData name="Matthieu De Mari" userId="dfb708c9-d8dc-439f-9a3b-c772bf4a311c" providerId="ADAL" clId="{F12FC4A2-B409-4069-B166-D5A2DB97FEBD}" dt="2022-11-14T07:11:24.994" v="64" actId="20577"/>
+          <ac:spMkLst>
+            <pc:docMk/>
+            <pc:sldMk cId="364281716" sldId="695"/>
+            <ac:spMk id="3" creationId="{9D882609-53DF-4B06-91C6-50E0570C62D5}"/>
+          </ac:spMkLst>
+        </pc:spChg>
+      </pc:sldChg>
+      <pc:sldChg chg="ord">
+        <pc:chgData name="Matthieu De Mari" userId="dfb708c9-d8dc-439f-9a3b-c772bf4a311c" providerId="ADAL" clId="{F12FC4A2-B409-4069-B166-D5A2DB97FEBD}" dt="2022-11-14T07:21:30.685" v="484"/>
+        <pc:sldMkLst>
+          <pc:docMk/>
+          <pc:sldMk cId="2920761925" sldId="699"/>
+        </pc:sldMkLst>
+      </pc:sldChg>
+      <pc:sldChg chg="addSp delSp modSp mod modClrScheme chgLayout">
+        <pc:chgData name="Matthieu De Mari" userId="dfb708c9-d8dc-439f-9a3b-c772bf4a311c" providerId="ADAL" clId="{F12FC4A2-B409-4069-B166-D5A2DB97FEBD}" dt="2022-11-14T07:13:55.736" v="98" actId="1076"/>
+        <pc:sldMkLst>
+          <pc:docMk/>
+          <pc:sldMk cId="2073425801" sldId="700"/>
+        </pc:sldMkLst>
+        <pc:spChg chg="mod ord">
+          <ac:chgData name="Matthieu De Mari" userId="dfb708c9-d8dc-439f-9a3b-c772bf4a311c" providerId="ADAL" clId="{F12FC4A2-B409-4069-B166-D5A2DB97FEBD}" dt="2022-11-14T07:13:17.327" v="81" actId="700"/>
+          <ac:spMkLst>
+            <pc:docMk/>
+            <pc:sldMk cId="2073425801" sldId="700"/>
+            <ac:spMk id="2" creationId="{C826F7A7-7731-488B-8DF2-1407712F1EC1}"/>
+          </ac:spMkLst>
+        </pc:spChg>
+        <pc:spChg chg="mod ord">
+          <ac:chgData name="Matthieu De Mari" userId="dfb708c9-d8dc-439f-9a3b-c772bf4a311c" providerId="ADAL" clId="{F12FC4A2-B409-4069-B166-D5A2DB97FEBD}" dt="2022-11-14T07:13:21.005" v="86" actId="27636"/>
+          <ac:spMkLst>
+            <pc:docMk/>
+            <pc:sldMk cId="2073425801" sldId="700"/>
+            <ac:spMk id="3" creationId="{9D882609-53DF-4B06-91C6-50E0570C62D5}"/>
+          </ac:spMkLst>
+        </pc:spChg>
+        <pc:spChg chg="add del mod ord">
+          <ac:chgData name="Matthieu De Mari" userId="dfb708c9-d8dc-439f-9a3b-c772bf4a311c" providerId="ADAL" clId="{F12FC4A2-B409-4069-B166-D5A2DB97FEBD}" dt="2022-11-14T07:13:23.326" v="87" actId="478"/>
+          <ac:spMkLst>
+            <pc:docMk/>
+            <pc:sldMk cId="2073425801" sldId="700"/>
+            <ac:spMk id="4" creationId="{984E43F3-5640-63FA-8F80-E9355E2B73FE}"/>
+          </ac:spMkLst>
+        </pc:spChg>
+        <pc:picChg chg="add mod">
+          <ac:chgData name="Matthieu De Mari" userId="dfb708c9-d8dc-439f-9a3b-c772bf4a311c" providerId="ADAL" clId="{F12FC4A2-B409-4069-B166-D5A2DB97FEBD}" dt="2022-11-14T07:13:28.466" v="90" actId="1076"/>
+          <ac:picMkLst>
+            <pc:docMk/>
+            <pc:sldMk cId="2073425801" sldId="700"/>
+            <ac:picMk id="6" creationId="{54D0B528-15A1-24F2-2476-3A8D0123B3A4}"/>
+          </ac:picMkLst>
+        </pc:picChg>
+        <pc:picChg chg="add mod">
+          <ac:chgData name="Matthieu De Mari" userId="dfb708c9-d8dc-439f-9a3b-c772bf4a311c" providerId="ADAL" clId="{F12FC4A2-B409-4069-B166-D5A2DB97FEBD}" dt="2022-11-14T07:13:55.736" v="98" actId="1076"/>
+          <ac:picMkLst>
+            <pc:docMk/>
+            <pc:sldMk cId="2073425801" sldId="700"/>
+            <ac:picMk id="8" creationId="{06981AD3-0408-47CA-7462-ECF93911DF8D}"/>
+          </ac:picMkLst>
+        </pc:picChg>
+      </pc:sldChg>
+      <pc:sldChg chg="modSp mod">
+        <pc:chgData name="Matthieu De Mari" userId="dfb708c9-d8dc-439f-9a3b-c772bf4a311c" providerId="ADAL" clId="{F12FC4A2-B409-4069-B166-D5A2DB97FEBD}" dt="2022-11-14T07:15:06.145" v="154" actId="5793"/>
+        <pc:sldMkLst>
+          <pc:docMk/>
+          <pc:sldMk cId="984673236" sldId="701"/>
+        </pc:sldMkLst>
+        <pc:spChg chg="mod">
+          <ac:chgData name="Matthieu De Mari" userId="dfb708c9-d8dc-439f-9a3b-c772bf4a311c" providerId="ADAL" clId="{F12FC4A2-B409-4069-B166-D5A2DB97FEBD}" dt="2022-11-14T07:15:06.145" v="154" actId="5793"/>
+          <ac:spMkLst>
+            <pc:docMk/>
+            <pc:sldMk cId="984673236" sldId="701"/>
+            <ac:spMk id="3" creationId="{9D882609-53DF-4B06-91C6-50E0570C62D5}"/>
+          </ac:spMkLst>
+        </pc:spChg>
+      </pc:sldChg>
+      <pc:sldChg chg="modSp mod">
+        <pc:chgData name="Matthieu De Mari" userId="dfb708c9-d8dc-439f-9a3b-c772bf4a311c" providerId="ADAL" clId="{F12FC4A2-B409-4069-B166-D5A2DB97FEBD}" dt="2022-11-14T07:10:01.798" v="25" actId="5793"/>
+        <pc:sldMkLst>
+          <pc:docMk/>
+          <pc:sldMk cId="2398190619" sldId="703"/>
+        </pc:sldMkLst>
+        <pc:spChg chg="mod">
+          <ac:chgData name="Matthieu De Mari" userId="dfb708c9-d8dc-439f-9a3b-c772bf4a311c" providerId="ADAL" clId="{F12FC4A2-B409-4069-B166-D5A2DB97FEBD}" dt="2022-11-14T07:10:01.798" v="25" actId="5793"/>
+          <ac:spMkLst>
+            <pc:docMk/>
+            <pc:sldMk cId="2398190619" sldId="703"/>
+            <ac:spMk id="5" creationId="{8D68AA04-CE99-4E3D-A743-B4FE0611BB3C}"/>
+          </ac:spMkLst>
+        </pc:spChg>
+      </pc:sldChg>
+      <pc:sldChg chg="modSp mod">
+        <pc:chgData name="Matthieu De Mari" userId="dfb708c9-d8dc-439f-9a3b-c772bf4a311c" providerId="ADAL" clId="{F12FC4A2-B409-4069-B166-D5A2DB97FEBD}" dt="2022-11-14T07:15:22.713" v="155" actId="20577"/>
+        <pc:sldMkLst>
+          <pc:docMk/>
+          <pc:sldMk cId="86124098" sldId="706"/>
+        </pc:sldMkLst>
+        <pc:spChg chg="mod">
+          <ac:chgData name="Matthieu De Mari" userId="dfb708c9-d8dc-439f-9a3b-c772bf4a311c" providerId="ADAL" clId="{F12FC4A2-B409-4069-B166-D5A2DB97FEBD}" dt="2022-11-14T07:15:22.713" v="155" actId="20577"/>
+          <ac:spMkLst>
+            <pc:docMk/>
+            <pc:sldMk cId="86124098" sldId="706"/>
+            <ac:spMk id="3" creationId="{9D882609-53DF-4B06-91C6-50E0570C62D5}"/>
+          </ac:spMkLst>
+        </pc:spChg>
+      </pc:sldChg>
+      <pc:sldChg chg="addSp delSp modSp mod modClrScheme chgLayout">
+        <pc:chgData name="Matthieu De Mari" userId="dfb708c9-d8dc-439f-9a3b-c772bf4a311c" providerId="ADAL" clId="{F12FC4A2-B409-4069-B166-D5A2DB97FEBD}" dt="2022-11-14T07:21:43.958" v="487" actId="113"/>
+        <pc:sldMkLst>
+          <pc:docMk/>
+          <pc:sldMk cId="3742398413" sldId="707"/>
+        </pc:sldMkLst>
+        <pc:spChg chg="add del mod ord">
+          <ac:chgData name="Matthieu De Mari" userId="dfb708c9-d8dc-439f-9a3b-c772bf4a311c" providerId="ADAL" clId="{F12FC4A2-B409-4069-B166-D5A2DB97FEBD}" dt="2022-11-14T07:20:58.990" v="364" actId="27636"/>
+          <ac:spMkLst>
+            <pc:docMk/>
+            <pc:sldMk cId="3742398413" sldId="707"/>
+            <ac:spMk id="2" creationId="{B268085A-1A68-E432-3EE4-1DEE1BAB6A6E}"/>
+          </ac:spMkLst>
+        </pc:spChg>
+        <pc:spChg chg="mod ord">
+          <ac:chgData name="Matthieu De Mari" userId="dfb708c9-d8dc-439f-9a3b-c772bf4a311c" providerId="ADAL" clId="{F12FC4A2-B409-4069-B166-D5A2DB97FEBD}" dt="2022-11-14T07:19:04.759" v="289" actId="700"/>
+          <ac:spMkLst>
+            <pc:docMk/>
+            <pc:sldMk cId="3742398413" sldId="707"/>
+            <ac:spMk id="4" creationId="{C0612F2C-CCBD-4D9C-8C97-D9FE2F828CB0}"/>
+          </ac:spMkLst>
+        </pc:spChg>
+        <pc:spChg chg="mod ord">
+          <ac:chgData name="Matthieu De Mari" userId="dfb708c9-d8dc-439f-9a3b-c772bf4a311c" providerId="ADAL" clId="{F12FC4A2-B409-4069-B166-D5A2DB97FEBD}" dt="2022-11-14T07:21:43.958" v="487" actId="113"/>
+          <ac:spMkLst>
+            <pc:docMk/>
+            <pc:sldMk cId="3742398413" sldId="707"/>
+            <ac:spMk id="5" creationId="{92E3B964-4CD4-43B6-A9FE-636D9290CF09}"/>
+          </ac:spMkLst>
+        </pc:spChg>
+        <pc:picChg chg="add del mod">
+          <ac:chgData name="Matthieu De Mari" userId="dfb708c9-d8dc-439f-9a3b-c772bf4a311c" providerId="ADAL" clId="{F12FC4A2-B409-4069-B166-D5A2DB97FEBD}" dt="2022-11-14T07:19:10.434" v="293"/>
+          <ac:picMkLst>
+            <pc:docMk/>
+            <pc:sldMk cId="3742398413" sldId="707"/>
+            <ac:picMk id="6" creationId="{761B6DCD-9FDD-661E-17A8-EC0848F7A54D}"/>
+          </ac:picMkLst>
+        </pc:picChg>
+        <pc:picChg chg="add del mod">
+          <ac:chgData name="Matthieu De Mari" userId="dfb708c9-d8dc-439f-9a3b-c772bf4a311c" providerId="ADAL" clId="{F12FC4A2-B409-4069-B166-D5A2DB97FEBD}" dt="2022-11-14T07:19:14.099" v="295"/>
+          <ac:picMkLst>
+            <pc:docMk/>
+            <pc:sldMk cId="3742398413" sldId="707"/>
+            <ac:picMk id="8" creationId="{C97BD336-012F-0453-341F-C9EF8167588A}"/>
+          </ac:picMkLst>
+        </pc:picChg>
+        <pc:picChg chg="add del mod">
+          <ac:chgData name="Matthieu De Mari" userId="dfb708c9-d8dc-439f-9a3b-c772bf4a311c" providerId="ADAL" clId="{F12FC4A2-B409-4069-B166-D5A2DB97FEBD}" dt="2022-11-14T07:19:28.115" v="303" actId="21"/>
+          <ac:picMkLst>
+            <pc:docMk/>
+            <pc:sldMk cId="3742398413" sldId="707"/>
+            <ac:picMk id="9" creationId="{B4506547-30F3-1862-A7C3-C5F9DFBDFBEB}"/>
+          </ac:picMkLst>
+        </pc:picChg>
+        <pc:picChg chg="add mod">
+          <ac:chgData name="Matthieu De Mari" userId="dfb708c9-d8dc-439f-9a3b-c772bf4a311c" providerId="ADAL" clId="{F12FC4A2-B409-4069-B166-D5A2DB97FEBD}" dt="2022-11-14T07:21:36.841" v="486" actId="1076"/>
+          <ac:picMkLst>
+            <pc:docMk/>
+            <pc:sldMk cId="3742398413" sldId="707"/>
+            <ac:picMk id="10" creationId="{EBE3B238-DADD-2FDE-1B36-F1B78AC8896D}"/>
+          </ac:picMkLst>
+        </pc:picChg>
+      </pc:sldChg>
+      <pc:sldChg chg="addSp delSp modSp add mod modClrScheme chgLayout">
+        <pc:chgData name="Matthieu De Mari" userId="dfb708c9-d8dc-439f-9a3b-c772bf4a311c" providerId="ADAL" clId="{F12FC4A2-B409-4069-B166-D5A2DB97FEBD}" dt="2022-11-14T07:14:54.910" v="153" actId="14100"/>
+        <pc:sldMkLst>
+          <pc:docMk/>
+          <pc:sldMk cId="463541510" sldId="718"/>
+        </pc:sldMkLst>
+        <pc:spChg chg="mod ord">
+          <ac:chgData name="Matthieu De Mari" userId="dfb708c9-d8dc-439f-9a3b-c772bf4a311c" providerId="ADAL" clId="{F12FC4A2-B409-4069-B166-D5A2DB97FEBD}" dt="2022-11-14T07:14:03.391" v="99" actId="700"/>
+          <ac:spMkLst>
+            <pc:docMk/>
+            <pc:sldMk cId="463541510" sldId="718"/>
+            <ac:spMk id="2" creationId="{C826F7A7-7731-488B-8DF2-1407712F1EC1}"/>
+          </ac:spMkLst>
+        </pc:spChg>
+        <pc:spChg chg="mod ord">
+          <ac:chgData name="Matthieu De Mari" userId="dfb708c9-d8dc-439f-9a3b-c772bf4a311c" providerId="ADAL" clId="{F12FC4A2-B409-4069-B166-D5A2DB97FEBD}" dt="2022-11-14T07:14:19.425" v="147" actId="113"/>
+          <ac:spMkLst>
+            <pc:docMk/>
+            <pc:sldMk cId="463541510" sldId="718"/>
+            <ac:spMk id="3" creationId="{9D882609-53DF-4B06-91C6-50E0570C62D5}"/>
+          </ac:spMkLst>
+        </pc:spChg>
+        <pc:spChg chg="add del mod ord">
+          <ac:chgData name="Matthieu De Mari" userId="dfb708c9-d8dc-439f-9a3b-c772bf4a311c" providerId="ADAL" clId="{F12FC4A2-B409-4069-B166-D5A2DB97FEBD}" dt="2022-11-14T07:14:23.662" v="148" actId="478"/>
+          <ac:spMkLst>
+            <pc:docMk/>
+            <pc:sldMk cId="463541510" sldId="718"/>
+            <ac:spMk id="4" creationId="{D9518F59-35DA-7BAE-DE0C-4958B1EB5A26}"/>
+          </ac:spMkLst>
+        </pc:spChg>
+        <pc:picChg chg="add mod">
+          <ac:chgData name="Matthieu De Mari" userId="dfb708c9-d8dc-439f-9a3b-c772bf4a311c" providerId="ADAL" clId="{F12FC4A2-B409-4069-B166-D5A2DB97FEBD}" dt="2022-11-14T07:14:54.910" v="153" actId="14100"/>
+          <ac:picMkLst>
+            <pc:docMk/>
+            <pc:sldMk cId="463541510" sldId="718"/>
+            <ac:picMk id="6" creationId="{1FB91D18-8AD7-C28C-DAB7-3CCFFB92C91A}"/>
+          </ac:picMkLst>
+        </pc:picChg>
+      </pc:sldChg>
+      <pc:sldMasterChg chg="addSp mod">
+        <pc:chgData name="Matthieu De Mari" userId="dfb708c9-d8dc-439f-9a3b-c772bf4a311c" providerId="ADAL" clId="{F12FC4A2-B409-4069-B166-D5A2DB97FEBD}" dt="2022-11-14T07:08:44.812" v="0" actId="33475"/>
+        <pc:sldMasterMkLst>
+          <pc:docMk/>
+          <pc:sldMasterMk cId="2168708284" sldId="2147483648"/>
+        </pc:sldMasterMkLst>
+        <pc:spChg chg="add">
+          <ac:chgData name="Matthieu De Mari" userId="dfb708c9-d8dc-439f-9a3b-c772bf4a311c" providerId="ADAL" clId="{F12FC4A2-B409-4069-B166-D5A2DB97FEBD}" dt="2022-11-14T07:08:44.812" v="0" actId="33475"/>
+          <ac:spMkLst>
+            <pc:docMk/>
+            <pc:sldMasterMk cId="2168708284" sldId="2147483648"/>
+            <ac:spMk id="9" creationId="{598A102A-AC61-38F1-AC51-F28E2C878766}"/>
+          </ac:spMkLst>
+        </pc:spChg>
+        <pc:spChg chg="add">
+          <ac:chgData name="Matthieu De Mari" userId="dfb708c9-d8dc-439f-9a3b-c772bf4a311c" providerId="ADAL" clId="{F12FC4A2-B409-4069-B166-D5A2DB97FEBD}" dt="2022-11-14T07:08:44.812" v="0" actId="33475"/>
+          <ac:spMkLst>
+            <pc:docMk/>
+            <pc:sldMasterMk cId="2168708284" sldId="2147483648"/>
+            <ac:spMk id="10" creationId="{FD860DE2-B3E6-2E49-2552-F9BECF930A67}"/>
+          </ac:spMkLst>
+        </pc:spChg>
+      </pc:sldMasterChg>
+    </pc:docChg>
+  </pc:docChgLst>
+</pc:chgInfo>
 </file>
 
 <file path=ppt/notesMasters/notesMaster1.xml><?xml version="1.0" encoding="utf-8"?>
@@ -274,7 +627,7 @@
           <a:p>
             <a:fld id="{61478373-EB31-4867-8CF0-FA31364748A5}" type="datetimeFigureOut">
               <a:rPr lang="en-GB" smtClean="0"/>
-              <a:t>14/09/2022</a:t>
+              <a:t>14/11/2022</a:t>
             </a:fld>
             <a:endParaRPr lang="en-GB"/>
           </a:p>
@@ -691,7 +1044,7 @@
           <a:p>
             <a:fld id="{E85DF616-B21E-4EF6-A6A5-95E2FB3EB1A1}" type="datetimeFigureOut">
               <a:rPr lang="en-GB" smtClean="0"/>
-              <a:t>14/09/2022</a:t>
+              <a:t>14/11/2022</a:t>
             </a:fld>
             <a:endParaRPr lang="en-GB"/>
           </a:p>
@@ -891,7 +1244,7 @@
           <a:p>
             <a:fld id="{E85DF616-B21E-4EF6-A6A5-95E2FB3EB1A1}" type="datetimeFigureOut">
               <a:rPr lang="en-GB" smtClean="0"/>
-              <a:t>14/09/2022</a:t>
+              <a:t>14/11/2022</a:t>
             </a:fld>
             <a:endParaRPr lang="en-GB"/>
           </a:p>
@@ -1101,7 +1454,7 @@
           <a:p>
             <a:fld id="{E85DF616-B21E-4EF6-A6A5-95E2FB3EB1A1}" type="datetimeFigureOut">
               <a:rPr lang="en-GB" smtClean="0"/>
-              <a:t>14/09/2022</a:t>
+              <a:t>14/11/2022</a:t>
             </a:fld>
             <a:endParaRPr lang="en-GB"/>
           </a:p>
@@ -1301,7 +1654,7 @@
           <a:p>
             <a:fld id="{E85DF616-B21E-4EF6-A6A5-95E2FB3EB1A1}" type="datetimeFigureOut">
               <a:rPr lang="en-GB" smtClean="0"/>
-              <a:t>14/09/2022</a:t>
+              <a:t>14/11/2022</a:t>
             </a:fld>
             <a:endParaRPr lang="en-GB"/>
           </a:p>
@@ -1577,7 +1930,7 @@
           <a:p>
             <a:fld id="{E85DF616-B21E-4EF6-A6A5-95E2FB3EB1A1}" type="datetimeFigureOut">
               <a:rPr lang="en-GB" smtClean="0"/>
-              <a:t>14/09/2022</a:t>
+              <a:t>14/11/2022</a:t>
             </a:fld>
             <a:endParaRPr lang="en-GB"/>
           </a:p>
@@ -1845,7 +2198,7 @@
           <a:p>
             <a:fld id="{E85DF616-B21E-4EF6-A6A5-95E2FB3EB1A1}" type="datetimeFigureOut">
               <a:rPr lang="en-GB" smtClean="0"/>
-              <a:t>14/09/2022</a:t>
+              <a:t>14/11/2022</a:t>
             </a:fld>
             <a:endParaRPr lang="en-GB"/>
           </a:p>
@@ -2260,7 +2613,7 @@
           <a:p>
             <a:fld id="{E85DF616-B21E-4EF6-A6A5-95E2FB3EB1A1}" type="datetimeFigureOut">
               <a:rPr lang="en-GB" smtClean="0"/>
-              <a:t>14/09/2022</a:t>
+              <a:t>14/11/2022</a:t>
             </a:fld>
             <a:endParaRPr lang="en-GB"/>
           </a:p>
@@ -2402,7 +2755,7 @@
           <a:p>
             <a:fld id="{E85DF616-B21E-4EF6-A6A5-95E2FB3EB1A1}" type="datetimeFigureOut">
               <a:rPr lang="en-GB" smtClean="0"/>
-              <a:t>14/09/2022</a:t>
+              <a:t>14/11/2022</a:t>
             </a:fld>
             <a:endParaRPr lang="en-GB"/>
           </a:p>
@@ -2515,7 +2868,7 @@
           <a:p>
             <a:fld id="{E85DF616-B21E-4EF6-A6A5-95E2FB3EB1A1}" type="datetimeFigureOut">
               <a:rPr lang="en-GB" smtClean="0"/>
-              <a:t>14/09/2022</a:t>
+              <a:t>14/11/2022</a:t>
             </a:fld>
             <a:endParaRPr lang="en-GB"/>
           </a:p>
@@ -2828,7 +3181,7 @@
           <a:p>
             <a:fld id="{E85DF616-B21E-4EF6-A6A5-95E2FB3EB1A1}" type="datetimeFigureOut">
               <a:rPr lang="en-GB" smtClean="0"/>
-              <a:t>14/09/2022</a:t>
+              <a:t>14/11/2022</a:t>
             </a:fld>
             <a:endParaRPr lang="en-GB"/>
           </a:p>
@@ -3117,7 +3470,7 @@
           <a:p>
             <a:fld id="{E85DF616-B21E-4EF6-A6A5-95E2FB3EB1A1}" type="datetimeFigureOut">
               <a:rPr lang="en-GB" smtClean="0"/>
-              <a:t>14/09/2022</a:t>
+              <a:t>14/11/2022</a:t>
             </a:fld>
             <a:endParaRPr lang="en-GB"/>
           </a:p>
@@ -3360,7 +3713,7 @@
           <a:p>
             <a:fld id="{E85DF616-B21E-4EF6-A6A5-95E2FB3EB1A1}" type="datetimeFigureOut">
               <a:rPr lang="en-GB" smtClean="0"/>
-              <a:t>14/09/2022</a:t>
+              <a:t>14/11/2022</a:t>
             </a:fld>
             <a:endParaRPr lang="en-GB"/>
           </a:p>
@@ -3453,6 +3806,100 @@
               <a:t>‹#›</a:t>
             </a:fld>
             <a:endParaRPr lang="en-GB"/>
+          </a:p>
+        </p:txBody>
+      </p:sp>
+      <p:sp>
+        <p:nvSpPr>
+          <p:cNvPr id="9" name="TextBox 8">
+            <a:extLst>
+              <a:ext uri="{FF2B5EF4-FFF2-40B4-BE49-F238E27FC236}">
+                <a16:creationId xmlns:a16="http://schemas.microsoft.com/office/drawing/2014/main" id="{598A102A-AC61-38F1-AC51-F28E2C878766}"/>
+              </a:ext>
+            </a:extLst>
+          </p:cNvPr>
+          <p:cNvSpPr txBox="1"/>
+          <p:nvPr userDrawn="1">
+            <p:extLst>
+              <p:ext uri="{1162E1C5-73C7-4A58-AE30-91384D911F3F}">
+                <p184:classification xmlns:p184="http://schemas.microsoft.com/office/powerpoint/2018/4/main" val="hdr"/>
+              </p:ext>
+            </p:extLst>
+          </p:nvPr>
+        </p:nvSpPr>
+        <p:spPr>
+          <a:xfrm>
+            <a:off x="5781675" y="0"/>
+            <a:ext cx="663575" cy="182880"/>
+          </a:xfrm>
+          <a:prstGeom prst="rect">
+            <a:avLst/>
+          </a:prstGeom>
+        </p:spPr>
+        <p:txBody>
+          <a:bodyPr horzOverflow="overflow" lIns="0" tIns="0" rIns="0" bIns="0">
+            <a:spAutoFit/>
+          </a:bodyPr>
+          <a:lstStyle/>
+          <a:p>
+            <a:pPr algn="l"/>
+            <a:r>
+              <a:rPr lang="en-SG" sz="1200">
+                <a:solidFill>
+                  <a:srgbClr val="FF0000"/>
+                </a:solidFill>
+                <a:latin typeface="Calibri" panose="020F0502020204030204" pitchFamily="34" charset="0"/>
+                <a:cs typeface="Calibri" panose="020F0502020204030204" pitchFamily="34" charset="0"/>
+              </a:rPr>
+              <a:t>Restricted</a:t>
+            </a:r>
+          </a:p>
+        </p:txBody>
+      </p:sp>
+      <p:sp>
+        <p:nvSpPr>
+          <p:cNvPr id="10" name="TextBox 9">
+            <a:extLst>
+              <a:ext uri="{FF2B5EF4-FFF2-40B4-BE49-F238E27FC236}">
+                <a16:creationId xmlns:a16="http://schemas.microsoft.com/office/drawing/2014/main" id="{FD860DE2-B3E6-2E49-2552-F9BECF930A67}"/>
+              </a:ext>
+            </a:extLst>
+          </p:cNvPr>
+          <p:cNvSpPr txBox="1"/>
+          <p:nvPr userDrawn="1">
+            <p:extLst>
+              <p:ext uri="{1162E1C5-73C7-4A58-AE30-91384D911F3F}">
+                <p184:classification xmlns:p184="http://schemas.microsoft.com/office/powerpoint/2018/4/main" val="ftr"/>
+              </p:ext>
+            </p:extLst>
+          </p:nvPr>
+        </p:nvSpPr>
+        <p:spPr>
+          <a:xfrm>
+            <a:off x="5781675" y="6675120"/>
+            <a:ext cx="663575" cy="182880"/>
+          </a:xfrm>
+          <a:prstGeom prst="rect">
+            <a:avLst/>
+          </a:prstGeom>
+        </p:spPr>
+        <p:txBody>
+          <a:bodyPr horzOverflow="overflow" lIns="0" tIns="0" rIns="0" bIns="0">
+            <a:spAutoFit/>
+          </a:bodyPr>
+          <a:lstStyle/>
+          <a:p>
+            <a:pPr algn="l"/>
+            <a:r>
+              <a:rPr lang="en-SG" sz="1200">
+                <a:solidFill>
+                  <a:srgbClr val="FF0000"/>
+                </a:solidFill>
+                <a:latin typeface="Calibri" panose="020F0502020204030204" pitchFamily="34" charset="0"/>
+                <a:cs typeface="Calibri" panose="020F0502020204030204" pitchFamily="34" charset="0"/>
+              </a:rPr>
+              <a:t>Restricted</a:t>
+            </a:r>
           </a:p>
         </p:txBody>
       </p:sp>
@@ -3850,23 +4297,8 @@
           <a:p>
             <a:r>
               <a:rPr lang="en-US" dirty="0"/>
-              <a:t>Matthieu De Mari, </a:t>
-            </a:r>
-            <a:r>
-              <a:rPr lang="en-US" dirty="0" err="1"/>
-              <a:t>Berrak</a:t>
-            </a:r>
-            <a:r>
-              <a:rPr lang="en-US" dirty="0"/>
-              <a:t> </a:t>
-            </a:r>
-            <a:r>
-              <a:rPr lang="en-US" dirty="0" err="1"/>
-              <a:t>Sisman</a:t>
-            </a:r>
-            <a:endParaRPr lang="en-US" dirty="0"/>
-          </a:p>
-          <a:p>
+              <a:t>Matthieu De Mari</a:t>
+            </a:r>
             <a:endParaRPr lang="en-GB" dirty="0"/>
           </a:p>
         </p:txBody>
@@ -4003,6 +4435,9 @@
             </a:r>
           </a:p>
           <a:p>
+            <a:pPr marL="0" indent="0">
+              <a:buNone/>
+            </a:pPr>
             <a:r>
               <a:rPr lang="en-US" dirty="0"/>
               <a:t>Barely scratched the surface about Reinforcement Learning.</a:t>
@@ -4011,13 +4446,7 @@
           <a:p>
             <a:r>
               <a:rPr lang="en-US" dirty="0"/>
-              <a:t>Currently considering to create a RL course at SUTD for Term 8.</a:t>
-            </a:r>
-          </a:p>
-          <a:p>
-            <a:r>
-              <a:rPr lang="en-US" dirty="0"/>
-              <a:t>Thoughts?</a:t>
+              <a:t>Currently considering to create a RL course at SUTD for Term 8. Thoughts?</a:t>
             </a:r>
           </a:p>
           <a:p>
@@ -4058,13 +4487,8 @@
             </a:pPr>
             <a:r>
               <a:rPr lang="en-US" dirty="0"/>
-              <a:t>And</a:t>
-            </a:r>
-          </a:p>
-          <a:p>
-            <a:pPr marL="0" indent="0">
-              <a:buNone/>
-            </a:pPr>
+              <a:t>And </a:t>
+            </a:r>
             <a:r>
               <a:rPr lang="en-US" dirty="0">
                 <a:hlinkClick r:id="rId3"/>
@@ -4333,9 +4757,12 @@
             <a:endParaRPr lang="en-GB" dirty="0"/>
           </a:p>
           <a:p>
-            <a:r>
-              <a:rPr lang="en-GB" dirty="0"/>
-              <a:t>Ask for the course materials of the Computer Vision Term 7 course for more advanced concepts on CV.</a:t>
+            <a:pPr marL="0" indent="0">
+              <a:buNone/>
+            </a:pPr>
+            <a:r>
+              <a:rPr lang="en-GB" dirty="0"/>
+              <a:t>Ask for the course materials of the Computer Vision Term 7 course for more advanced concepts on CV, such as:</a:t>
             </a:r>
           </a:p>
           <a:p>
@@ -4615,7 +5042,7 @@
             </a:pPr>
             <a:r>
               <a:rPr lang="en-GB" b="1" dirty="0"/>
-              <a:t>Bayesian Deep Learning (Variational </a:t>
+              <a:t>Bayesian and Statistical Learning (Variational </a:t>
             </a:r>
             <a:r>
               <a:rPr lang="en-GB" b="1" dirty="0" err="1"/>
@@ -4905,18 +5332,18 @@
             <a:spLocks noGrp="1"/>
           </p:cNvSpPr>
           <p:nvPr>
-            <p:ph idx="1"/>
+            <p:ph sz="half" idx="1"/>
           </p:nvPr>
         </p:nvSpPr>
         <p:spPr>
           <a:xfrm>
             <a:off x="838200" y="1825624"/>
-            <a:ext cx="10515600" cy="5032375"/>
+            <a:ext cx="5181600" cy="5032375"/>
           </a:xfrm>
         </p:spPr>
         <p:txBody>
           <a:bodyPr>
-            <a:normAutofit/>
+            <a:normAutofit lnSpcReduction="10000"/>
           </a:bodyPr>
           <a:lstStyle/>
           <a:p>
@@ -4942,7 +5369,7 @@
           <a:p>
             <a:r>
               <a:rPr lang="en-GB" dirty="0"/>
-              <a:t>The most obvious way to learn is from Nvidia courses themselves, some give certifications, but it is an investment of both time and money…</a:t>
+              <a:t>The most obvious way to learn is from Nvidia courses themselves, some give certifications, but it is an investment...</a:t>
             </a:r>
           </a:p>
           <a:p>
@@ -4961,34 +5388,85 @@
             <a:endParaRPr lang="en-GB" dirty="0"/>
           </a:p>
           <a:p>
-            <a:r>
-              <a:rPr lang="en-GB" dirty="0"/>
-              <a:t>Similarly, a certification in AWS or Microsoft Azure of Google Cloud for cloud computing machine/deep learning is of high value these days!</a:t>
-            </a:r>
-          </a:p>
-          <a:p>
             <a:pPr marL="0" indent="0">
               <a:buNone/>
             </a:pPr>
             <a:endParaRPr lang="en-GB" dirty="0"/>
           </a:p>
           <a:p>
-            <a:endParaRPr lang="en-GB" dirty="0"/>
-          </a:p>
-          <a:p>
             <a:pPr marL="0" indent="0">
               <a:buNone/>
             </a:pPr>
             <a:endParaRPr lang="en-GB" dirty="0"/>
           </a:p>
-          <a:p>
-            <a:pPr marL="0" indent="0">
-              <a:buNone/>
-            </a:pPr>
-            <a:endParaRPr lang="en-GB" dirty="0"/>
-          </a:p>
-        </p:txBody>
-      </p:sp>
+        </p:txBody>
+      </p:sp>
+      <p:pic>
+        <p:nvPicPr>
+          <p:cNvPr id="6" name="Picture 5">
+            <a:extLst>
+              <a:ext uri="{FF2B5EF4-FFF2-40B4-BE49-F238E27FC236}">
+                <a16:creationId xmlns:a16="http://schemas.microsoft.com/office/drawing/2014/main" id="{54D0B528-15A1-24F2-2476-3A8D0123B3A4}"/>
+              </a:ext>
+            </a:extLst>
+          </p:cNvPr>
+          <p:cNvPicPr>
+            <a:picLocks noChangeAspect="1"/>
+          </p:cNvPicPr>
+          <p:nvPr/>
+        </p:nvPicPr>
+        <p:blipFill>
+          <a:blip r:embed="rId3"/>
+          <a:stretch>
+            <a:fillRect/>
+          </a:stretch>
+        </p:blipFill>
+        <p:spPr>
+          <a:xfrm>
+            <a:off x="6172202" y="3677055"/>
+            <a:ext cx="5714965" cy="2894769"/>
+          </a:xfrm>
+          <a:prstGeom prst="rect">
+            <a:avLst/>
+          </a:prstGeom>
+        </p:spPr>
+      </p:pic>
+      <p:pic>
+        <p:nvPicPr>
+          <p:cNvPr id="8" name="Picture 7" descr="Logo, company name&#10;&#10;Description automatically generated">
+            <a:extLst>
+              <a:ext uri="{FF2B5EF4-FFF2-40B4-BE49-F238E27FC236}">
+                <a16:creationId xmlns:a16="http://schemas.microsoft.com/office/drawing/2014/main" id="{06981AD3-0408-47CA-7462-ECF93911DF8D}"/>
+              </a:ext>
+            </a:extLst>
+          </p:cNvPr>
+          <p:cNvPicPr>
+            <a:picLocks noChangeAspect="1"/>
+          </p:cNvPicPr>
+          <p:nvPr/>
+        </p:nvPicPr>
+        <p:blipFill>
+          <a:blip r:embed="rId4">
+            <a:extLst>
+              <a:ext uri="{28A0092B-C50C-407E-A947-70E740481C1C}">
+                <a14:useLocalDpi xmlns:a14="http://schemas.microsoft.com/office/drawing/2010/main" val="0"/>
+              </a:ext>
+            </a:extLst>
+          </a:blip>
+          <a:stretch>
+            <a:fillRect/>
+          </a:stretch>
+        </p:blipFill>
+        <p:spPr>
+          <a:xfrm>
+            <a:off x="6955275" y="1450467"/>
+            <a:ext cx="3988341" cy="2243442"/>
+          </a:xfrm>
+          <a:prstGeom prst="rect">
+            <a:avLst/>
+          </a:prstGeom>
+        </p:spPr>
+      </p:pic>
     </p:spTree>
     <p:extLst>
       <p:ext uri="{BB962C8B-B14F-4D97-AF65-F5344CB8AC3E}">
@@ -5061,108 +5539,93 @@
             <a:spLocks noGrp="1"/>
           </p:cNvSpPr>
           <p:nvPr>
-            <p:ph idx="1"/>
-          </p:nvPr>
-        </p:nvSpPr>
+            <p:ph sz="half" idx="1"/>
+          </p:nvPr>
+        </p:nvSpPr>
+        <p:spPr/>
+        <p:txBody>
+          <a:bodyPr>
+            <a:normAutofit/>
+          </a:bodyPr>
+          <a:lstStyle/>
+          <a:p>
+            <a:pPr marL="0" indent="0">
+              <a:buNone/>
+            </a:pPr>
+            <a:r>
+              <a:rPr lang="en-GB" b="1" dirty="0"/>
+              <a:t>Could computing is also very valuable…</a:t>
+            </a:r>
+          </a:p>
+          <a:p>
+            <a:r>
+              <a:rPr lang="en-GB" dirty="0"/>
+              <a:t>Similarly, a certification in AWS or Microsoft Azure of Google Cloud for cloud computing machine/deep learning is of high value these days!</a:t>
+            </a:r>
+          </a:p>
+          <a:p>
+            <a:pPr marL="0" indent="0">
+              <a:buNone/>
+            </a:pPr>
+            <a:endParaRPr lang="en-GB" dirty="0"/>
+          </a:p>
+          <a:p>
+            <a:endParaRPr lang="en-GB" dirty="0"/>
+          </a:p>
+          <a:p>
+            <a:pPr marL="0" indent="0">
+              <a:buNone/>
+            </a:pPr>
+            <a:endParaRPr lang="en-GB" dirty="0"/>
+          </a:p>
+          <a:p>
+            <a:pPr marL="0" indent="0">
+              <a:buNone/>
+            </a:pPr>
+            <a:endParaRPr lang="en-GB" dirty="0"/>
+          </a:p>
+        </p:txBody>
+      </p:sp>
+      <p:pic>
+        <p:nvPicPr>
+          <p:cNvPr id="6" name="Picture 5" descr="Logo, company name&#10;&#10;Description automatically generated">
+            <a:extLst>
+              <a:ext uri="{FF2B5EF4-FFF2-40B4-BE49-F238E27FC236}">
+                <a16:creationId xmlns:a16="http://schemas.microsoft.com/office/drawing/2014/main" id="{1FB91D18-8AD7-C28C-DAB7-3CCFFB92C91A}"/>
+              </a:ext>
+            </a:extLst>
+          </p:cNvPr>
+          <p:cNvPicPr>
+            <a:picLocks noChangeAspect="1"/>
+          </p:cNvPicPr>
+          <p:nvPr/>
+        </p:nvPicPr>
+        <p:blipFill>
+          <a:blip r:embed="rId2">
+            <a:extLst>
+              <a:ext uri="{28A0092B-C50C-407E-A947-70E740481C1C}">
+                <a14:useLocalDpi xmlns:a14="http://schemas.microsoft.com/office/drawing/2010/main" val="0"/>
+              </a:ext>
+            </a:extLst>
+          </a:blip>
+          <a:stretch>
+            <a:fillRect/>
+          </a:stretch>
+        </p:blipFill>
         <p:spPr>
           <a:xfrm>
-            <a:off x="838200" y="1825624"/>
-            <a:ext cx="10515600" cy="5032375"/>
+            <a:off x="6748729" y="1906966"/>
+            <a:ext cx="5238513" cy="2995774"/>
           </a:xfrm>
+          <a:prstGeom prst="rect">
+            <a:avLst/>
+          </a:prstGeom>
         </p:spPr>
-        <p:txBody>
-          <a:bodyPr>
-            <a:normAutofit lnSpcReduction="10000"/>
-          </a:bodyPr>
-          <a:lstStyle/>
-          <a:p>
-            <a:pPr marL="0" indent="0">
-              <a:buNone/>
-            </a:pPr>
-            <a:r>
-              <a:rPr lang="en-GB" b="1" dirty="0"/>
-              <a:t>Quantum is the next best thing?</a:t>
-            </a:r>
-          </a:p>
-          <a:p>
-            <a:r>
-              <a:rPr lang="en-GB" dirty="0"/>
-              <a:t>Quantum computers are expected to be the next big thing in Computer Science in general.</a:t>
-            </a:r>
-          </a:p>
-          <a:p>
-            <a:r>
-              <a:rPr lang="en-GB" dirty="0"/>
-              <a:t>This will also apply to AI/ML/DL…</a:t>
-            </a:r>
-          </a:p>
-          <a:p>
-            <a:r>
-              <a:rPr lang="en-GB" dirty="0"/>
-              <a:t>This means we will get to train larger networks, faster. (This is currently a limit for many applications these days).</a:t>
-            </a:r>
-          </a:p>
-          <a:p>
-            <a:r>
-              <a:rPr lang="en-GB" dirty="0"/>
-              <a:t>Picking up on quantum computing is never a bad idea (but careful, possibly the most difficult topic out there!)</a:t>
-            </a:r>
-          </a:p>
-          <a:p>
-            <a:pPr marL="0" indent="0">
-              <a:buNone/>
-            </a:pPr>
-            <a:r>
-              <a:rPr lang="en-GB" dirty="0">
-                <a:hlinkClick r:id="rId2"/>
-              </a:rPr>
-              <a:t>https://towardsdatascience.com/dont-ask-what-quantum-computing-can-do-for-machine-learning-cc44feeb51e8</a:t>
-            </a:r>
-            <a:endParaRPr lang="en-GB" dirty="0"/>
-          </a:p>
-          <a:p>
-            <a:pPr marL="0" indent="0">
-              <a:buNone/>
-            </a:pPr>
-            <a:r>
-              <a:rPr lang="en-GB">
-                <a:hlinkClick r:id="rId3"/>
-              </a:rPr>
-              <a:t>https://pennylane.ai/qml/whatisqml.html</a:t>
-            </a:r>
-            <a:r>
-              <a:rPr lang="en-GB"/>
-              <a:t> </a:t>
-            </a:r>
-            <a:endParaRPr lang="en-GB" dirty="0"/>
-          </a:p>
-          <a:p>
-            <a:pPr marL="0" indent="0">
-              <a:buNone/>
-            </a:pPr>
-            <a:endParaRPr lang="en-GB" dirty="0"/>
-          </a:p>
-          <a:p>
-            <a:endParaRPr lang="en-GB" dirty="0"/>
-          </a:p>
-          <a:p>
-            <a:pPr marL="0" indent="0">
-              <a:buNone/>
-            </a:pPr>
-            <a:endParaRPr lang="en-GB" dirty="0"/>
-          </a:p>
-          <a:p>
-            <a:pPr marL="0" indent="0">
-              <a:buNone/>
-            </a:pPr>
-            <a:endParaRPr lang="en-GB" dirty="0"/>
-          </a:p>
-        </p:txBody>
-      </p:sp>
+      </p:pic>
     </p:spTree>
     <p:extLst>
       <p:ext uri="{BB962C8B-B14F-4D97-AF65-F5344CB8AC3E}">
-        <p14:creationId xmlns:p14="http://schemas.microsoft.com/office/powerpoint/2010/main" val="984673236"/>
+        <p14:creationId xmlns:p14="http://schemas.microsoft.com/office/powerpoint/2010/main" val="463541510"/>
       </p:ext>
     </p:extLst>
   </p:cSld>
@@ -5242,7 +5705,7 @@
         </p:spPr>
         <p:txBody>
           <a:bodyPr>
-            <a:normAutofit/>
+            <a:normAutofit lnSpcReduction="10000"/>
           </a:bodyPr>
           <a:lstStyle/>
           <a:p>
@@ -5251,59 +5714,62 @@
             </a:pPr>
             <a:r>
               <a:rPr lang="en-GB" b="1" dirty="0"/>
-              <a:t>More stuff</a:t>
-            </a:r>
-          </a:p>
-          <a:p>
-            <a:r>
-              <a:rPr lang="en-GB" dirty="0"/>
-              <a:t>Advanced Probability and Statistics (a.k.a. Statistical Learning) is always a great plus…</a:t>
-            </a:r>
-            <a:br>
-              <a:rPr lang="en-GB" dirty="0"/>
-            </a:br>
+              <a:t>Quantum is the next best thing?</a:t>
+            </a:r>
+          </a:p>
+          <a:p>
+            <a:pPr marL="0" indent="0">
+              <a:buNone/>
+            </a:pPr>
+            <a:r>
+              <a:rPr lang="en-GB" dirty="0"/>
+              <a:t>Quantum computers are expected to be the next big thing in Computer Science in general.</a:t>
+            </a:r>
+          </a:p>
+          <a:p>
+            <a:r>
+              <a:rPr lang="en-GB" dirty="0"/>
+              <a:t>This will also apply to AI/ML/DL…</a:t>
+            </a:r>
+          </a:p>
+          <a:p>
+            <a:r>
+              <a:rPr lang="en-GB" dirty="0"/>
+              <a:t>This means we will get to train larger networks, faster. (This is currently a limit for many applications these days).</a:t>
+            </a:r>
+          </a:p>
+          <a:p>
+            <a:r>
+              <a:rPr lang="en-GB" dirty="0"/>
+              <a:t>Picking up on quantum computing is never a bad idea (but careful, possibly the most difficult topic out there!)</a:t>
+            </a:r>
+          </a:p>
+          <a:p>
+            <a:pPr marL="0" indent="0">
+              <a:buNone/>
+            </a:pPr>
             <a:r>
               <a:rPr lang="en-GB" dirty="0">
                 <a:hlinkClick r:id="rId2"/>
               </a:rPr>
-              <a:t>https://www.statlearning.com/</a:t>
+              <a:t>https://towardsdatascience.com/dont-ask-what-quantum-computing-can-do-for-machine-learning-cc44feeb51e8</a:t>
             </a:r>
             <a:endParaRPr lang="en-GB" dirty="0"/>
           </a:p>
           <a:p>
-            <a:r>
-              <a:rPr lang="en-GB" dirty="0"/>
-              <a:t>Neuroscience should probably be art of any serious AI curriculum…</a:t>
-            </a:r>
-            <a:br>
-              <a:rPr lang="en-GB" dirty="0"/>
-            </a:br>
-            <a:r>
-              <a:rPr lang="en-GB" dirty="0"/>
-              <a:t>[</a:t>
-            </a:r>
-            <a:r>
-              <a:rPr lang="en-GB" dirty="0" err="1"/>
-              <a:t>NeuroAI</a:t>
-            </a:r>
-            <a:r>
-              <a:rPr lang="en-GB" dirty="0"/>
-              <a:t>] Barron et al., “</a:t>
-            </a:r>
-            <a:r>
-              <a:rPr lang="en-US" dirty="0"/>
-              <a:t>What insects can tell us about the origins of consciousness”, 2015.</a:t>
-            </a:r>
-            <a:endParaRPr lang="en-GB" dirty="0"/>
-          </a:p>
-          <a:p>
-            <a:r>
-              <a:rPr lang="en-GB" dirty="0"/>
-              <a:t>Etc.</a:t>
-            </a:r>
-          </a:p>
-          <a:p>
-            <a:endParaRPr lang="en-GB" dirty="0"/>
+            <a:pPr marL="0" indent="0">
+              <a:buNone/>
+            </a:pPr>
+            <a:r>
+              <a:rPr lang="en-GB" dirty="0">
+                <a:hlinkClick r:id="rId3"/>
+              </a:rPr>
+              <a:t>https://pennylane.ai/qml/whatisqml.html</a:t>
+            </a:r>
+            <a:r>
+              <a:rPr lang="en-GB" dirty="0"/>
+              <a:t> </a:t>
+            </a:r>
           </a:p>
           <a:p>
             <a:pPr marL="0" indent="0">
@@ -5331,7 +5797,7 @@
     </p:spTree>
     <p:extLst>
       <p:ext uri="{BB962C8B-B14F-4D97-AF65-F5344CB8AC3E}">
-        <p14:creationId xmlns:p14="http://schemas.microsoft.com/office/powerpoint/2010/main" val="86124098"/>
+        <p14:creationId xmlns:p14="http://schemas.microsoft.com/office/powerpoint/2010/main" val="984673236"/>
       </p:ext>
     </p:extLst>
   </p:cSld>
@@ -5426,7 +5892,7 @@
           <a:p>
             <a:r>
               <a:rPr lang="en-GB" dirty="0"/>
-              <a:t>Using DL to solve complex differential equations.</a:t>
+              <a:t>Advanced Probability and Statistics (a.k.a. Statistical Learning) is always a great plus…</a:t>
             </a:r>
             <a:br>
               <a:rPr lang="en-GB" dirty="0"/>
@@ -5435,23 +5901,33 @@
               <a:rPr lang="en-GB" dirty="0">
                 <a:hlinkClick r:id="rId2"/>
               </a:rPr>
-              <a:t>https://medium.com/swlh/artificial-intelligence-can-now-solve-a-mathematical-problem-that-can-make-researchers-life-easier-9602c869128</a:t>
+              <a:t>https://www.statlearning.com/</a:t>
             </a:r>
             <a:endParaRPr lang="en-GB" dirty="0"/>
           </a:p>
           <a:p>
             <a:r>
               <a:rPr lang="en-GB" dirty="0"/>
-              <a:t>General AI, i.e. designing an AI will full human cognitive capabilities (vision, hearing, speech, movement, etc.).</a:t>
+              <a:t>Neuroscience should probably be part of any serious AI curriculum…</a:t>
             </a:r>
             <a:br>
               <a:rPr lang="en-GB" dirty="0"/>
             </a:br>
             <a:r>
-              <a:rPr lang="en-GB" dirty="0">
-                <a:hlinkClick r:id="rId3"/>
-              </a:rPr>
-              <a:t>https://www.forbes.com/sites/forbestechcouncil/2021/07/16/the-future-of-artificial-general-intelligence/?sh=c9223323ba99</a:t>
+              <a:rPr lang="en-GB" dirty="0"/>
+              <a:t>[</a:t>
+            </a:r>
+            <a:r>
+              <a:rPr lang="en-GB" dirty="0" err="1"/>
+              <a:t>NeuroAI</a:t>
+            </a:r>
+            <a:r>
+              <a:rPr lang="en-GB" dirty="0"/>
+              <a:t>] Barron et al., “</a:t>
+            </a:r>
+            <a:r>
+              <a:rPr lang="en-US" dirty="0"/>
+              <a:t>What insects can tell us about the origins of consciousness”, 2015.</a:t>
             </a:r>
             <a:endParaRPr lang="en-GB" dirty="0"/>
           </a:p>
@@ -5490,7 +5966,7 @@
     </p:spTree>
     <p:extLst>
       <p:ext uri="{BB962C8B-B14F-4D97-AF65-F5344CB8AC3E}">
-        <p14:creationId xmlns:p14="http://schemas.microsoft.com/office/powerpoint/2010/main" val="1319851450"/>
+        <p14:creationId xmlns:p14="http://schemas.microsoft.com/office/powerpoint/2010/main" val="86124098"/>
       </p:ext>
     </p:extLst>
   </p:cSld>
@@ -5662,10 +6138,10 @@
       </p:grpSpPr>
       <p:sp>
         <p:nvSpPr>
-          <p:cNvPr id="4" name="Title 3">
-            <a:extLst>
-              <a:ext uri="{FF2B5EF4-FFF2-40B4-BE49-F238E27FC236}">
-                <a16:creationId xmlns:a16="http://schemas.microsoft.com/office/drawing/2014/main" id="{C0612F2C-CCBD-4D9C-8C97-D9FE2F828CB0}"/>
+          <p:cNvPr id="2" name="Title 1">
+            <a:extLst>
+              <a:ext uri="{FF2B5EF4-FFF2-40B4-BE49-F238E27FC236}">
+                <a16:creationId xmlns:a16="http://schemas.microsoft.com/office/drawing/2014/main" id="{C826F7A7-7731-488B-8DF2-1407712F1EC1}"/>
               </a:ext>
             </a:extLst>
           </p:cNvPr>
@@ -5683,7 +6159,7 @@
           <a:p>
             <a:r>
               <a:rPr lang="en-US" dirty="0"/>
-              <a:t>More importantly</a:t>
+              <a:t>On top of everything we have seen…</a:t>
             </a:r>
             <a:endParaRPr lang="en-GB" dirty="0"/>
           </a:p>
@@ -5691,10 +6167,10 @@
       </p:sp>
       <p:sp>
         <p:nvSpPr>
-          <p:cNvPr id="5" name="Content Placeholder 4">
-            <a:extLst>
-              <a:ext uri="{FF2B5EF4-FFF2-40B4-BE49-F238E27FC236}">
-                <a16:creationId xmlns:a16="http://schemas.microsoft.com/office/drawing/2014/main" id="{92E3B964-4CD4-43B6-A9FE-636D9290CF09}"/>
+          <p:cNvPr id="3" name="Content Placeholder 2">
+            <a:extLst>
+              <a:ext uri="{FF2B5EF4-FFF2-40B4-BE49-F238E27FC236}">
+                <a16:creationId xmlns:a16="http://schemas.microsoft.com/office/drawing/2014/main" id="{9D882609-53DF-4B06-91C6-50E0570C62D5}"/>
               </a:ext>
             </a:extLst>
           </p:cNvPr>
@@ -5705,29 +6181,86 @@
             <p:ph idx="1"/>
           </p:nvPr>
         </p:nvSpPr>
-        <p:spPr/>
-        <p:txBody>
-          <a:bodyPr/>
-          <a:lstStyle/>
-          <a:p>
-            <a:r>
-              <a:rPr lang="en-US" dirty="0"/>
-              <a:t>Keep your watchlist of papers and authors up to date.</a:t>
-            </a:r>
-          </a:p>
-          <a:p>
-            <a:r>
-              <a:rPr lang="en-US" dirty="0"/>
-              <a:t>I have mentioned researchers, which I believe are among the most notable influencers of the Deep Learning community.</a:t>
-            </a:r>
-          </a:p>
-          <a:p>
-            <a:r>
-              <a:rPr lang="en-US" dirty="0"/>
-              <a:t>Adding some more on the next slides</a:t>
-            </a:r>
-          </a:p>
-          <a:p>
+        <p:spPr>
+          <a:xfrm>
+            <a:off x="838200" y="1825624"/>
+            <a:ext cx="10515600" cy="5032375"/>
+          </a:xfrm>
+        </p:spPr>
+        <p:txBody>
+          <a:bodyPr>
+            <a:normAutofit/>
+          </a:bodyPr>
+          <a:lstStyle/>
+          <a:p>
+            <a:pPr marL="0" indent="0">
+              <a:buNone/>
+            </a:pPr>
+            <a:r>
+              <a:rPr lang="en-GB" b="1" dirty="0"/>
+              <a:t>More stuff</a:t>
+            </a:r>
+          </a:p>
+          <a:p>
+            <a:r>
+              <a:rPr lang="en-GB" dirty="0"/>
+              <a:t>Using DL to solve complex differential equations.</a:t>
+            </a:r>
+            <a:br>
+              <a:rPr lang="en-GB" dirty="0"/>
+            </a:br>
+            <a:r>
+              <a:rPr lang="en-GB" dirty="0">
+                <a:hlinkClick r:id="rId2"/>
+              </a:rPr>
+              <a:t>https://medium.com/swlh/artificial-intelligence-can-now-solve-a-mathematical-problem-that-can-make-researchers-life-easier-9602c869128</a:t>
+            </a:r>
+            <a:endParaRPr lang="en-GB" dirty="0"/>
+          </a:p>
+          <a:p>
+            <a:r>
+              <a:rPr lang="en-GB" dirty="0"/>
+              <a:t>General AI, i.e. designing an AI will full human cognitive capabilities (vision, hearing, speech, movement, etc.).</a:t>
+            </a:r>
+            <a:br>
+              <a:rPr lang="en-GB" dirty="0"/>
+            </a:br>
+            <a:r>
+              <a:rPr lang="en-GB" dirty="0">
+                <a:hlinkClick r:id="rId3"/>
+              </a:rPr>
+              <a:t>https://www.forbes.com/sites/forbestechcouncil/2021/07/16/the-future-of-artificial-general-intelligence/?sh=c9223323ba99</a:t>
+            </a:r>
+            <a:endParaRPr lang="en-GB" dirty="0"/>
+          </a:p>
+          <a:p>
+            <a:r>
+              <a:rPr lang="en-GB" dirty="0"/>
+              <a:t>Etc.</a:t>
+            </a:r>
+          </a:p>
+          <a:p>
+            <a:endParaRPr lang="en-GB" dirty="0"/>
+          </a:p>
+          <a:p>
+            <a:pPr marL="0" indent="0">
+              <a:buNone/>
+            </a:pPr>
+            <a:endParaRPr lang="en-GB" dirty="0"/>
+          </a:p>
+          <a:p>
+            <a:endParaRPr lang="en-GB" dirty="0"/>
+          </a:p>
+          <a:p>
+            <a:pPr marL="0" indent="0">
+              <a:buNone/>
+            </a:pPr>
+            <a:endParaRPr lang="en-GB" dirty="0"/>
+          </a:p>
+          <a:p>
+            <a:pPr marL="0" indent="0">
+              <a:buNone/>
+            </a:pPr>
             <a:endParaRPr lang="en-GB" dirty="0"/>
           </a:p>
         </p:txBody>
@@ -5735,7 +6268,7 @@
     </p:spTree>
     <p:extLst>
       <p:ext uri="{BB962C8B-B14F-4D97-AF65-F5344CB8AC3E}">
-        <p14:creationId xmlns:p14="http://schemas.microsoft.com/office/powerpoint/2010/main" val="3742398413"/>
+        <p14:creationId xmlns:p14="http://schemas.microsoft.com/office/powerpoint/2010/main" val="1319851450"/>
       </p:ext>
     </p:extLst>
   </p:cSld>
@@ -5867,7 +6400,7 @@
           <p:cNvPr id="4" name="Title 3">
             <a:extLst>
               <a:ext uri="{FF2B5EF4-FFF2-40B4-BE49-F238E27FC236}">
-                <a16:creationId xmlns:a16="http://schemas.microsoft.com/office/drawing/2014/main" id="{1715EAD9-59BF-46C0-9089-6E366691CAE9}"/>
+                <a16:creationId xmlns:a16="http://schemas.microsoft.com/office/drawing/2014/main" id="{C0612F2C-CCBD-4D9C-8C97-D9FE2F828CB0}"/>
               </a:ext>
             </a:extLst>
           </p:cNvPr>
@@ -5885,15 +6418,7 @@
           <a:p>
             <a:r>
               <a:rPr lang="en-US" dirty="0"/>
-              <a:t>Add these researchers, companies and research </a:t>
-            </a:r>
-            <a:r>
-              <a:rPr lang="en-US" dirty="0" err="1"/>
-              <a:t>groupes</a:t>
-            </a:r>
-            <a:r>
-              <a:rPr lang="en-US" dirty="0"/>
-              <a:t> to your watchlist</a:t>
+              <a:t>More importantly</a:t>
             </a:r>
             <a:endParaRPr lang="en-GB" dirty="0"/>
           </a:p>
@@ -5904,407 +6429,145 @@
           <p:cNvPr id="5" name="Content Placeholder 4">
             <a:extLst>
               <a:ext uri="{FF2B5EF4-FFF2-40B4-BE49-F238E27FC236}">
-                <a16:creationId xmlns:a16="http://schemas.microsoft.com/office/drawing/2014/main" id="{279FF99D-84CB-436E-9373-43EB3F28720A}"/>
-              </a:ext>
-            </a:extLst>
-          </p:cNvPr>
-          <p:cNvSpPr>
-            <a:spLocks noGrp="1"/>
-          </p:cNvSpPr>
-          <p:nvPr>
-            <p:ph idx="1"/>
+                <a16:creationId xmlns:a16="http://schemas.microsoft.com/office/drawing/2014/main" id="{92E3B964-4CD4-43B6-A9FE-636D9290CF09}"/>
+              </a:ext>
+            </a:extLst>
+          </p:cNvPr>
+          <p:cNvSpPr>
+            <a:spLocks noGrp="1"/>
+          </p:cNvSpPr>
+          <p:nvPr>
+            <p:ph sz="half" idx="1"/>
           </p:nvPr>
         </p:nvSpPr>
         <p:spPr>
           <a:xfrm>
             <a:off x="838200" y="1825624"/>
-            <a:ext cx="10515600" cy="5032375"/>
+            <a:ext cx="5181600" cy="5032375"/>
           </a:xfrm>
         </p:spPr>
         <p:txBody>
           <a:bodyPr>
-            <a:noAutofit/>
+            <a:normAutofit/>
           </a:bodyPr>
           <a:lstStyle/>
           <a:p>
-            <a:r>
-              <a:rPr lang="en-GB" b="1" dirty="0"/>
-              <a:t>Yann </a:t>
-            </a:r>
-            <a:r>
-              <a:rPr lang="en-GB" b="1" dirty="0" err="1">
-                <a:solidFill>
-                  <a:schemeClr val="accent2">
-                    <a:lumMod val="50000"/>
-                  </a:schemeClr>
-                </a:solidFill>
-              </a:rPr>
-              <a:t>LeCun</a:t>
-            </a:r>
-            <a:r>
-              <a:rPr lang="en-GB" b="1" dirty="0"/>
-              <a:t>: Chief AI Scientist </a:t>
-            </a:r>
-            <a:r>
-              <a:rPr lang="en-GB" dirty="0"/>
-              <a:t>at </a:t>
-            </a:r>
-            <a:r>
-              <a:rPr lang="en-GB" b="1" dirty="0">
-                <a:solidFill>
-                  <a:schemeClr val="accent2">
-                    <a:lumMod val="50000"/>
-                  </a:schemeClr>
-                </a:solidFill>
-              </a:rPr>
-              <a:t>Facebook</a:t>
-            </a:r>
-            <a:r>
-              <a:rPr lang="en-GB" dirty="0"/>
-              <a:t> </a:t>
-            </a:r>
-            <a:r>
-              <a:rPr lang="en-GB" b="1" dirty="0">
-                <a:solidFill>
-                  <a:schemeClr val="accent2">
-                    <a:lumMod val="50000"/>
-                  </a:schemeClr>
-                </a:solidFill>
-              </a:rPr>
-              <a:t>AI</a:t>
-            </a:r>
-            <a:r>
-              <a:rPr lang="en-GB" dirty="0"/>
-              <a:t>, </a:t>
-            </a:r>
-            <a:r>
-              <a:rPr lang="en-GB" b="1" dirty="0"/>
-              <a:t>Professor</a:t>
-            </a:r>
-            <a:r>
-              <a:rPr lang="en-GB" dirty="0"/>
-              <a:t> at </a:t>
-            </a:r>
-            <a:r>
-              <a:rPr lang="en-GB" b="1" dirty="0"/>
-              <a:t>New</a:t>
-            </a:r>
-            <a:r>
-              <a:rPr lang="en-GB" dirty="0"/>
-              <a:t> </a:t>
-            </a:r>
-            <a:r>
-              <a:rPr lang="en-GB" b="1" dirty="0"/>
-              <a:t>York</a:t>
-            </a:r>
-            <a:r>
-              <a:rPr lang="en-GB" dirty="0"/>
-              <a:t> </a:t>
-            </a:r>
-            <a:r>
-              <a:rPr lang="en-GB" b="1" dirty="0"/>
-              <a:t>University</a:t>
-            </a:r>
-            <a:r>
-              <a:rPr lang="en-GB" dirty="0"/>
-              <a:t>, inventor of </a:t>
-            </a:r>
-            <a:r>
-              <a:rPr lang="en-GB" b="1" dirty="0"/>
-              <a:t>CNNs</a:t>
-            </a:r>
-            <a:r>
-              <a:rPr lang="en-GB" dirty="0"/>
-              <a:t>, creator of </a:t>
-            </a:r>
-            <a:r>
-              <a:rPr lang="en-GB" b="1" dirty="0"/>
-              <a:t>MNIST </a:t>
-            </a:r>
-            <a:r>
-              <a:rPr lang="en-GB" dirty="0"/>
-              <a:t>dataset,</a:t>
-            </a:r>
-            <a:r>
-              <a:rPr lang="en-GB" b="1" dirty="0"/>
-              <a:t> third</a:t>
-            </a:r>
-            <a:r>
-              <a:rPr lang="en-GB" dirty="0"/>
-              <a:t> </a:t>
-            </a:r>
-            <a:r>
-              <a:rPr lang="en-GB" b="1" dirty="0"/>
-              <a:t>one</a:t>
-            </a:r>
-            <a:r>
-              <a:rPr lang="en-GB" dirty="0"/>
-              <a:t> of the </a:t>
-            </a:r>
-            <a:r>
-              <a:rPr lang="en-GB" b="1" dirty="0"/>
-              <a:t>three</a:t>
-            </a:r>
-            <a:r>
-              <a:rPr lang="en-GB" dirty="0"/>
-              <a:t> </a:t>
-            </a:r>
-            <a:r>
-              <a:rPr lang="en-GB" b="1" dirty="0" err="1"/>
-              <a:t>GodFathers</a:t>
-            </a:r>
-            <a:r>
-              <a:rPr lang="en-GB" dirty="0"/>
-              <a:t> </a:t>
-            </a:r>
-            <a:r>
-              <a:rPr lang="en-GB" b="1" dirty="0"/>
-              <a:t>of</a:t>
-            </a:r>
-            <a:r>
-              <a:rPr lang="en-GB" dirty="0"/>
-              <a:t> </a:t>
-            </a:r>
-            <a:r>
-              <a:rPr lang="en-GB" b="1" dirty="0"/>
-              <a:t>Deep</a:t>
-            </a:r>
-            <a:r>
-              <a:rPr lang="en-GB" dirty="0"/>
-              <a:t> </a:t>
-            </a:r>
-            <a:r>
-              <a:rPr lang="en-GB" b="1" dirty="0"/>
-              <a:t>Learning</a:t>
-            </a:r>
-            <a:r>
-              <a:rPr lang="en-GB" dirty="0"/>
-              <a:t>.</a:t>
+            <a:pPr marL="0" indent="0">
+              <a:buNone/>
+            </a:pPr>
+            <a:r>
+              <a:rPr lang="en-US" b="1" dirty="0"/>
+              <a:t>DL/AI is a very active and fast-paced field.</a:t>
+            </a:r>
+          </a:p>
+          <a:p>
+            <a:r>
+              <a:rPr lang="en-US" dirty="0"/>
+              <a:t>Keep your watchlist of papers and authors up to date.</a:t>
+            </a:r>
+          </a:p>
+          <a:p>
+            <a:r>
+              <a:rPr lang="en-US" dirty="0"/>
+              <a:t>I have mentioned researchers, which I believe are among the most notable influencers of the Deep Learning community.</a:t>
+            </a:r>
+          </a:p>
+          <a:p>
+            <a:endParaRPr lang="en-US" dirty="0"/>
+          </a:p>
+          <a:p>
+            <a:r>
+              <a:rPr lang="en-US" dirty="0"/>
+              <a:t>Will be adding some more on the next slides.</a:t>
+            </a:r>
+          </a:p>
+          <a:p>
+            <a:endParaRPr lang="en-GB" dirty="0"/>
+          </a:p>
+        </p:txBody>
+      </p:sp>
+      <p:sp>
+        <p:nvSpPr>
+          <p:cNvPr id="2" name="Content Placeholder 1">
+            <a:extLst>
+              <a:ext uri="{FF2B5EF4-FFF2-40B4-BE49-F238E27FC236}">
+                <a16:creationId xmlns:a16="http://schemas.microsoft.com/office/drawing/2014/main" id="{B268085A-1A68-E432-3EE4-1DEE1BAB6A6E}"/>
+              </a:ext>
+            </a:extLst>
+          </p:cNvPr>
+          <p:cNvSpPr>
+            <a:spLocks noGrp="1"/>
+          </p:cNvSpPr>
+          <p:nvPr>
+            <p:ph sz="half" idx="2"/>
+          </p:nvPr>
+        </p:nvSpPr>
+        <p:spPr>
+          <a:xfrm>
+            <a:off x="6172199" y="1825625"/>
+            <a:ext cx="5920274" cy="4351338"/>
+          </a:xfrm>
+        </p:spPr>
+        <p:txBody>
+          <a:bodyPr>
+            <a:normAutofit/>
+          </a:bodyPr>
+          <a:lstStyle/>
+          <a:p>
+            <a:pPr marL="0" indent="0" algn="ctr">
+              <a:buNone/>
+            </a:pPr>
+            <a:r>
+              <a:rPr lang="en-US" sz="3000" i="1" dirty="0"/>
+              <a:t>“A good professor should have this constant concern: teaching his students how to continue without him.“</a:t>
             </a:r>
             <a:br>
-              <a:rPr lang="en-GB" dirty="0"/>
+              <a:rPr lang="en-US" sz="3000" i="1" dirty="0"/>
             </a:br>
             <a:r>
-              <a:rPr lang="en-GB" dirty="0">
-                <a:hlinkClick r:id="rId2"/>
-              </a:rPr>
-              <a:t>https://scholar.google.com/citations?user=WLN3QrAAAAAJ&amp;hl=fr</a:t>
-            </a:r>
-            <a:endParaRPr lang="en-GB" dirty="0"/>
-          </a:p>
-          <a:p>
-            <a:r>
-              <a:rPr lang="en-GB" b="1" dirty="0" err="1"/>
-              <a:t>Demis</a:t>
-            </a:r>
-            <a:r>
-              <a:rPr lang="en-GB" dirty="0"/>
-              <a:t> </a:t>
-            </a:r>
-            <a:r>
-              <a:rPr lang="en-GB" b="1" dirty="0">
-                <a:solidFill>
-                  <a:schemeClr val="accent2">
-                    <a:lumMod val="50000"/>
-                  </a:schemeClr>
-                </a:solidFill>
-              </a:rPr>
-              <a:t>Hassabis</a:t>
-            </a:r>
-            <a:r>
-              <a:rPr lang="en-GB" dirty="0"/>
-              <a:t>: Co-founder of </a:t>
-            </a:r>
-            <a:r>
-              <a:rPr lang="en-GB" b="1" dirty="0">
-                <a:solidFill>
-                  <a:schemeClr val="accent2">
-                    <a:lumMod val="50000"/>
-                  </a:schemeClr>
-                </a:solidFill>
-              </a:rPr>
-              <a:t>DeepMind</a:t>
-            </a:r>
-            <a:r>
-              <a:rPr lang="en-GB" dirty="0"/>
-              <a:t>, </a:t>
-            </a:r>
-            <a:r>
-              <a:rPr lang="en-GB" b="1" dirty="0">
-                <a:solidFill>
-                  <a:schemeClr val="accent2">
-                    <a:lumMod val="50000"/>
-                  </a:schemeClr>
-                </a:solidFill>
-              </a:rPr>
-              <a:t>AlphaGo</a:t>
-            </a:r>
-            <a:r>
-              <a:rPr lang="en-GB" dirty="0"/>
-              <a:t>. Several contributions in </a:t>
-            </a:r>
-            <a:r>
-              <a:rPr lang="en-GB" b="1" dirty="0"/>
-              <a:t>Reinforcement</a:t>
-            </a:r>
-            <a:r>
-              <a:rPr lang="en-GB" dirty="0"/>
-              <a:t> </a:t>
-            </a:r>
-            <a:r>
-              <a:rPr lang="en-GB" b="1" dirty="0"/>
-              <a:t>Learning</a:t>
-            </a:r>
-            <a:r>
-              <a:rPr lang="en-GB" dirty="0"/>
-              <a:t>.</a:t>
-            </a:r>
-            <a:br>
-              <a:rPr lang="en-GB" dirty="0"/>
-            </a:br>
-            <a:r>
-              <a:rPr lang="en-GB" dirty="0">
-                <a:hlinkClick r:id="rId3"/>
-              </a:rPr>
-              <a:t>https://scholar.google.com/citations?hl=en&amp;user=dYpPMQEAAAAJ</a:t>
-            </a:r>
-            <a:endParaRPr lang="en-GB" dirty="0"/>
-          </a:p>
-          <a:p>
-            <a:r>
-              <a:rPr lang="en-GB" b="1" dirty="0"/>
-              <a:t>Alex</a:t>
-            </a:r>
-            <a:r>
-              <a:rPr lang="en-GB" dirty="0"/>
-              <a:t> </a:t>
-            </a:r>
-            <a:r>
-              <a:rPr lang="en-GB" b="1" dirty="0">
-                <a:solidFill>
-                  <a:schemeClr val="accent2">
-                    <a:lumMod val="50000"/>
-                  </a:schemeClr>
-                </a:solidFill>
-              </a:rPr>
-              <a:t>Graves</a:t>
-            </a:r>
-            <a:r>
-              <a:rPr lang="en-GB" dirty="0"/>
-              <a:t>: </a:t>
-            </a:r>
-            <a:r>
-              <a:rPr lang="en-GB" b="1" dirty="0"/>
-              <a:t>Professor</a:t>
-            </a:r>
-            <a:r>
-              <a:rPr lang="en-GB" dirty="0"/>
-              <a:t> at </a:t>
-            </a:r>
-            <a:r>
-              <a:rPr lang="en-GB" b="1" dirty="0"/>
-              <a:t>University</a:t>
-            </a:r>
-            <a:r>
-              <a:rPr lang="en-GB" dirty="0"/>
-              <a:t> </a:t>
-            </a:r>
-            <a:r>
-              <a:rPr lang="en-GB" b="1" dirty="0"/>
-              <a:t>of</a:t>
-            </a:r>
-            <a:r>
-              <a:rPr lang="en-GB" dirty="0"/>
-              <a:t> </a:t>
-            </a:r>
-            <a:r>
-              <a:rPr lang="en-GB" b="1" dirty="0"/>
-              <a:t>Toronto</a:t>
-            </a:r>
-            <a:r>
-              <a:rPr lang="en-GB" dirty="0"/>
-              <a:t>. Several contributions in </a:t>
-            </a:r>
-            <a:r>
-              <a:rPr lang="en-GB" b="1" dirty="0"/>
-              <a:t>Reinforcement</a:t>
-            </a:r>
-            <a:r>
-              <a:rPr lang="en-GB" dirty="0"/>
-              <a:t> </a:t>
-            </a:r>
-            <a:r>
-              <a:rPr lang="en-GB" b="1" dirty="0"/>
-              <a:t>Learning</a:t>
-            </a:r>
-            <a:r>
-              <a:rPr lang="en-GB" dirty="0"/>
-              <a:t>. </a:t>
-            </a:r>
-            <a:r>
-              <a:rPr lang="en-GB" dirty="0">
-                <a:hlinkClick r:id="rId4"/>
-              </a:rPr>
-              <a:t>https://scholar.google.co.uk/citations?user=DaFHynwAAAAJ&amp;hl=en</a:t>
-            </a:r>
-            <a:endParaRPr lang="en-GB" dirty="0"/>
-          </a:p>
-          <a:p>
-            <a:r>
-              <a:rPr lang="en-GB" b="1" dirty="0"/>
-              <a:t>Michael</a:t>
-            </a:r>
-            <a:r>
-              <a:rPr lang="en-GB" dirty="0"/>
-              <a:t> </a:t>
-            </a:r>
-            <a:r>
-              <a:rPr lang="en-GB" b="1" dirty="0"/>
-              <a:t>I.</a:t>
-            </a:r>
-            <a:r>
-              <a:rPr lang="en-GB" dirty="0"/>
-              <a:t> </a:t>
-            </a:r>
-            <a:r>
-              <a:rPr lang="en-GB" b="1" dirty="0">
-                <a:solidFill>
-                  <a:schemeClr val="accent2">
-                    <a:lumMod val="50000"/>
-                  </a:schemeClr>
-                </a:solidFill>
-              </a:rPr>
-              <a:t>Jordan</a:t>
-            </a:r>
-            <a:r>
-              <a:rPr lang="en-GB" dirty="0"/>
-              <a:t>: Professor at </a:t>
-            </a:r>
-            <a:r>
-              <a:rPr lang="en-GB" b="1" dirty="0"/>
-              <a:t>UC Berkeley</a:t>
-            </a:r>
-            <a:r>
-              <a:rPr lang="en-GB" dirty="0"/>
-              <a:t>, co-inventor of LDA.</a:t>
-            </a:r>
-            <a:br>
-              <a:rPr lang="en-GB" dirty="0"/>
-            </a:br>
-            <a:r>
-              <a:rPr lang="en-GB" dirty="0">
-                <a:hlinkClick r:id="rId5"/>
-              </a:rPr>
-              <a:t>https://scholar.google.com/citations?user=yxUduqMAAAAJ&amp;hl=fr</a:t>
-            </a:r>
-            <a:endParaRPr lang="en-GB" dirty="0"/>
-          </a:p>
-        </p:txBody>
-      </p:sp>
+              <a:rPr lang="en-US" sz="3000" i="1" dirty="0"/>
+              <a:t>– André Gide, Nobel Prize of Literature in 1947</a:t>
+            </a:r>
+          </a:p>
+          <a:p>
+            <a:endParaRPr lang="en-SG" dirty="0"/>
+          </a:p>
+        </p:txBody>
+      </p:sp>
+      <p:pic>
+        <p:nvPicPr>
+          <p:cNvPr id="10" name="Picture 9">
+            <a:extLst>
+              <a:ext uri="{FF2B5EF4-FFF2-40B4-BE49-F238E27FC236}">
+                <a16:creationId xmlns:a16="http://schemas.microsoft.com/office/drawing/2014/main" id="{EBE3B238-DADD-2FDE-1B36-F1B78AC8896D}"/>
+              </a:ext>
+            </a:extLst>
+          </p:cNvPr>
+          <p:cNvPicPr>
+            <a:picLocks noChangeAspect="1"/>
+          </p:cNvPicPr>
+          <p:nvPr/>
+        </p:nvPicPr>
+        <p:blipFill>
+          <a:blip r:embed="rId2"/>
+          <a:stretch>
+            <a:fillRect/>
+          </a:stretch>
+        </p:blipFill>
+        <p:spPr>
+          <a:xfrm>
+            <a:off x="8334689" y="4488193"/>
+            <a:ext cx="1882331" cy="2004682"/>
+          </a:xfrm>
+          <a:prstGeom prst="rect">
+            <a:avLst/>
+          </a:prstGeom>
+        </p:spPr>
+      </p:pic>
     </p:spTree>
     <p:extLst>
       <p:ext uri="{BB962C8B-B14F-4D97-AF65-F5344CB8AC3E}">
-        <p14:creationId xmlns:p14="http://schemas.microsoft.com/office/powerpoint/2010/main" val="3044459727"/>
+        <p14:creationId xmlns:p14="http://schemas.microsoft.com/office/powerpoint/2010/main" val="3742398413"/>
       </p:ext>
     </p:extLst>
   </p:cSld>
@@ -6392,92 +6655,34 @@
         </p:spPr>
         <p:txBody>
           <a:bodyPr>
-            <a:normAutofit lnSpcReduction="10000"/>
+            <a:noAutofit/>
           </a:bodyPr>
           <a:lstStyle/>
           <a:p>
             <a:r>
-              <a:rPr lang="en-US" b="1" dirty="0"/>
-              <a:t>Christian </a:t>
-            </a:r>
-            <a:r>
-              <a:rPr lang="en-US" b="1" dirty="0" err="1">
+              <a:rPr lang="en-GB" b="1" dirty="0"/>
+              <a:t>Yann </a:t>
+            </a:r>
+            <a:r>
+              <a:rPr lang="en-GB" b="1" dirty="0" err="1">
                 <a:solidFill>
                   <a:schemeClr val="accent2">
                     <a:lumMod val="50000"/>
                   </a:schemeClr>
                 </a:solidFill>
               </a:rPr>
-              <a:t>Szegedy</a:t>
-            </a:r>
-            <a:r>
-              <a:rPr lang="en-US" b="1" dirty="0"/>
-              <a:t>: Research Scientist </a:t>
-            </a:r>
-            <a:r>
-              <a:rPr lang="en-US" dirty="0"/>
-              <a:t>at</a:t>
-            </a:r>
-            <a:r>
-              <a:rPr lang="en-US" b="1" dirty="0"/>
-              <a:t> Google Research, many contributions including </a:t>
-            </a:r>
-            <a:r>
-              <a:rPr lang="en-US" dirty="0"/>
-              <a:t>Inception </a:t>
-            </a:r>
-            <a:r>
-              <a:rPr lang="en-US" dirty="0" err="1"/>
-              <a:t>BatchNorm</a:t>
-            </a:r>
-            <a:r>
-              <a:rPr lang="en-US" dirty="0"/>
-              <a:t>, Attacks, etc.</a:t>
-            </a:r>
-            <a:br>
-              <a:rPr lang="en-US" dirty="0"/>
-            </a:br>
-            <a:r>
-              <a:rPr lang="en-US" dirty="0">
-                <a:hlinkClick r:id="rId2"/>
-              </a:rPr>
-              <a:t>https://scholar.google.com/citations?user=3QeF7mAAAAAJ&amp;hl=en</a:t>
-            </a:r>
-            <a:endParaRPr lang="en-US" dirty="0"/>
-          </a:p>
-          <a:p>
-            <a:r>
-              <a:rPr lang="en-US" b="1" dirty="0"/>
-              <a:t>Leon</a:t>
-            </a:r>
-            <a:r>
-              <a:rPr lang="en-US" dirty="0"/>
-              <a:t> </a:t>
-            </a:r>
-            <a:r>
-              <a:rPr lang="en-US" b="1" dirty="0" err="1">
-                <a:solidFill>
-                  <a:schemeClr val="accent2">
-                    <a:lumMod val="50000"/>
-                  </a:schemeClr>
-                </a:solidFill>
-              </a:rPr>
-              <a:t>Bottou</a:t>
-            </a:r>
-            <a:r>
-              <a:rPr lang="en-US" dirty="0"/>
-              <a:t>: </a:t>
-            </a:r>
-            <a:r>
-              <a:rPr lang="en-US" b="1" dirty="0"/>
-              <a:t>Researcher</a:t>
-            </a:r>
-            <a:r>
-              <a:rPr lang="en-US" dirty="0"/>
-              <a:t> at </a:t>
-            </a:r>
-            <a:r>
-              <a:rPr lang="en-US" b="1" dirty="0">
+              <a:t>LeCun</a:t>
+            </a:r>
+            <a:r>
+              <a:rPr lang="en-GB" b="1" dirty="0"/>
+              <a:t>: Chief AI Scientist </a:t>
+            </a:r>
+            <a:r>
+              <a:rPr lang="en-GB" dirty="0"/>
+              <a:t>at </a:t>
+            </a:r>
+            <a:r>
+              <a:rPr lang="en-GB" b="1" dirty="0">
                 <a:solidFill>
                   <a:schemeClr val="accent2">
                     <a:lumMod val="50000"/>
@@ -6487,11 +6692,11 @@
               <a:t>Facebook</a:t>
             </a:r>
             <a:r>
-              <a:rPr lang="en-US" dirty="0"/>
+              <a:rPr lang="en-GB" dirty="0"/>
               <a:t> </a:t>
             </a:r>
             <a:r>
-              <a:rPr lang="en-US" b="1" dirty="0">
+              <a:rPr lang="en-GB" b="1" dirty="0">
                 <a:solidFill>
                   <a:schemeClr val="accent2">
                     <a:lumMod val="50000"/>
@@ -6501,90 +6706,131 @@
               <a:t>AI</a:t>
             </a:r>
             <a:r>
-              <a:rPr lang="en-US" dirty="0"/>
-              <a:t>, co-inventor of </a:t>
-            </a:r>
-            <a:r>
-              <a:rPr lang="en-US" b="1" dirty="0"/>
-              <a:t>Wasserstein</a:t>
-            </a:r>
-            <a:r>
-              <a:rPr lang="en-US" dirty="0"/>
+              <a:rPr lang="en-GB" dirty="0"/>
+              <a:t>, </a:t>
+            </a:r>
+            <a:r>
+              <a:rPr lang="en-GB" b="1" dirty="0"/>
+              <a:t>Professor</a:t>
+            </a:r>
+            <a:r>
+              <a:rPr lang="en-GB" dirty="0"/>
+              <a:t> at </a:t>
+            </a:r>
+            <a:r>
+              <a:rPr lang="en-GB" b="1" dirty="0"/>
+              <a:t>New</a:t>
+            </a:r>
+            <a:r>
+              <a:rPr lang="en-GB" dirty="0"/>
               <a:t> </a:t>
             </a:r>
             <a:r>
-              <a:rPr lang="en-US" b="1" dirty="0"/>
-              <a:t>GANs</a:t>
-            </a:r>
-            <a:r>
-              <a:rPr lang="en-US" dirty="0"/>
-              <a:t> and many contributions to NLP.</a:t>
+              <a:rPr lang="en-GB" b="1" dirty="0"/>
+              <a:t>York</a:t>
+            </a:r>
+            <a:r>
+              <a:rPr lang="en-GB" dirty="0"/>
+              <a:t> </a:t>
+            </a:r>
+            <a:r>
+              <a:rPr lang="en-GB" b="1" dirty="0"/>
+              <a:t>University</a:t>
+            </a:r>
+            <a:r>
+              <a:rPr lang="en-GB" dirty="0"/>
+              <a:t>, inventor of </a:t>
+            </a:r>
+            <a:r>
+              <a:rPr lang="en-GB" b="1" dirty="0"/>
+              <a:t>CNNs</a:t>
+            </a:r>
+            <a:r>
+              <a:rPr lang="en-GB" dirty="0"/>
+              <a:t>, creator of </a:t>
+            </a:r>
+            <a:r>
+              <a:rPr lang="en-GB" b="1" dirty="0"/>
+              <a:t>MNIST </a:t>
+            </a:r>
+            <a:r>
+              <a:rPr lang="en-GB" dirty="0"/>
+              <a:t>dataset,</a:t>
+            </a:r>
+            <a:r>
+              <a:rPr lang="en-GB" b="1" dirty="0"/>
+              <a:t> third</a:t>
+            </a:r>
+            <a:r>
+              <a:rPr lang="en-GB" dirty="0"/>
+              <a:t> </a:t>
+            </a:r>
+            <a:r>
+              <a:rPr lang="en-GB" b="1" dirty="0"/>
+              <a:t>one</a:t>
+            </a:r>
+            <a:r>
+              <a:rPr lang="en-GB" dirty="0"/>
+              <a:t> of the </a:t>
+            </a:r>
+            <a:r>
+              <a:rPr lang="en-GB" b="1" dirty="0"/>
+              <a:t>three</a:t>
+            </a:r>
+            <a:r>
+              <a:rPr lang="en-GB" dirty="0"/>
+              <a:t> </a:t>
+            </a:r>
+            <a:r>
+              <a:rPr lang="en-GB" b="1" dirty="0" err="1"/>
+              <a:t>GodFathers</a:t>
+            </a:r>
+            <a:r>
+              <a:rPr lang="en-GB" dirty="0"/>
+              <a:t> </a:t>
+            </a:r>
+            <a:r>
+              <a:rPr lang="en-GB" b="1" dirty="0"/>
+              <a:t>of</a:t>
+            </a:r>
+            <a:r>
+              <a:rPr lang="en-GB" dirty="0"/>
+              <a:t> </a:t>
+            </a:r>
+            <a:r>
+              <a:rPr lang="en-GB" b="1" dirty="0"/>
+              <a:t>Deep</a:t>
+            </a:r>
+            <a:r>
+              <a:rPr lang="en-GB" dirty="0"/>
+              <a:t> </a:t>
+            </a:r>
+            <a:r>
+              <a:rPr lang="en-GB" b="1" dirty="0"/>
+              <a:t>Learning</a:t>
+            </a:r>
+            <a:r>
+              <a:rPr lang="en-GB" dirty="0"/>
+              <a:t>.</a:t>
             </a:r>
             <a:br>
-              <a:rPr lang="en-US" dirty="0"/>
+              <a:rPr lang="en-GB" dirty="0"/>
             </a:br>
             <a:r>
-              <a:rPr lang="en-US" dirty="0">
-                <a:hlinkClick r:id="rId3"/>
+              <a:rPr lang="en-GB" dirty="0">
+                <a:hlinkClick r:id="rId2"/>
               </a:rPr>
-              <a:t>https://scholar.google.fr/citations?user=kbN88gsAAAAJ&amp;hl=fr</a:t>
-            </a:r>
-            <a:endParaRPr lang="en-US" dirty="0"/>
+              <a:t>https://scholar.google.com/citations?user=WLN3QrAAAAAJ&amp;hl=fr</a:t>
+            </a:r>
+            <a:endParaRPr lang="en-GB" dirty="0"/>
           </a:p>
           <a:p>
             <a:r>
               <a:rPr lang="en-GB" b="1" dirty="0" err="1"/>
-              <a:t>Dzmitry</a:t>
-            </a:r>
-            <a:r>
-              <a:rPr lang="en-GB" dirty="0"/>
-              <a:t> </a:t>
-            </a:r>
-            <a:r>
-              <a:rPr lang="en-GB" b="1" dirty="0" err="1">
-                <a:solidFill>
-                  <a:schemeClr val="accent2">
-                    <a:lumMod val="50000"/>
-                  </a:schemeClr>
-                </a:solidFill>
-              </a:rPr>
-              <a:t>Bahdanau</a:t>
-            </a:r>
-            <a:r>
-              <a:rPr lang="en-GB" dirty="0"/>
-              <a:t>: </a:t>
-            </a:r>
-            <a:r>
-              <a:rPr lang="en-GB" b="1" dirty="0"/>
-              <a:t>Researcher</a:t>
-            </a:r>
-            <a:r>
-              <a:rPr lang="en-GB" dirty="0"/>
-              <a:t> at </a:t>
-            </a:r>
-            <a:r>
-              <a:rPr lang="en-GB" b="1" dirty="0"/>
-              <a:t>ServiceNow</a:t>
-            </a:r>
-            <a:r>
-              <a:rPr lang="en-GB" dirty="0"/>
-              <a:t>, several contribution to NLP including attention models. </a:t>
-            </a:r>
-            <a:r>
-              <a:rPr lang="en-US" dirty="0">
-                <a:hlinkClick r:id="rId4"/>
-              </a:rPr>
-              <a:t>https://scholar.google.de/citations?user=Nq0dVMcAAAAJ&amp;hl=en</a:t>
-            </a:r>
-            <a:endParaRPr lang="en-US" dirty="0"/>
-          </a:p>
-          <a:p>
-            <a:r>
-              <a:rPr lang="en-GB" b="1" dirty="0" err="1"/>
-              <a:t>Kyunghyun</a:t>
-            </a:r>
-            <a:r>
-              <a:rPr lang="en-GB" b="1" dirty="0"/>
+              <a:t>Demis</a:t>
+            </a:r>
+            <a:r>
+              <a:rPr lang="en-GB" dirty="0"/>
               <a:t> </a:t>
             </a:r>
             <a:r>
@@ -6595,7 +6841,85 @@
                   </a:schemeClr>
                 </a:solidFill>
               </a:rPr>
-              <a:t>Cho</a:t>
+              <a:t>Hassabis</a:t>
+            </a:r>
+            <a:r>
+              <a:rPr lang="en-GB" dirty="0"/>
+              <a:t>: Co-founder of </a:t>
+            </a:r>
+            <a:r>
+              <a:rPr lang="en-GB" b="1" dirty="0">
+                <a:solidFill>
+                  <a:schemeClr val="accent2">
+                    <a:lumMod val="50000"/>
+                  </a:schemeClr>
+                </a:solidFill>
+              </a:rPr>
+              <a:t>DeepMind</a:t>
+            </a:r>
+            <a:r>
+              <a:rPr lang="en-GB" dirty="0"/>
+              <a:t>, </a:t>
+            </a:r>
+            <a:r>
+              <a:rPr lang="en-GB" b="1" dirty="0">
+                <a:solidFill>
+                  <a:schemeClr val="accent2">
+                    <a:lumMod val="50000"/>
+                  </a:schemeClr>
+                </a:solidFill>
+              </a:rPr>
+              <a:t>AlphaGo</a:t>
+            </a:r>
+            <a:r>
+              <a:rPr lang="en-GB" dirty="0"/>
+              <a:t>. Several contributions in </a:t>
+            </a:r>
+            <a:r>
+              <a:rPr lang="en-GB" b="1" dirty="0"/>
+              <a:t>Reinforcement</a:t>
+            </a:r>
+            <a:r>
+              <a:rPr lang="en-GB" dirty="0"/>
+              <a:t> </a:t>
+            </a:r>
+            <a:r>
+              <a:rPr lang="en-GB" b="1" dirty="0"/>
+              <a:t>Learning</a:t>
+            </a:r>
+            <a:r>
+              <a:rPr lang="en-GB" dirty="0"/>
+              <a:t>.</a:t>
+            </a:r>
+            <a:br>
+              <a:rPr lang="en-GB" dirty="0"/>
+            </a:br>
+            <a:r>
+              <a:rPr lang="en-GB" dirty="0">
+                <a:hlinkClick r:id="rId3"/>
+              </a:rPr>
+              <a:t>https://scholar.google.com/citations?hl=en&amp;user=dYpPMQEAAAAJ</a:t>
+            </a:r>
+            <a:endParaRPr lang="en-GB" dirty="0"/>
+          </a:p>
+          <a:p>
+            <a:r>
+              <a:rPr lang="en-GB" b="1" dirty="0"/>
+              <a:t>Alex</a:t>
+            </a:r>
+            <a:r>
+              <a:rPr lang="en-GB" dirty="0"/>
+              <a:t> </a:t>
+            </a:r>
+            <a:r>
+              <a:rPr lang="en-GB" b="1" dirty="0">
+                <a:solidFill>
+                  <a:schemeClr val="accent2">
+                    <a:lumMod val="50000"/>
+                  </a:schemeClr>
+                </a:solidFill>
+              </a:rPr>
+              <a:t>Graves</a:t>
             </a:r>
             <a:r>
               <a:rPr lang="en-GB" dirty="0"/>
@@ -6611,7 +6935,7 @@
             </a:r>
             <a:r>
               <a:rPr lang="en-GB" b="1" dirty="0"/>
-              <a:t>New</a:t>
+              <a:t>University</a:t>
             </a:r>
             <a:r>
               <a:rPr lang="en-GB" dirty="0"/>
@@ -6619,7 +6943,7 @@
             </a:r>
             <a:r>
               <a:rPr lang="en-GB" b="1" dirty="0"/>
-              <a:t>York</a:t>
+              <a:t>of</a:t>
             </a:r>
             <a:r>
               <a:rPr lang="en-GB" dirty="0"/>
@@ -6627,30 +6951,84 @@
             </a:r>
             <a:r>
               <a:rPr lang="en-GB" b="1" dirty="0"/>
-              <a:t>University</a:t>
-            </a:r>
-            <a:r>
-              <a:rPr lang="en-GB" dirty="0"/>
-              <a:t>, with many contributions to NLP and Computer Vision. </a:t>
-            </a:r>
-            <a:r>
-              <a:rPr lang="en-US" dirty="0">
+              <a:t>Toronto</a:t>
+            </a:r>
+            <a:r>
+              <a:rPr lang="en-GB" dirty="0"/>
+              <a:t>. Several contributions in </a:t>
+            </a:r>
+            <a:r>
+              <a:rPr lang="en-GB" b="1" dirty="0"/>
+              <a:t>Reinforcement</a:t>
+            </a:r>
+            <a:r>
+              <a:rPr lang="en-GB" dirty="0"/>
+              <a:t> </a:t>
+            </a:r>
+            <a:r>
+              <a:rPr lang="en-GB" b="1" dirty="0"/>
+              <a:t>Learning</a:t>
+            </a:r>
+            <a:r>
+              <a:rPr lang="en-GB" dirty="0"/>
+              <a:t>. </a:t>
+            </a:r>
+            <a:r>
+              <a:rPr lang="en-GB" dirty="0">
+                <a:hlinkClick r:id="rId4"/>
+              </a:rPr>
+              <a:t>https://scholar.google.co.uk/citations?user=DaFHynwAAAAJ&amp;hl=en</a:t>
+            </a:r>
+            <a:endParaRPr lang="en-GB" dirty="0"/>
+          </a:p>
+          <a:p>
+            <a:r>
+              <a:rPr lang="en-GB" b="1" dirty="0"/>
+              <a:t>Michael</a:t>
+            </a:r>
+            <a:r>
+              <a:rPr lang="en-GB" dirty="0"/>
+              <a:t> </a:t>
+            </a:r>
+            <a:r>
+              <a:rPr lang="en-GB" b="1" dirty="0"/>
+              <a:t>I.</a:t>
+            </a:r>
+            <a:r>
+              <a:rPr lang="en-GB" dirty="0"/>
+              <a:t> </a:t>
+            </a:r>
+            <a:r>
+              <a:rPr lang="en-GB" b="1" dirty="0">
+                <a:solidFill>
+                  <a:schemeClr val="accent2">
+                    <a:lumMod val="50000"/>
+                  </a:schemeClr>
+                </a:solidFill>
+              </a:rPr>
+              <a:t>Jordan</a:t>
+            </a:r>
+            <a:r>
+              <a:rPr lang="en-GB" dirty="0"/>
+              <a:t>: Professor at </a:t>
+            </a:r>
+            <a:r>
+              <a:rPr lang="en-GB" b="1" dirty="0"/>
+              <a:t>UC Berkeley</a:t>
+            </a:r>
+            <a:r>
+              <a:rPr lang="en-GB" dirty="0"/>
+              <a:t>, co-inventor of LDA.</a:t>
+            </a:r>
+            <a:br>
+              <a:rPr lang="en-GB" dirty="0"/>
+            </a:br>
+            <a:r>
+              <a:rPr lang="en-GB" dirty="0">
                 <a:hlinkClick r:id="rId5"/>
               </a:rPr>
-              <a:t>https://scholar.google.co.uk/citations?user=0RAmmIAAAAAJ&amp;hl=en</a:t>
-            </a:r>
-            <a:endParaRPr lang="en-US" dirty="0"/>
-          </a:p>
-          <a:p>
-            <a:endParaRPr lang="en-US" dirty="0"/>
-          </a:p>
-          <a:p>
-            <a:endParaRPr lang="en-US" dirty="0"/>
-          </a:p>
-          <a:p>
-            <a:endParaRPr lang="en-US" dirty="0"/>
-          </a:p>
-          <a:p>
+              <a:t>https://scholar.google.com/citations?user=yxUduqMAAAAJ&amp;hl=fr</a:t>
+            </a:r>
             <a:endParaRPr lang="en-GB" dirty="0"/>
           </a:p>
         </p:txBody>
@@ -6658,7 +7036,7 @@
     </p:spTree>
     <p:extLst>
       <p:ext uri="{BB962C8B-B14F-4D97-AF65-F5344CB8AC3E}">
-        <p14:creationId xmlns:p14="http://schemas.microsoft.com/office/powerpoint/2010/main" val="3360311044"/>
+        <p14:creationId xmlns:p14="http://schemas.microsoft.com/office/powerpoint/2010/main" val="3044459727"/>
       </p:ext>
     </p:extLst>
   </p:cSld>
@@ -6746,13 +7124,149 @@
         </p:spPr>
         <p:txBody>
           <a:bodyPr>
-            <a:noAutofit/>
+            <a:normAutofit lnSpcReduction="10000"/>
           </a:bodyPr>
           <a:lstStyle/>
           <a:p>
             <a:r>
-              <a:rPr lang="en-GB" b="1" dirty="0"/>
-              <a:t>Juergen</a:t>
+              <a:rPr lang="en-US" b="1" dirty="0"/>
+              <a:t>Christian </a:t>
+            </a:r>
+            <a:r>
+              <a:rPr lang="en-US" b="1" dirty="0" err="1">
+                <a:solidFill>
+                  <a:schemeClr val="accent2">
+                    <a:lumMod val="50000"/>
+                  </a:schemeClr>
+                </a:solidFill>
+              </a:rPr>
+              <a:t>Szegedy</a:t>
+            </a:r>
+            <a:r>
+              <a:rPr lang="en-US" b="1" dirty="0"/>
+              <a:t>: Research Scientist </a:t>
+            </a:r>
+            <a:r>
+              <a:rPr lang="en-US" dirty="0"/>
+              <a:t>at</a:t>
+            </a:r>
+            <a:r>
+              <a:rPr lang="en-US" b="1" dirty="0"/>
+              <a:t> Google Research, many contributions including </a:t>
+            </a:r>
+            <a:r>
+              <a:rPr lang="en-US" dirty="0"/>
+              <a:t>Inception </a:t>
+            </a:r>
+            <a:r>
+              <a:rPr lang="en-US" dirty="0" err="1"/>
+              <a:t>BatchNorm</a:t>
+            </a:r>
+            <a:r>
+              <a:rPr lang="en-US" dirty="0"/>
+              <a:t>, Attacks, etc.</a:t>
+            </a:r>
+            <a:br>
+              <a:rPr lang="en-US" dirty="0"/>
+            </a:br>
+            <a:r>
+              <a:rPr lang="en-US" dirty="0">
+                <a:hlinkClick r:id="rId2"/>
+              </a:rPr>
+              <a:t>https://scholar.google.com/citations?user=3QeF7mAAAAAJ&amp;hl=en</a:t>
+            </a:r>
+            <a:endParaRPr lang="en-US" dirty="0"/>
+          </a:p>
+          <a:p>
+            <a:r>
+              <a:rPr lang="en-US" b="1" dirty="0"/>
+              <a:t>Leon</a:t>
+            </a:r>
+            <a:r>
+              <a:rPr lang="en-US" dirty="0"/>
+              <a:t> </a:t>
+            </a:r>
+            <a:r>
+              <a:rPr lang="en-US" b="1" dirty="0" err="1">
+                <a:solidFill>
+                  <a:schemeClr val="accent2">
+                    <a:lumMod val="50000"/>
+                  </a:schemeClr>
+                </a:solidFill>
+              </a:rPr>
+              <a:t>Bottou</a:t>
+            </a:r>
+            <a:r>
+              <a:rPr lang="en-US" dirty="0"/>
+              <a:t>: </a:t>
+            </a:r>
+            <a:r>
+              <a:rPr lang="en-US" b="1" dirty="0"/>
+              <a:t>Researcher</a:t>
+            </a:r>
+            <a:r>
+              <a:rPr lang="en-US" dirty="0"/>
+              <a:t> at </a:t>
+            </a:r>
+            <a:r>
+              <a:rPr lang="en-US" b="1" dirty="0">
+                <a:solidFill>
+                  <a:schemeClr val="accent2">
+                    <a:lumMod val="50000"/>
+                  </a:schemeClr>
+                </a:solidFill>
+              </a:rPr>
+              <a:t>Facebook</a:t>
+            </a:r>
+            <a:r>
+              <a:rPr lang="en-US" dirty="0"/>
+              <a:t> </a:t>
+            </a:r>
+            <a:r>
+              <a:rPr lang="en-US" b="1" dirty="0">
+                <a:solidFill>
+                  <a:schemeClr val="accent2">
+                    <a:lumMod val="50000"/>
+                  </a:schemeClr>
+                </a:solidFill>
+              </a:rPr>
+              <a:t>AI</a:t>
+            </a:r>
+            <a:r>
+              <a:rPr lang="en-US" dirty="0"/>
+              <a:t>, co-inventor of </a:t>
+            </a:r>
+            <a:r>
+              <a:rPr lang="en-US" b="1" dirty="0"/>
+              <a:t>Wasserstein</a:t>
+            </a:r>
+            <a:r>
+              <a:rPr lang="en-US" dirty="0"/>
+              <a:t> </a:t>
+            </a:r>
+            <a:r>
+              <a:rPr lang="en-US" b="1" dirty="0"/>
+              <a:t>GANs</a:t>
+            </a:r>
+            <a:r>
+              <a:rPr lang="en-US" dirty="0"/>
+              <a:t> and many contributions to NLP.</a:t>
+            </a:r>
+            <a:br>
+              <a:rPr lang="en-US" dirty="0"/>
+            </a:br>
+            <a:r>
+              <a:rPr lang="en-US" dirty="0">
+                <a:hlinkClick r:id="rId3"/>
+              </a:rPr>
+              <a:t>https://scholar.google.fr/citations?user=kbN88gsAAAAJ&amp;hl=fr</a:t>
+            </a:r>
+            <a:endParaRPr lang="en-US" dirty="0"/>
+          </a:p>
+          <a:p>
+            <a:r>
+              <a:rPr lang="en-GB" b="1" dirty="0" err="1"/>
+              <a:t>Dzmitry</a:t>
             </a:r>
             <a:r>
               <a:rPr lang="en-GB" dirty="0"/>
@@ -6766,7 +7280,7 @@
                   </a:schemeClr>
                 </a:solidFill>
               </a:rPr>
-              <a:t>Schmidhuber</a:t>
+              <a:t>Bahdanau</a:t>
             </a:r>
             <a:r>
               <a:rPr lang="en-GB" dirty="0"/>
@@ -6774,181 +7288,35 @@
             </a:r>
             <a:r>
               <a:rPr lang="en-GB" b="1" dirty="0"/>
-              <a:t>Professor</a:t>
+              <a:t>Researcher</a:t>
             </a:r>
             <a:r>
               <a:rPr lang="en-GB" dirty="0"/>
               <a:t> at </a:t>
             </a:r>
             <a:r>
-              <a:rPr lang="en-US" b="1" dirty="0"/>
-              <a:t>King</a:t>
-            </a:r>
-            <a:r>
-              <a:rPr lang="en-US" dirty="0"/>
-              <a:t> </a:t>
-            </a:r>
-            <a:r>
-              <a:rPr lang="en-US" b="1" dirty="0"/>
-              <a:t>Abdullah</a:t>
-            </a:r>
-            <a:r>
-              <a:rPr lang="en-US" dirty="0"/>
-              <a:t> </a:t>
-            </a:r>
-            <a:r>
-              <a:rPr lang="en-US" b="1" dirty="0"/>
-              <a:t>University</a:t>
-            </a:r>
-            <a:r>
-              <a:rPr lang="en-US" dirty="0"/>
-              <a:t> </a:t>
-            </a:r>
-            <a:r>
-              <a:rPr lang="en-US" b="1" dirty="0"/>
-              <a:t>of</a:t>
-            </a:r>
-            <a:r>
-              <a:rPr lang="en-US" dirty="0"/>
-              <a:t> </a:t>
-            </a:r>
-            <a:r>
-              <a:rPr lang="en-US" b="1" dirty="0"/>
-              <a:t>Science</a:t>
-            </a:r>
-            <a:r>
-              <a:rPr lang="en-US" dirty="0"/>
-              <a:t> </a:t>
-            </a:r>
-            <a:r>
-              <a:rPr lang="en-US" b="1" dirty="0"/>
-              <a:t>and</a:t>
-            </a:r>
-            <a:r>
-              <a:rPr lang="en-US" dirty="0"/>
-              <a:t> </a:t>
-            </a:r>
-            <a:r>
-              <a:rPr lang="en-US" b="1" dirty="0"/>
-              <a:t>Technology</a:t>
-            </a:r>
-            <a:r>
-              <a:rPr lang="en-US" dirty="0"/>
-              <a:t>, co-</a:t>
-            </a:r>
-            <a:r>
-              <a:rPr lang="en-GB" dirty="0"/>
-              <a:t>inventor of </a:t>
-            </a:r>
-            <a:r>
-              <a:rPr lang="en-GB" b="1" dirty="0"/>
-              <a:t>LSTMs</a:t>
-            </a:r>
-            <a:r>
-              <a:rPr lang="en-GB" dirty="0"/>
-              <a:t>. </a:t>
+              <a:rPr lang="en-GB" b="1" dirty="0"/>
+              <a:t>ServiceNow</a:t>
+            </a:r>
+            <a:r>
+              <a:rPr lang="en-GB" dirty="0"/>
+              <a:t>, several contribution to NLP including attention models. </a:t>
             </a:r>
             <a:r>
               <a:rPr lang="en-US" dirty="0">
-                <a:hlinkClick r:id="rId2"/>
+                <a:hlinkClick r:id="rId4"/>
               </a:rPr>
-              <a:t>https://scholar.google.com/citations?user=gLnCTgIAAAAJ&amp;hl=fr</a:t>
+              <a:t>https://scholar.google.de/citations?user=Nq0dVMcAAAAJ&amp;hl=en</a:t>
             </a:r>
             <a:endParaRPr lang="en-US" dirty="0"/>
           </a:p>
           <a:p>
             <a:r>
-              <a:rPr lang="en-GB" b="1" dirty="0"/>
-              <a:t>Sepp</a:t>
-            </a:r>
-            <a:r>
-              <a:rPr lang="en-GB" dirty="0"/>
-              <a:t> </a:t>
-            </a:r>
-            <a:r>
-              <a:rPr lang="en-GB" b="1" dirty="0" err="1">
-                <a:solidFill>
-                  <a:schemeClr val="accent2">
-                    <a:lumMod val="50000"/>
-                  </a:schemeClr>
-                </a:solidFill>
-              </a:rPr>
-              <a:t>Hochreiter</a:t>
-            </a:r>
-            <a:r>
-              <a:rPr lang="en-GB" dirty="0"/>
-              <a:t>: </a:t>
-            </a:r>
-            <a:r>
-              <a:rPr lang="en-GB" b="1" dirty="0"/>
-              <a:t>Professor</a:t>
-            </a:r>
-            <a:r>
-              <a:rPr lang="en-GB" dirty="0"/>
-              <a:t> at </a:t>
-            </a:r>
-            <a:r>
-              <a:rPr lang="en-GB" b="1" dirty="0"/>
-              <a:t>Johannes</a:t>
-            </a:r>
-            <a:r>
-              <a:rPr lang="en-GB" dirty="0"/>
-              <a:t> </a:t>
-            </a:r>
-            <a:r>
-              <a:rPr lang="en-GB" b="1" dirty="0"/>
-              <a:t>Kepler</a:t>
-            </a:r>
-            <a:r>
-              <a:rPr lang="en-GB" dirty="0"/>
-              <a:t> </a:t>
-            </a:r>
-            <a:r>
-              <a:rPr lang="en-GB" b="1" dirty="0"/>
-              <a:t>University</a:t>
-            </a:r>
-            <a:r>
-              <a:rPr lang="en-GB" dirty="0"/>
-              <a:t> </a:t>
-            </a:r>
-            <a:r>
-              <a:rPr lang="en-GB" b="1" dirty="0"/>
-              <a:t>Linz</a:t>
-            </a:r>
-            <a:r>
-              <a:rPr lang="en-US" dirty="0"/>
-              <a:t> , co-</a:t>
-            </a:r>
-            <a:r>
-              <a:rPr lang="en-GB" dirty="0"/>
-              <a:t>inventor of </a:t>
-            </a:r>
-            <a:r>
-              <a:rPr lang="en-GB" b="1" dirty="0"/>
-              <a:t>LSTMs</a:t>
-            </a:r>
-            <a:r>
-              <a:rPr lang="en-GB" dirty="0"/>
-              <a:t>.</a:t>
-            </a:r>
-            <a:br>
-              <a:rPr lang="en-GB" dirty="0"/>
-            </a:br>
-            <a:r>
-              <a:rPr lang="en-GB" dirty="0">
-                <a:hlinkClick r:id="rId3"/>
-              </a:rPr>
-              <a:t>https://scholar.google.at/citations?user=tvUH3WMAAAAJ&amp;hl=en</a:t>
-            </a:r>
-            <a:endParaRPr lang="en-GB" dirty="0"/>
-          </a:p>
-          <a:p>
-            <a:r>
-              <a:rPr lang="en-GB" b="1" dirty="0"/>
-              <a:t>Fred</a:t>
-            </a:r>
-            <a:r>
-              <a:rPr lang="en-GB" dirty="0"/>
+              <a:rPr lang="en-GB" b="1" dirty="0" err="1"/>
+              <a:t>Kyunghyun</a:t>
+            </a:r>
+            <a:r>
+              <a:rPr lang="en-GB" b="1" dirty="0"/>
               <a:t> </a:t>
             </a:r>
             <a:r>
@@ -6959,7 +7327,7 @@
                   </a:schemeClr>
                 </a:solidFill>
               </a:rPr>
-              <a:t>Cummins</a:t>
+              <a:t>Cho</a:t>
             </a:r>
             <a:r>
               <a:rPr lang="en-GB" dirty="0"/>
@@ -6975,144 +7343,37 @@
             </a:r>
             <a:r>
               <a:rPr lang="en-GB" b="1" dirty="0"/>
+              <a:t>New</a:t>
+            </a:r>
+            <a:r>
+              <a:rPr lang="en-GB" dirty="0"/>
+              <a:t> </a:t>
+            </a:r>
+            <a:r>
+              <a:rPr lang="en-GB" b="1" dirty="0"/>
+              <a:t>York</a:t>
+            </a:r>
+            <a:r>
+              <a:rPr lang="en-GB" dirty="0"/>
+              <a:t> </a:t>
+            </a:r>
+            <a:r>
+              <a:rPr lang="en-GB" b="1" dirty="0"/>
               <a:t>University</a:t>
             </a:r>
             <a:r>
               <a:rPr lang="en-GB" dirty="0"/>
-              <a:t> </a:t>
-            </a:r>
-            <a:r>
-              <a:rPr lang="en-GB" b="1" dirty="0"/>
-              <a:t>College</a:t>
-            </a:r>
-            <a:r>
-              <a:rPr lang="en-GB" dirty="0"/>
-              <a:t> </a:t>
-            </a:r>
-            <a:r>
-              <a:rPr lang="en-GB" b="1" dirty="0"/>
-              <a:t>Dublin</a:t>
-            </a:r>
-            <a:r>
-              <a:rPr lang="en-GB" dirty="0"/>
-              <a:t>, contributions to </a:t>
-            </a:r>
-            <a:r>
-              <a:rPr lang="en-GB" b="1" dirty="0"/>
-              <a:t>LSTMs</a:t>
-            </a:r>
-            <a:r>
-              <a:rPr lang="en-GB" dirty="0"/>
-              <a:t> and </a:t>
-            </a:r>
-            <a:r>
-              <a:rPr lang="en-GB" b="1" dirty="0"/>
-              <a:t>NLP</a:t>
-            </a:r>
-            <a:r>
-              <a:rPr lang="en-GB" dirty="0"/>
-              <a:t>.</a:t>
-            </a:r>
-            <a:br>
-              <a:rPr lang="en-GB" dirty="0"/>
-            </a:br>
-            <a:r>
-              <a:rPr lang="en-GB" dirty="0">
-                <a:hlinkClick r:id="rId4"/>
-              </a:rPr>
-              <a:t>https://scholar.google.com/citations?user=E-vg2zQAAAAJ&amp;hl=fr</a:t>
-            </a:r>
-            <a:endParaRPr lang="en-GB" b="1" dirty="0"/>
-          </a:p>
-          <a:p>
-            <a:r>
-              <a:rPr lang="en-GB" b="1" dirty="0"/>
-              <a:t>Terrence</a:t>
-            </a:r>
-            <a:r>
-              <a:rPr lang="en-GB" dirty="0"/>
-              <a:t> </a:t>
-            </a:r>
-            <a:r>
-              <a:rPr lang="en-GB" b="1" dirty="0" err="1">
-                <a:solidFill>
-                  <a:schemeClr val="accent2">
-                    <a:lumMod val="50000"/>
-                  </a:schemeClr>
-                </a:solidFill>
-              </a:rPr>
-              <a:t>Sejnowski</a:t>
-            </a:r>
-            <a:r>
-              <a:rPr lang="en-GB" dirty="0"/>
-              <a:t>: </a:t>
-            </a:r>
-            <a:r>
-              <a:rPr lang="en-GB" b="1" dirty="0"/>
-              <a:t>Professor</a:t>
-            </a:r>
-            <a:r>
-              <a:rPr lang="en-GB" dirty="0"/>
-              <a:t> at </a:t>
-            </a:r>
-            <a:r>
-              <a:rPr lang="en-GB" b="1" dirty="0"/>
-              <a:t>UC</a:t>
-            </a:r>
-            <a:r>
-              <a:rPr lang="en-GB" dirty="0"/>
-              <a:t> </a:t>
-            </a:r>
-            <a:r>
-              <a:rPr lang="en-GB" b="1" dirty="0"/>
-              <a:t>San</a:t>
-            </a:r>
-            <a:r>
-              <a:rPr lang="en-GB" dirty="0"/>
-              <a:t> </a:t>
-            </a:r>
-            <a:r>
-              <a:rPr lang="en-GB" b="1" dirty="0"/>
-              <a:t>Diego</a:t>
-            </a:r>
-            <a:r>
-              <a:rPr lang="en-GB" dirty="0"/>
-              <a:t>, </a:t>
-            </a:r>
-            <a:r>
-              <a:rPr lang="en-GB" b="1" dirty="0">
-                <a:solidFill>
-                  <a:schemeClr val="accent2">
-                    <a:lumMod val="50000"/>
-                  </a:schemeClr>
-                </a:solidFill>
-              </a:rPr>
-              <a:t>Boltzmann</a:t>
-            </a:r>
-            <a:r>
-              <a:rPr lang="en-GB" dirty="0"/>
-              <a:t> </a:t>
-            </a:r>
-            <a:r>
-              <a:rPr lang="en-GB" b="1" dirty="0">
-                <a:solidFill>
-                  <a:schemeClr val="accent2">
-                    <a:lumMod val="50000"/>
-                  </a:schemeClr>
-                </a:solidFill>
-              </a:rPr>
-              <a:t>machines</a:t>
-            </a:r>
-            <a:r>
-              <a:rPr lang="en-GB" dirty="0"/>
-              <a:t>. </a:t>
+              <a:t>, with many contributions to NLP and Computer Vision. </a:t>
             </a:r>
             <a:r>
               <a:rPr lang="en-US" dirty="0">
                 <a:hlinkClick r:id="rId5"/>
               </a:rPr>
-              <a:t>https://scholar.google.ca/citations?user=m1qAiOUAAAAJ&amp;hl=en</a:t>
-            </a:r>
+              <a:t>https://scholar.google.co.uk/citations?user=0RAmmIAAAAAJ&amp;hl=en</a:t>
+            </a:r>
+            <a:endParaRPr lang="en-US" dirty="0"/>
+          </a:p>
+          <a:p>
             <a:endParaRPr lang="en-US" dirty="0"/>
           </a:p>
           <a:p>
@@ -7129,7 +7390,7 @@
     </p:spTree>
     <p:extLst>
       <p:ext uri="{BB962C8B-B14F-4D97-AF65-F5344CB8AC3E}">
-        <p14:creationId xmlns:p14="http://schemas.microsoft.com/office/powerpoint/2010/main" val="4131454532"/>
+        <p14:creationId xmlns:p14="http://schemas.microsoft.com/office/powerpoint/2010/main" val="3360311044"/>
       </p:ext>
     </p:extLst>
   </p:cSld>
@@ -7209,16 +7470,214 @@
             <p:ph idx="1"/>
           </p:nvPr>
         </p:nvSpPr>
-        <p:spPr/>
+        <p:spPr>
+          <a:xfrm>
+            <a:off x="838200" y="1825624"/>
+            <a:ext cx="10515600" cy="5032375"/>
+          </a:xfrm>
+        </p:spPr>
         <p:txBody>
           <a:bodyPr>
-            <a:normAutofit/>
+            <a:noAutofit/>
           </a:bodyPr>
           <a:lstStyle/>
           <a:p>
             <a:r>
               <a:rPr lang="en-GB" b="1" dirty="0"/>
-              <a:t>Peter</a:t>
+              <a:t>Juergen</a:t>
+            </a:r>
+            <a:r>
+              <a:rPr lang="en-GB" dirty="0"/>
+              <a:t> </a:t>
+            </a:r>
+            <a:r>
+              <a:rPr lang="en-GB" b="1" dirty="0" err="1">
+                <a:solidFill>
+                  <a:schemeClr val="accent2">
+                    <a:lumMod val="50000"/>
+                  </a:schemeClr>
+                </a:solidFill>
+              </a:rPr>
+              <a:t>Schmidhuber</a:t>
+            </a:r>
+            <a:r>
+              <a:rPr lang="en-GB" dirty="0"/>
+              <a:t>: </a:t>
+            </a:r>
+            <a:r>
+              <a:rPr lang="en-GB" b="1" dirty="0"/>
+              <a:t>Professor</a:t>
+            </a:r>
+            <a:r>
+              <a:rPr lang="en-GB" dirty="0"/>
+              <a:t> at </a:t>
+            </a:r>
+            <a:r>
+              <a:rPr lang="en-US" b="1" dirty="0"/>
+              <a:t>King</a:t>
+            </a:r>
+            <a:r>
+              <a:rPr lang="en-US" dirty="0"/>
+              <a:t> </a:t>
+            </a:r>
+            <a:r>
+              <a:rPr lang="en-US" b="1" dirty="0"/>
+              <a:t>Abdullah</a:t>
+            </a:r>
+            <a:r>
+              <a:rPr lang="en-US" dirty="0"/>
+              <a:t> </a:t>
+            </a:r>
+            <a:r>
+              <a:rPr lang="en-US" b="1" dirty="0"/>
+              <a:t>University</a:t>
+            </a:r>
+            <a:r>
+              <a:rPr lang="en-US" dirty="0"/>
+              <a:t> </a:t>
+            </a:r>
+            <a:r>
+              <a:rPr lang="en-US" b="1" dirty="0"/>
+              <a:t>of</a:t>
+            </a:r>
+            <a:r>
+              <a:rPr lang="en-US" dirty="0"/>
+              <a:t> </a:t>
+            </a:r>
+            <a:r>
+              <a:rPr lang="en-US" b="1" dirty="0"/>
+              <a:t>Science</a:t>
+            </a:r>
+            <a:r>
+              <a:rPr lang="en-US" dirty="0"/>
+              <a:t> </a:t>
+            </a:r>
+            <a:r>
+              <a:rPr lang="en-US" b="1" dirty="0"/>
+              <a:t>and</a:t>
+            </a:r>
+            <a:r>
+              <a:rPr lang="en-US" dirty="0"/>
+              <a:t> </a:t>
+            </a:r>
+            <a:r>
+              <a:rPr lang="en-US" b="1" dirty="0"/>
+              <a:t>Technology</a:t>
+            </a:r>
+            <a:r>
+              <a:rPr lang="en-US" dirty="0"/>
+              <a:t>, co-</a:t>
+            </a:r>
+            <a:r>
+              <a:rPr lang="en-GB" dirty="0"/>
+              <a:t>inventor of </a:t>
+            </a:r>
+            <a:r>
+              <a:rPr lang="en-GB" b="1" dirty="0"/>
+              <a:t>LSTMs</a:t>
+            </a:r>
+            <a:r>
+              <a:rPr lang="en-GB" dirty="0"/>
+              <a:t>. </a:t>
+            </a:r>
+            <a:r>
+              <a:rPr lang="en-US" dirty="0">
+                <a:hlinkClick r:id="rId2"/>
+              </a:rPr>
+              <a:t>https://scholar.google.com/citations?user=gLnCTgIAAAAJ&amp;hl=fr</a:t>
+            </a:r>
+            <a:endParaRPr lang="en-US" dirty="0"/>
+          </a:p>
+          <a:p>
+            <a:r>
+              <a:rPr lang="en-GB" b="1" dirty="0"/>
+              <a:t>Sepp</a:t>
+            </a:r>
+            <a:r>
+              <a:rPr lang="en-GB" dirty="0"/>
+              <a:t> </a:t>
+            </a:r>
+            <a:r>
+              <a:rPr lang="en-GB" b="1" dirty="0" err="1">
+                <a:solidFill>
+                  <a:schemeClr val="accent2">
+                    <a:lumMod val="50000"/>
+                  </a:schemeClr>
+                </a:solidFill>
+              </a:rPr>
+              <a:t>Hochreiter</a:t>
+            </a:r>
+            <a:r>
+              <a:rPr lang="en-GB" dirty="0"/>
+              <a:t>: </a:t>
+            </a:r>
+            <a:r>
+              <a:rPr lang="en-GB" b="1" dirty="0"/>
+              <a:t>Professor</a:t>
+            </a:r>
+            <a:r>
+              <a:rPr lang="en-GB" dirty="0"/>
+              <a:t> at </a:t>
+            </a:r>
+            <a:r>
+              <a:rPr lang="en-GB" b="1" dirty="0"/>
+              <a:t>Johannes</a:t>
+            </a:r>
+            <a:r>
+              <a:rPr lang="en-GB" dirty="0"/>
+              <a:t> </a:t>
+            </a:r>
+            <a:r>
+              <a:rPr lang="en-GB" b="1" dirty="0"/>
+              <a:t>Kepler</a:t>
+            </a:r>
+            <a:r>
+              <a:rPr lang="en-GB" dirty="0"/>
+              <a:t> </a:t>
+            </a:r>
+            <a:r>
+              <a:rPr lang="en-GB" b="1" dirty="0"/>
+              <a:t>University</a:t>
+            </a:r>
+            <a:r>
+              <a:rPr lang="en-GB" dirty="0"/>
+              <a:t> </a:t>
+            </a:r>
+            <a:r>
+              <a:rPr lang="en-GB" b="1" dirty="0"/>
+              <a:t>Linz</a:t>
+            </a:r>
+            <a:r>
+              <a:rPr lang="en-US" dirty="0"/>
+              <a:t> , co-</a:t>
+            </a:r>
+            <a:r>
+              <a:rPr lang="en-GB" dirty="0"/>
+              <a:t>inventor of </a:t>
+            </a:r>
+            <a:r>
+              <a:rPr lang="en-GB" b="1" dirty="0"/>
+              <a:t>LSTMs</a:t>
+            </a:r>
+            <a:r>
+              <a:rPr lang="en-GB" dirty="0"/>
+              <a:t>.</a:t>
+            </a:r>
+            <a:br>
+              <a:rPr lang="en-GB" dirty="0"/>
+            </a:br>
+            <a:r>
+              <a:rPr lang="en-GB" dirty="0">
+                <a:hlinkClick r:id="rId3"/>
+              </a:rPr>
+              <a:t>https://scholar.google.at/citations?user=tvUH3WMAAAAJ&amp;hl=en</a:t>
+            </a:r>
+            <a:endParaRPr lang="en-GB" dirty="0"/>
+          </a:p>
+          <a:p>
+            <a:r>
+              <a:rPr lang="en-GB" b="1" dirty="0"/>
+              <a:t>Fred</a:t>
             </a:r>
             <a:r>
               <a:rPr lang="en-GB" dirty="0"/>
@@ -7232,7 +7691,7 @@
                   </a:schemeClr>
                 </a:solidFill>
               </a:rPr>
-              <a:t>Norvig</a:t>
+              <a:t>Cummins</a:t>
             </a:r>
             <a:r>
               <a:rPr lang="en-GB" dirty="0"/>
@@ -7240,7 +7699,15 @@
             </a:r>
             <a:r>
               <a:rPr lang="en-GB" b="1" dirty="0"/>
-              <a:t>Director</a:t>
+              <a:t>Professor</a:t>
+            </a:r>
+            <a:r>
+              <a:rPr lang="en-GB" dirty="0"/>
+              <a:t> at </a:t>
+            </a:r>
+            <a:r>
+              <a:rPr lang="en-GB" b="1" dirty="0"/>
+              <a:t>University</a:t>
             </a:r>
             <a:r>
               <a:rPr lang="en-GB" dirty="0"/>
@@ -7248,7 +7715,7 @@
             </a:r>
             <a:r>
               <a:rPr lang="en-GB" b="1" dirty="0"/>
-              <a:t>of</a:t>
+              <a:t>College</a:t>
             </a:r>
             <a:r>
               <a:rPr lang="en-GB" dirty="0"/>
@@ -7256,7 +7723,65 @@
             </a:r>
             <a:r>
               <a:rPr lang="en-GB" b="1" dirty="0"/>
-              <a:t>Research</a:t>
+              <a:t>Dublin</a:t>
+            </a:r>
+            <a:r>
+              <a:rPr lang="en-GB" dirty="0"/>
+              <a:t>, contributions to </a:t>
+            </a:r>
+            <a:r>
+              <a:rPr lang="en-GB" b="1" dirty="0"/>
+              <a:t>LSTMs</a:t>
+            </a:r>
+            <a:r>
+              <a:rPr lang="en-GB" dirty="0"/>
+              <a:t> and </a:t>
+            </a:r>
+            <a:r>
+              <a:rPr lang="en-GB" b="1" dirty="0"/>
+              <a:t>NLP</a:t>
+            </a:r>
+            <a:r>
+              <a:rPr lang="en-GB" dirty="0"/>
+              <a:t>.</a:t>
+            </a:r>
+            <a:br>
+              <a:rPr lang="en-GB" dirty="0"/>
+            </a:br>
+            <a:r>
+              <a:rPr lang="en-GB" dirty="0">
+                <a:hlinkClick r:id="rId4"/>
+              </a:rPr>
+              <a:t>https://scholar.google.com/citations?user=E-vg2zQAAAAJ&amp;hl=fr</a:t>
+            </a:r>
+            <a:endParaRPr lang="en-GB" b="1" dirty="0"/>
+          </a:p>
+          <a:p>
+            <a:r>
+              <a:rPr lang="en-GB" b="1" dirty="0"/>
+              <a:t>Terrence</a:t>
+            </a:r>
+            <a:r>
+              <a:rPr lang="en-GB" dirty="0"/>
+              <a:t> </a:t>
+            </a:r>
+            <a:r>
+              <a:rPr lang="en-GB" b="1" dirty="0" err="1">
+                <a:solidFill>
+                  <a:schemeClr val="accent2">
+                    <a:lumMod val="50000"/>
+                  </a:schemeClr>
+                </a:solidFill>
+              </a:rPr>
+              <a:t>Sejnowski</a:t>
+            </a:r>
+            <a:r>
+              <a:rPr lang="en-GB" dirty="0"/>
+              <a:t>: </a:t>
+            </a:r>
+            <a:r>
+              <a:rPr lang="en-GB" b="1" dirty="0"/>
+              <a:t>Professor</a:t>
             </a:r>
             <a:r>
               <a:rPr lang="en-GB" dirty="0"/>
@@ -7264,40 +7789,27 @@
             </a:r>
             <a:r>
               <a:rPr lang="en-GB" b="1" dirty="0"/>
-              <a:t>Google</a:t>
-            </a:r>
-            <a:r>
-              <a:rPr lang="en-GB" dirty="0"/>
-              <a:t>, co-author of the other Bible of Deep Learning</a:t>
-            </a:r>
-            <a:br>
-              <a:rPr lang="en-GB" dirty="0"/>
-            </a:br>
-            <a:r>
-              <a:rPr lang="en-GB" dirty="0">
-                <a:hlinkClick r:id="rId2"/>
-              </a:rPr>
-              <a:t>https://scholar.google.com/citations?user=Ol0vcWgAAAAJ&amp;hl=en</a:t>
-            </a:r>
-            <a:br>
-              <a:rPr lang="en-GB" dirty="0"/>
-            </a:br>
-            <a:r>
-              <a:rPr lang="en-GB" dirty="0">
-                <a:hlinkClick r:id="rId3"/>
-              </a:rPr>
-              <a:t>http://aima.cs.berkeley.edu/</a:t>
-            </a:r>
-            <a:endParaRPr lang="en-GB" dirty="0"/>
-          </a:p>
-          <a:p>
-            <a:r>
-              <a:rPr lang="en-GB" b="1" dirty="0"/>
-              <a:t>Stuart</a:t>
+              <a:t>UC</a:t>
             </a:r>
             <a:r>
               <a:rPr lang="en-GB" dirty="0"/>
               <a:t> </a:t>
+            </a:r>
+            <a:r>
+              <a:rPr lang="en-GB" b="1" dirty="0"/>
+              <a:t>San</a:t>
+            </a:r>
+            <a:r>
+              <a:rPr lang="en-GB" dirty="0"/>
+              <a:t> </a:t>
+            </a:r>
+            <a:r>
+              <a:rPr lang="en-GB" b="1" dirty="0"/>
+              <a:t>Diego</a:t>
+            </a:r>
+            <a:r>
+              <a:rPr lang="en-GB" dirty="0"/>
+              <a:t>, </a:t>
             </a:r>
             <a:r>
               <a:rPr lang="en-GB" b="1" dirty="0">
@@ -7307,51 +7819,7 @@
                   </a:schemeClr>
                 </a:solidFill>
               </a:rPr>
-              <a:t>Russell</a:t>
-            </a:r>
-            <a:r>
-              <a:rPr lang="en-GB" dirty="0"/>
-              <a:t>: </a:t>
-            </a:r>
-            <a:r>
-              <a:rPr lang="en-GB" b="1" dirty="0"/>
-              <a:t>Professor</a:t>
-            </a:r>
-            <a:r>
-              <a:rPr lang="en-GB" dirty="0"/>
-              <a:t> at </a:t>
-            </a:r>
-            <a:r>
-              <a:rPr lang="en-GB" b="1" dirty="0"/>
-              <a:t>UC</a:t>
-            </a:r>
-            <a:r>
-              <a:rPr lang="en-GB" dirty="0"/>
-              <a:t> </a:t>
-            </a:r>
-            <a:r>
-              <a:rPr lang="en-GB" b="1" dirty="0"/>
-              <a:t>Berkely</a:t>
-            </a:r>
-            <a:r>
-              <a:rPr lang="en-GB" dirty="0"/>
-              <a:t>, co-author of the other Bible of Deep Learning</a:t>
-            </a:r>
-            <a:br>
-              <a:rPr lang="en-GB" dirty="0"/>
-            </a:br>
-            <a:r>
-              <a:rPr lang="en-GB" dirty="0">
-                <a:hlinkClick r:id="rId4"/>
-              </a:rPr>
-              <a:t>https://scholar.google.com/citations?user=2oy3OXYAAAAJ&amp;hl=en</a:t>
-            </a:r>
-            <a:endParaRPr lang="en-GB" dirty="0"/>
-          </a:p>
-          <a:p>
-            <a:r>
-              <a:rPr lang="en-GB" b="1" dirty="0"/>
-              <a:t>Francois</a:t>
+              <a:t>Boltzmann</a:t>
             </a:r>
             <a:r>
               <a:rPr lang="en-GB" dirty="0"/>
@@ -7365,65 +7833,18 @@
                   </a:schemeClr>
                 </a:solidFill>
               </a:rPr>
-              <a:t>Chollet</a:t>
-            </a:r>
-            <a:r>
-              <a:rPr lang="en-GB" dirty="0"/>
-              <a:t>: </a:t>
-            </a:r>
-            <a:r>
-              <a:rPr lang="en-GB" b="1" dirty="0"/>
-              <a:t>Researcher</a:t>
-            </a:r>
-            <a:r>
-              <a:rPr lang="en-GB" dirty="0"/>
-              <a:t> at </a:t>
-            </a:r>
-            <a:r>
-              <a:rPr lang="en-GB" b="1" dirty="0"/>
-              <a:t>Google</a:t>
-            </a:r>
-            <a:r>
-              <a:rPr lang="en-GB" dirty="0"/>
-              <a:t>. The man behind the </a:t>
-            </a:r>
-            <a:r>
-              <a:rPr lang="en-GB" b="1" dirty="0" err="1">
-                <a:solidFill>
-                  <a:schemeClr val="accent2">
-                    <a:lumMod val="50000"/>
-                  </a:schemeClr>
-                </a:solidFill>
-              </a:rPr>
-              <a:t>Keras</a:t>
-            </a:r>
-            <a:r>
-              <a:rPr lang="en-GB" dirty="0"/>
-              <a:t> framework and </a:t>
-            </a:r>
-            <a:r>
-              <a:rPr lang="en-GB" b="1" dirty="0" err="1"/>
-              <a:t>Xception</a:t>
-            </a:r>
-            <a:r>
-              <a:rPr lang="en-GB" dirty="0"/>
-              <a:t>.</a:t>
-            </a:r>
-            <a:br>
-              <a:rPr lang="en-GB" dirty="0"/>
-            </a:br>
-            <a:r>
-              <a:rPr lang="en-GB" dirty="0">
+              <a:t>machines</a:t>
+            </a:r>
+            <a:r>
+              <a:rPr lang="en-GB" dirty="0"/>
+              <a:t>. </a:t>
+            </a:r>
+            <a:r>
+              <a:rPr lang="en-US" dirty="0">
                 <a:hlinkClick r:id="rId5"/>
               </a:rPr>
-              <a:t>https://scholar.google.com/citations?user=VfYhf2wAAAAJ&amp;hl=en</a:t>
-            </a:r>
-            <a:endParaRPr lang="en-GB" dirty="0"/>
-          </a:p>
-          <a:p>
-            <a:endParaRPr lang="en-GB" dirty="0"/>
-          </a:p>
-          <a:p>
+              <a:t>https://scholar.google.ca/citations?user=m1qAiOUAAAAJ&amp;hl=en</a:t>
+            </a:r>
             <a:endParaRPr lang="en-US" dirty="0"/>
           </a:p>
           <a:p>
@@ -7440,7 +7861,7 @@
     </p:spTree>
     <p:extLst>
       <p:ext uri="{BB962C8B-B14F-4D97-AF65-F5344CB8AC3E}">
-        <p14:creationId xmlns:p14="http://schemas.microsoft.com/office/powerpoint/2010/main" val="213952004"/>
+        <p14:creationId xmlns:p14="http://schemas.microsoft.com/office/powerpoint/2010/main" val="4131454532"/>
       </p:ext>
     </p:extLst>
   </p:cSld>
@@ -7520,12 +7941,7 @@
             <p:ph idx="1"/>
           </p:nvPr>
         </p:nvSpPr>
-        <p:spPr>
-          <a:xfrm>
-            <a:off x="838200" y="1825624"/>
-            <a:ext cx="10515600" cy="5032375"/>
-          </a:xfrm>
-        </p:spPr>
+        <p:spPr/>
         <p:txBody>
           <a:bodyPr>
             <a:normAutofit/>
@@ -7533,75 +7949,175 @@
           <a:lstStyle/>
           <a:p>
             <a:r>
-              <a:rPr lang="en-US" b="1" dirty="0"/>
-              <a:t>Trevor </a:t>
-            </a:r>
-            <a:r>
-              <a:rPr lang="en-US" b="1" dirty="0">
+              <a:rPr lang="en-GB" b="1" dirty="0"/>
+              <a:t>Peter</a:t>
+            </a:r>
+            <a:r>
+              <a:rPr lang="en-GB" dirty="0"/>
+              <a:t> </a:t>
+            </a:r>
+            <a:r>
+              <a:rPr lang="en-GB" b="1" dirty="0">
                 <a:solidFill>
                   <a:schemeClr val="accent2">
                     <a:lumMod val="50000"/>
                   </a:schemeClr>
                 </a:solidFill>
               </a:rPr>
-              <a:t>Hastie</a:t>
-            </a:r>
-            <a:r>
-              <a:rPr lang="en-US" dirty="0"/>
+              <a:t>Norvig</a:t>
+            </a:r>
+            <a:r>
+              <a:rPr lang="en-GB" dirty="0"/>
               <a:t>: </a:t>
             </a:r>
             <a:r>
-              <a:rPr lang="en-US" b="1" dirty="0"/>
-              <a:t>Professor</a:t>
-            </a:r>
-            <a:r>
-              <a:rPr lang="en-US" dirty="0"/>
+              <a:rPr lang="en-GB" b="1" dirty="0"/>
+              <a:t>Director</a:t>
+            </a:r>
+            <a:r>
+              <a:rPr lang="en-GB" dirty="0"/>
+              <a:t> </a:t>
+            </a:r>
+            <a:r>
+              <a:rPr lang="en-GB" b="1" dirty="0"/>
+              <a:t>of</a:t>
+            </a:r>
+            <a:r>
+              <a:rPr lang="en-GB" dirty="0"/>
+              <a:t> </a:t>
+            </a:r>
+            <a:r>
+              <a:rPr lang="en-GB" b="1" dirty="0"/>
+              <a:t>Research</a:t>
+            </a:r>
+            <a:r>
+              <a:rPr lang="en-GB" dirty="0"/>
               <a:t> at </a:t>
             </a:r>
             <a:r>
-              <a:rPr lang="en-US" b="1" dirty="0"/>
-              <a:t>Stanford</a:t>
-            </a:r>
-            <a:r>
-              <a:rPr lang="en-US" dirty="0"/>
-              <a:t>, co-</a:t>
-            </a:r>
-            <a:r>
-              <a:rPr lang="en-US" dirty="0" err="1"/>
-              <a:t>autor</a:t>
-            </a:r>
-            <a:r>
-              <a:rPr lang="en-US" dirty="0"/>
-              <a:t> of the Bible of Statistical Learning.</a:t>
+              <a:rPr lang="en-GB" b="1" dirty="0"/>
+              <a:t>Google</a:t>
+            </a:r>
+            <a:r>
+              <a:rPr lang="en-GB" dirty="0"/>
+              <a:t>, co-author of the other Bible of Deep Learning</a:t>
             </a:r>
             <a:br>
-              <a:rPr lang="en-US" dirty="0"/>
+              <a:rPr lang="en-GB" dirty="0"/>
             </a:br>
             <a:r>
-              <a:rPr lang="en-US" dirty="0">
+              <a:rPr lang="en-GB" dirty="0">
                 <a:hlinkClick r:id="rId2"/>
               </a:rPr>
-              <a:t>https://scholar.google.ca/citations?user=tQVe-fAAAAAJ&amp;hl=en</a:t>
+              <a:t>https://scholar.google.com/citations?user=Ol0vcWgAAAAJ&amp;hl=en</a:t>
             </a:r>
             <a:br>
-              <a:rPr lang="en-US" dirty="0"/>
+              <a:rPr lang="en-GB" dirty="0"/>
             </a:br>
             <a:r>
-              <a:rPr lang="en-US" dirty="0">
+              <a:rPr lang="en-GB" dirty="0">
                 <a:hlinkClick r:id="rId3"/>
               </a:rPr>
-              <a:t>https://hastie.su.domains/ElemStatLearn/download.html</a:t>
-            </a:r>
-            <a:endParaRPr lang="en-US" dirty="0"/>
-          </a:p>
-          <a:p>
-            <a:r>
-              <a:rPr lang="en-GB" b="1" dirty="0"/>
-              <a:t>Robert</a:t>
+              <a:t>http://aima.cs.berkeley.edu/</a:t>
+            </a:r>
+            <a:endParaRPr lang="en-GB" dirty="0"/>
+          </a:p>
+          <a:p>
+            <a:r>
+              <a:rPr lang="en-GB" b="1" dirty="0"/>
+              <a:t>Stuart</a:t>
             </a:r>
             <a:r>
               <a:rPr lang="en-GB" dirty="0"/>
               <a:t> </a:t>
+            </a:r>
+            <a:r>
+              <a:rPr lang="en-GB" b="1" dirty="0">
+                <a:solidFill>
+                  <a:schemeClr val="accent2">
+                    <a:lumMod val="50000"/>
+                  </a:schemeClr>
+                </a:solidFill>
+              </a:rPr>
+              <a:t>Russell</a:t>
+            </a:r>
+            <a:r>
+              <a:rPr lang="en-GB" dirty="0"/>
+              <a:t>: </a:t>
+            </a:r>
+            <a:r>
+              <a:rPr lang="en-GB" b="1" dirty="0"/>
+              <a:t>Professor</a:t>
+            </a:r>
+            <a:r>
+              <a:rPr lang="en-GB" dirty="0"/>
+              <a:t> at </a:t>
+            </a:r>
+            <a:r>
+              <a:rPr lang="en-GB" b="1" dirty="0"/>
+              <a:t>UC</a:t>
+            </a:r>
+            <a:r>
+              <a:rPr lang="en-GB" dirty="0"/>
+              <a:t> </a:t>
+            </a:r>
+            <a:r>
+              <a:rPr lang="en-GB" b="1" dirty="0"/>
+              <a:t>Berkely</a:t>
+            </a:r>
+            <a:r>
+              <a:rPr lang="en-GB" dirty="0"/>
+              <a:t>, co-author of the other Bible of Deep Learning</a:t>
+            </a:r>
+            <a:br>
+              <a:rPr lang="en-GB" dirty="0"/>
+            </a:br>
+            <a:r>
+              <a:rPr lang="en-GB" dirty="0">
+                <a:hlinkClick r:id="rId4"/>
+              </a:rPr>
+              <a:t>https://scholar.google.com/citations?user=2oy3OXYAAAAJ&amp;hl=en</a:t>
+            </a:r>
+            <a:endParaRPr lang="en-GB" dirty="0"/>
+          </a:p>
+          <a:p>
+            <a:r>
+              <a:rPr lang="en-GB" b="1" dirty="0"/>
+              <a:t>Francois</a:t>
+            </a:r>
+            <a:r>
+              <a:rPr lang="en-GB" dirty="0"/>
+              <a:t> </a:t>
+            </a:r>
+            <a:r>
+              <a:rPr lang="en-GB" b="1" dirty="0">
+                <a:solidFill>
+                  <a:schemeClr val="accent2">
+                    <a:lumMod val="50000"/>
+                  </a:schemeClr>
+                </a:solidFill>
+              </a:rPr>
+              <a:t>Chollet</a:t>
+            </a:r>
+            <a:r>
+              <a:rPr lang="en-GB" dirty="0"/>
+              <a:t>: </a:t>
+            </a:r>
+            <a:r>
+              <a:rPr lang="en-GB" b="1" dirty="0"/>
+              <a:t>Researcher</a:t>
+            </a:r>
+            <a:r>
+              <a:rPr lang="en-GB" dirty="0"/>
+              <a:t> at </a:t>
+            </a:r>
+            <a:r>
+              <a:rPr lang="en-GB" b="1" dirty="0"/>
+              <a:t>Google</a:t>
+            </a:r>
+            <a:r>
+              <a:rPr lang="en-GB" dirty="0"/>
+              <a:t>. The man behind the </a:t>
             </a:r>
             <a:r>
               <a:rPr lang="en-GB" b="1" dirty="0" err="1">
@@ -7611,137 +8127,35 @@
                   </a:schemeClr>
                 </a:solidFill>
               </a:rPr>
-              <a:t>Tibshirani</a:t>
-            </a:r>
-            <a:r>
-              <a:rPr lang="en-US" dirty="0"/>
-              <a:t>: </a:t>
-            </a:r>
-            <a:r>
-              <a:rPr lang="en-US" b="1" dirty="0"/>
-              <a:t>Professor</a:t>
-            </a:r>
-            <a:r>
-              <a:rPr lang="en-US" dirty="0"/>
-              <a:t> at </a:t>
-            </a:r>
-            <a:r>
-              <a:rPr lang="en-US" b="1" dirty="0"/>
-              <a:t>Stanford</a:t>
-            </a:r>
-            <a:r>
-              <a:rPr lang="en-US" dirty="0"/>
-              <a:t>, co-</a:t>
-            </a:r>
-            <a:r>
-              <a:rPr lang="en-US" dirty="0" err="1"/>
-              <a:t>autor</a:t>
-            </a:r>
-            <a:r>
-              <a:rPr lang="en-US" dirty="0"/>
-              <a:t> of the Bible of Statistical Learning. Inventor of the LASSO algorithm.</a:t>
+              <a:t>Keras</a:t>
+            </a:r>
+            <a:r>
+              <a:rPr lang="en-GB" dirty="0"/>
+              <a:t> framework and </a:t>
+            </a:r>
+            <a:r>
+              <a:rPr lang="en-GB" b="1" dirty="0" err="1"/>
+              <a:t>Xception</a:t>
+            </a:r>
+            <a:r>
+              <a:rPr lang="en-GB" dirty="0"/>
+              <a:t>.</a:t>
             </a:r>
             <a:br>
-              <a:rPr lang="en-US" dirty="0"/>
+              <a:rPr lang="en-GB" dirty="0"/>
             </a:br>
             <a:r>
-              <a:rPr lang="en-US" dirty="0">
-                <a:hlinkClick r:id="rId4"/>
-              </a:rPr>
-              <a:t>https://scholar.google.ca/citations?user=ZpG_cJwAAAAJ&amp;hl=en</a:t>
-            </a:r>
-            <a:endParaRPr lang="en-US" dirty="0"/>
-          </a:p>
-          <a:p>
-            <a:r>
-              <a:rPr lang="en-GB" b="1" dirty="0"/>
-              <a:t>Vladimir </a:t>
-            </a:r>
-            <a:r>
-              <a:rPr lang="en-GB" b="1" dirty="0" err="1">
-                <a:solidFill>
-                  <a:schemeClr val="accent2">
-                    <a:lumMod val="50000"/>
-                  </a:schemeClr>
-                </a:solidFill>
-              </a:rPr>
-              <a:t>Vapnik</a:t>
-            </a:r>
-            <a:r>
-              <a:rPr lang="en-GB" b="1" dirty="0"/>
-              <a:t>: Retired Professor</a:t>
-            </a:r>
-            <a:r>
-              <a:rPr lang="en-GB" dirty="0"/>
-              <a:t>, inventor of </a:t>
-            </a:r>
-            <a:r>
-              <a:rPr lang="en-GB" b="1" dirty="0"/>
-              <a:t>SVMs</a:t>
-            </a:r>
-            <a:r>
-              <a:rPr lang="en-GB" dirty="0"/>
-              <a:t> and many other concepts. Worked with </a:t>
-            </a:r>
-            <a:r>
-              <a:rPr lang="en-GB" b="1" dirty="0"/>
-              <a:t>Yann</a:t>
-            </a:r>
-            <a:r>
-              <a:rPr lang="en-GB" dirty="0"/>
-              <a:t> </a:t>
-            </a:r>
-            <a:r>
-              <a:rPr lang="en-GB" b="1" dirty="0" err="1">
-                <a:solidFill>
-                  <a:schemeClr val="accent2">
-                    <a:lumMod val="50000"/>
-                  </a:schemeClr>
-                </a:solidFill>
-              </a:rPr>
-              <a:t>LeCun</a:t>
-            </a:r>
-            <a:r>
-              <a:rPr lang="en-GB" dirty="0"/>
-              <a:t> at </a:t>
-            </a:r>
-            <a:r>
-              <a:rPr lang="en-GB" b="1" dirty="0">
-                <a:solidFill>
-                  <a:schemeClr val="accent2">
-                    <a:lumMod val="50000"/>
-                  </a:schemeClr>
-                </a:solidFill>
-              </a:rPr>
-              <a:t>Facebook</a:t>
-            </a:r>
-            <a:r>
-              <a:rPr lang="en-GB" b="1" dirty="0"/>
-              <a:t> </a:t>
-            </a:r>
-            <a:r>
-              <a:rPr lang="en-GB" b="1" dirty="0">
-                <a:solidFill>
-                  <a:schemeClr val="accent2">
-                    <a:lumMod val="50000"/>
-                  </a:schemeClr>
-                </a:solidFill>
-              </a:rPr>
-              <a:t>AI</a:t>
-            </a:r>
-            <a:r>
-              <a:rPr lang="en-GB" dirty="0"/>
-              <a:t>.</a:t>
-            </a:r>
-            <a:br>
-              <a:rPr lang="en-GB" dirty="0"/>
-            </a:br>
-            <a:r>
-              <a:rPr lang="en-US" dirty="0">
+              <a:rPr lang="en-GB" dirty="0">
                 <a:hlinkClick r:id="rId5"/>
               </a:rPr>
-              <a:t>https://scholar.google.com/citations?user=vtegaJgAAAAJ&amp;hl=fr</a:t>
-            </a:r>
+              <a:t>https://scholar.google.com/citations?user=VfYhf2wAAAAJ&amp;hl=en</a:t>
+            </a:r>
+            <a:endParaRPr lang="en-GB" dirty="0"/>
+          </a:p>
+          <a:p>
+            <a:endParaRPr lang="en-GB" dirty="0"/>
+          </a:p>
+          <a:p>
             <a:endParaRPr lang="en-US" dirty="0"/>
           </a:p>
           <a:p>
@@ -7758,7 +8172,7 @@
     </p:spTree>
     <p:extLst>
       <p:ext uri="{BB962C8B-B14F-4D97-AF65-F5344CB8AC3E}">
-        <p14:creationId xmlns:p14="http://schemas.microsoft.com/office/powerpoint/2010/main" val="1934179735"/>
+        <p14:creationId xmlns:p14="http://schemas.microsoft.com/office/powerpoint/2010/main" val="213952004"/>
       </p:ext>
     </p:extLst>
   </p:cSld>
@@ -7851,8 +8265,71 @@
           <a:lstStyle/>
           <a:p>
             <a:r>
-              <a:rPr lang="en-GB" b="1" dirty="0"/>
-              <a:t>Andrej</a:t>
+              <a:rPr lang="en-US" b="1" dirty="0"/>
+              <a:t>Trevor </a:t>
+            </a:r>
+            <a:r>
+              <a:rPr lang="en-US" b="1" dirty="0">
+                <a:solidFill>
+                  <a:schemeClr val="accent2">
+                    <a:lumMod val="50000"/>
+                  </a:schemeClr>
+                </a:solidFill>
+              </a:rPr>
+              <a:t>Hastie</a:t>
+            </a:r>
+            <a:r>
+              <a:rPr lang="en-US" dirty="0"/>
+              <a:t>: </a:t>
+            </a:r>
+            <a:r>
+              <a:rPr lang="en-US" b="1" dirty="0"/>
+              <a:t>Professor</a:t>
+            </a:r>
+            <a:r>
+              <a:rPr lang="en-US" dirty="0"/>
+              <a:t> at </a:t>
+            </a:r>
+            <a:r>
+              <a:rPr lang="en-US" b="1" dirty="0"/>
+              <a:t>Stanford</a:t>
+            </a:r>
+            <a:r>
+              <a:rPr lang="en-US" dirty="0"/>
+              <a:t>, co-</a:t>
+            </a:r>
+            <a:r>
+              <a:rPr lang="en-US" dirty="0" err="1"/>
+              <a:t>autor</a:t>
+            </a:r>
+            <a:r>
+              <a:rPr lang="en-US" dirty="0"/>
+              <a:t> of the Bible of Statistical Learning.</a:t>
+            </a:r>
+            <a:br>
+              <a:rPr lang="en-US" dirty="0"/>
+            </a:br>
+            <a:r>
+              <a:rPr lang="en-US" dirty="0">
+                <a:hlinkClick r:id="rId2"/>
+              </a:rPr>
+              <a:t>https://scholar.google.ca/citations?user=tQVe-fAAAAAJ&amp;hl=en</a:t>
+            </a:r>
+            <a:br>
+              <a:rPr lang="en-US" dirty="0"/>
+            </a:br>
+            <a:r>
+              <a:rPr lang="en-US" dirty="0">
+                <a:hlinkClick r:id="rId3"/>
+              </a:rPr>
+              <a:t>https://hastie.su.domains/ElemStatLearn/download.html</a:t>
+            </a:r>
+            <a:endParaRPr lang="en-US" dirty="0"/>
+          </a:p>
+          <a:p>
+            <a:r>
+              <a:rPr lang="en-GB" b="1" dirty="0"/>
+              <a:t>Robert</a:t>
             </a:r>
             <a:r>
               <a:rPr lang="en-GB" dirty="0"/>
@@ -7866,31 +8343,95 @@
                   </a:schemeClr>
                 </a:solidFill>
               </a:rPr>
-              <a:t>Karpathy</a:t>
-            </a:r>
-            <a:r>
-              <a:rPr lang="en-GB" dirty="0"/>
+              <a:t>Tibshirani</a:t>
+            </a:r>
+            <a:r>
+              <a:rPr lang="en-US" dirty="0"/>
               <a:t>: </a:t>
             </a:r>
             <a:r>
-              <a:rPr lang="en-GB" b="1" dirty="0"/>
-              <a:t>Director</a:t>
+              <a:rPr lang="en-US" b="1" dirty="0"/>
+              <a:t>Professor</a:t>
+            </a:r>
+            <a:r>
+              <a:rPr lang="en-US" dirty="0"/>
+              <a:t> at </a:t>
+            </a:r>
+            <a:r>
+              <a:rPr lang="en-US" b="1" dirty="0"/>
+              <a:t>Stanford</a:t>
+            </a:r>
+            <a:r>
+              <a:rPr lang="en-US" dirty="0"/>
+              <a:t>, co-</a:t>
+            </a:r>
+            <a:r>
+              <a:rPr lang="en-US" dirty="0" err="1"/>
+              <a:t>autor</a:t>
+            </a:r>
+            <a:r>
+              <a:rPr lang="en-US" dirty="0"/>
+              <a:t> of the Bible of Statistical Learning. Inventor of the LASSO algorithm.</a:t>
+            </a:r>
+            <a:br>
+              <a:rPr lang="en-US" dirty="0"/>
+            </a:br>
+            <a:r>
+              <a:rPr lang="en-US" dirty="0">
+                <a:hlinkClick r:id="rId4"/>
+              </a:rPr>
+              <a:t>https://scholar.google.ca/citations?user=ZpG_cJwAAAAJ&amp;hl=en</a:t>
+            </a:r>
+            <a:endParaRPr lang="en-US" dirty="0"/>
+          </a:p>
+          <a:p>
+            <a:r>
+              <a:rPr lang="en-GB" b="1" dirty="0"/>
+              <a:t>Vladimir </a:t>
+            </a:r>
+            <a:r>
+              <a:rPr lang="en-GB" b="1" dirty="0" err="1">
+                <a:solidFill>
+                  <a:schemeClr val="accent2">
+                    <a:lumMod val="50000"/>
+                  </a:schemeClr>
+                </a:solidFill>
+              </a:rPr>
+              <a:t>Vapnik</a:t>
+            </a:r>
+            <a:r>
+              <a:rPr lang="en-GB" b="1" dirty="0"/>
+              <a:t>: Retired Professor</a:t>
+            </a:r>
+            <a:r>
+              <a:rPr lang="en-GB" dirty="0"/>
+              <a:t>, inventor of </a:t>
+            </a:r>
+            <a:r>
+              <a:rPr lang="en-GB" b="1" dirty="0"/>
+              <a:t>SVMs</a:t>
+            </a:r>
+            <a:r>
+              <a:rPr lang="en-GB" dirty="0"/>
+              <a:t> and many other concepts. Worked with </a:t>
+            </a:r>
+            <a:r>
+              <a:rPr lang="en-GB" b="1" dirty="0"/>
+              <a:t>Yann</a:t>
             </a:r>
             <a:r>
               <a:rPr lang="en-GB" dirty="0"/>
               <a:t> </a:t>
             </a:r>
             <a:r>
-              <a:rPr lang="en-GB" b="1" dirty="0"/>
-              <a:t>of</a:t>
-            </a:r>
-            <a:r>
-              <a:rPr lang="en-GB" dirty="0"/>
-              <a:t> </a:t>
-            </a:r>
-            <a:r>
-              <a:rPr lang="en-GB" b="1" dirty="0"/>
-              <a:t>AI</a:t>
+              <a:rPr lang="en-GB" b="1" dirty="0" err="1">
+                <a:solidFill>
+                  <a:schemeClr val="accent2">
+                    <a:lumMod val="50000"/>
+                  </a:schemeClr>
+                </a:solidFill>
+              </a:rPr>
+              <a:t>LeCun</a:t>
             </a:r>
             <a:r>
               <a:rPr lang="en-GB" dirty="0"/>
@@ -7904,53 +8445,10 @@
                   </a:schemeClr>
                 </a:solidFill>
               </a:rPr>
-              <a:t>Tesla</a:t>
-            </a:r>
-            <a:r>
-              <a:rPr lang="en-GB" dirty="0"/>
-              <a:t>. Many contributions to Computer Vision (</a:t>
-            </a:r>
-            <a:r>
-              <a:rPr lang="en-GB" b="1" dirty="0" err="1"/>
-              <a:t>Imagenet</a:t>
-            </a:r>
-            <a:r>
-              <a:rPr lang="en-GB" dirty="0"/>
-              <a:t>) and NLP (</a:t>
-            </a:r>
-            <a:r>
-              <a:rPr lang="en-GB" b="1" dirty="0"/>
-              <a:t>RNNs</a:t>
-            </a:r>
-            <a:r>
-              <a:rPr lang="en-GB" dirty="0"/>
-              <a:t>).</a:t>
-            </a:r>
-            <a:br>
-              <a:rPr lang="en-GB" dirty="0"/>
-            </a:br>
-            <a:r>
-              <a:rPr lang="en-GB" dirty="0"/>
-              <a:t>(Probably better to follow him than Elon Musk.)</a:t>
-            </a:r>
-            <a:br>
-              <a:rPr lang="en-GB" dirty="0"/>
-            </a:br>
-            <a:r>
-              <a:rPr lang="en-GB" dirty="0">
-                <a:hlinkClick r:id="rId2"/>
-              </a:rPr>
-              <a:t>https://scholar.google.com/citations?user=l8WuQJgAAAAJ&amp;hl=fr</a:t>
-            </a:r>
-            <a:endParaRPr lang="en-GB" dirty="0"/>
-          </a:p>
-          <a:p>
-            <a:r>
-              <a:rPr lang="en-GB" b="1" dirty="0"/>
-              <a:t>Li</a:t>
-            </a:r>
-            <a:r>
-              <a:rPr lang="en-GB" dirty="0"/>
+              <a:t>Facebook</a:t>
+            </a:r>
+            <a:r>
+              <a:rPr lang="en-GB" b="1" dirty="0"/>
               <a:t> </a:t>
             </a:r>
             <a:r>
@@ -7961,151 +8459,22 @@
                   </a:schemeClr>
                 </a:solidFill>
               </a:rPr>
-              <a:t>Fei-Fei</a:t>
-            </a:r>
-            <a:r>
-              <a:rPr lang="en-GB" dirty="0"/>
-              <a:t>: </a:t>
-            </a:r>
-            <a:r>
-              <a:rPr lang="en-GB" b="1" dirty="0"/>
-              <a:t>Professor</a:t>
-            </a:r>
-            <a:r>
-              <a:rPr lang="en-GB" dirty="0"/>
-              <a:t> at </a:t>
-            </a:r>
-            <a:r>
-              <a:rPr lang="en-GB" b="1" dirty="0"/>
-              <a:t>Stanford</a:t>
-            </a:r>
-            <a:r>
-              <a:rPr lang="en-GB" dirty="0"/>
-              <a:t>. Many contributions to Computer Vision (</a:t>
-            </a:r>
-            <a:r>
-              <a:rPr lang="en-GB" b="1" dirty="0" err="1"/>
-              <a:t>Imagenet</a:t>
-            </a:r>
-            <a:r>
-              <a:rPr lang="en-GB" dirty="0"/>
-              <a:t>).</a:t>
+              <a:t>AI</a:t>
+            </a:r>
+            <a:r>
+              <a:rPr lang="en-GB" dirty="0"/>
+              <a:t>.</a:t>
             </a:r>
             <a:br>
               <a:rPr lang="en-GB" dirty="0"/>
             </a:br>
             <a:r>
-              <a:rPr lang="en-GB" dirty="0">
-                <a:hlinkClick r:id="rId3"/>
+              <a:rPr lang="en-US" dirty="0">
+                <a:hlinkClick r:id="rId5"/>
               </a:rPr>
-              <a:t>https://scholar.google.com/citations?user=rDfyQnIAAAAJ&amp;hl=fr</a:t>
-            </a:r>
-            <a:endParaRPr lang="en-GB" dirty="0"/>
-          </a:p>
-          <a:p>
-            <a:r>
-              <a:rPr lang="en-GB" b="1" dirty="0"/>
-              <a:t>Ilya</a:t>
-            </a:r>
-            <a:r>
-              <a:rPr lang="en-GB" dirty="0"/>
-              <a:t> </a:t>
-            </a:r>
-            <a:r>
-              <a:rPr lang="en-GB" b="1" dirty="0" err="1">
-                <a:solidFill>
-                  <a:schemeClr val="accent2">
-                    <a:lumMod val="50000"/>
-                  </a:schemeClr>
-                </a:solidFill>
-              </a:rPr>
-              <a:t>Sutskever</a:t>
-            </a:r>
-            <a:r>
-              <a:rPr lang="en-GB" dirty="0"/>
-              <a:t>: </a:t>
-            </a:r>
-            <a:r>
-              <a:rPr lang="en-GB" b="1" dirty="0"/>
-              <a:t>Co-founder</a:t>
-            </a:r>
-            <a:r>
-              <a:rPr lang="en-GB" dirty="0"/>
-              <a:t> of </a:t>
-            </a:r>
-            <a:r>
-              <a:rPr lang="en-GB" b="1" dirty="0" err="1">
-                <a:solidFill>
-                  <a:schemeClr val="accent2">
-                    <a:lumMod val="50000"/>
-                  </a:schemeClr>
-                </a:solidFill>
-              </a:rPr>
-              <a:t>OpenAI</a:t>
-            </a:r>
-            <a:r>
-              <a:rPr lang="en-GB" dirty="0"/>
-              <a:t>.</a:t>
-            </a:r>
-            <a:br>
-              <a:rPr lang="en-GB" dirty="0"/>
-            </a:br>
-            <a:r>
-              <a:rPr lang="en-GB" dirty="0"/>
-              <a:t>Many contributions to Computer Vision (</a:t>
-            </a:r>
-            <a:r>
-              <a:rPr lang="en-GB" b="1" dirty="0" err="1"/>
-              <a:t>Imagenet</a:t>
-            </a:r>
-            <a:r>
-              <a:rPr lang="en-GB" dirty="0"/>
-              <a:t>) and </a:t>
-            </a:r>
-            <a:r>
-              <a:rPr lang="en-GB" b="1" dirty="0"/>
-              <a:t>Reinforcement</a:t>
-            </a:r>
-            <a:r>
-              <a:rPr lang="en-GB" dirty="0"/>
-              <a:t> </a:t>
-            </a:r>
-            <a:r>
-              <a:rPr lang="en-GB" b="1" dirty="0"/>
-              <a:t>Learning</a:t>
-            </a:r>
-            <a:r>
-              <a:rPr lang="en-GB" dirty="0"/>
-              <a:t>.</a:t>
-            </a:r>
-            <a:br>
-              <a:rPr lang="en-GB" dirty="0"/>
-            </a:br>
-            <a:r>
-              <a:rPr lang="en-GB" dirty="0"/>
-              <a:t>Co-inventor of Dropout layers and </a:t>
-            </a:r>
-            <a:r>
-              <a:rPr lang="en-GB" b="1" dirty="0" err="1">
-                <a:solidFill>
-                  <a:schemeClr val="accent2">
-                    <a:lumMod val="50000"/>
-                  </a:schemeClr>
-                </a:solidFill>
-              </a:rPr>
-              <a:t>Tensorflow</a:t>
-            </a:r>
-            <a:r>
-              <a:rPr lang="en-GB" dirty="0"/>
-              <a:t>. </a:t>
-            </a:r>
-            <a:r>
-              <a:rPr lang="en-US" dirty="0">
-                <a:hlinkClick r:id="rId4"/>
-              </a:rPr>
-              <a:t>https://scholar.google.com/citations?user=x04W_mMAAAAJ&amp;hl=fr</a:t>
-            </a:r>
-            <a:endParaRPr lang="en-GB" dirty="0"/>
+              <a:t>https://scholar.google.com/citations?user=vtegaJgAAAAJ&amp;hl=fr</a:t>
+            </a:r>
+            <a:endParaRPr lang="en-US" dirty="0"/>
           </a:p>
           <a:p>
             <a:endParaRPr lang="en-US" dirty="0"/>
@@ -8121,7 +8490,7 @@
     </p:spTree>
     <p:extLst>
       <p:ext uri="{BB962C8B-B14F-4D97-AF65-F5344CB8AC3E}">
-        <p14:creationId xmlns:p14="http://schemas.microsoft.com/office/powerpoint/2010/main" val="3324188887"/>
+        <p14:creationId xmlns:p14="http://schemas.microsoft.com/office/powerpoint/2010/main" val="1934179735"/>
       </p:ext>
     </p:extLst>
   </p:cSld>
@@ -8215,15 +8584,49 @@
           <a:p>
             <a:r>
               <a:rPr lang="en-GB" b="1" dirty="0"/>
-              <a:t>Anil</a:t>
+              <a:t>Andrej</a:t>
             </a:r>
             <a:r>
               <a:rPr lang="en-GB" dirty="0"/>
               <a:t> </a:t>
             </a:r>
             <a:r>
-              <a:rPr lang="en-GB" b="1" dirty="0"/>
-              <a:t>K. </a:t>
+              <a:rPr lang="en-GB" b="1" dirty="0" err="1">
+                <a:solidFill>
+                  <a:schemeClr val="accent2">
+                    <a:lumMod val="50000"/>
+                  </a:schemeClr>
+                </a:solidFill>
+              </a:rPr>
+              <a:t>Karpathy</a:t>
+            </a:r>
+            <a:r>
+              <a:rPr lang="en-GB" dirty="0"/>
+              <a:t>: </a:t>
+            </a:r>
+            <a:r>
+              <a:rPr lang="en-GB" b="1" dirty="0"/>
+              <a:t>Director</a:t>
+            </a:r>
+            <a:r>
+              <a:rPr lang="en-GB" dirty="0"/>
+              <a:t> </a:t>
+            </a:r>
+            <a:r>
+              <a:rPr lang="en-GB" b="1" dirty="0"/>
+              <a:t>of</a:t>
+            </a:r>
+            <a:r>
+              <a:rPr lang="en-GB" dirty="0"/>
+              <a:t> </a:t>
+            </a:r>
+            <a:r>
+              <a:rPr lang="en-GB" b="1" dirty="0"/>
+              <a:t>AI</a:t>
+            </a:r>
+            <a:r>
+              <a:rPr lang="en-GB" dirty="0"/>
+              <a:t> at </a:t>
             </a:r>
             <a:r>
               <a:rPr lang="en-GB" b="1" dirty="0">
@@ -8233,43 +8636,34 @@
                   </a:schemeClr>
                 </a:solidFill>
               </a:rPr>
-              <a:t>Jain</a:t>
-            </a:r>
-            <a:r>
-              <a:rPr lang="en-GB" dirty="0"/>
-              <a:t>: </a:t>
-            </a:r>
-            <a:r>
-              <a:rPr lang="en-GB" b="1" dirty="0"/>
-              <a:t>Professor</a:t>
-            </a:r>
-            <a:r>
-              <a:rPr lang="en-GB" dirty="0"/>
-              <a:t> at </a:t>
-            </a:r>
-            <a:r>
-              <a:rPr lang="en-GB" b="1" dirty="0"/>
-              <a:t>Michigan</a:t>
-            </a:r>
-            <a:r>
-              <a:rPr lang="en-GB" dirty="0"/>
-              <a:t> </a:t>
-            </a:r>
-            <a:r>
-              <a:rPr lang="en-GB" b="1" dirty="0"/>
-              <a:t>State</a:t>
-            </a:r>
-            <a:r>
-              <a:rPr lang="en-GB" dirty="0"/>
-              <a:t> </a:t>
-            </a:r>
-            <a:r>
-              <a:rPr lang="en-GB" b="1" dirty="0"/>
-              <a:t>University</a:t>
-            </a:r>
-            <a:r>
-              <a:rPr lang="en-GB" dirty="0"/>
-              <a:t>. Many contributions to Computer Vision and Statistical Learning.</a:t>
+              <a:t>Tesla</a:t>
+            </a:r>
+            <a:r>
+              <a:rPr lang="en-GB" dirty="0"/>
+              <a:t>. Many contributions to Computer Vision (</a:t>
+            </a:r>
+            <a:r>
+              <a:rPr lang="en-GB" b="1" dirty="0" err="1"/>
+              <a:t>Imagenet</a:t>
+            </a:r>
+            <a:r>
+              <a:rPr lang="en-GB" dirty="0"/>
+              <a:t>) and NLP (</a:t>
+            </a:r>
+            <a:r>
+              <a:rPr lang="en-GB" b="1" dirty="0"/>
+              <a:t>RNNs</a:t>
+            </a:r>
+            <a:r>
+              <a:rPr lang="en-GB" dirty="0"/>
+              <a:t>).</a:t>
+            </a:r>
+            <a:br>
+              <a:rPr lang="en-GB" dirty="0"/>
+            </a:br>
+            <a:r>
+              <a:rPr lang="en-GB" dirty="0"/>
+              <a:t>(Probably better to follow him than Elon Musk.)</a:t>
             </a:r>
             <a:br>
               <a:rPr lang="en-GB" dirty="0"/>
@@ -8278,14 +8672,14 @@
               <a:rPr lang="en-GB" dirty="0">
                 <a:hlinkClick r:id="rId2"/>
               </a:rPr>
-              <a:t>https://scholar.google.com/citations?user=g-_ZXGsAAAAJ&amp;hl=fr</a:t>
+              <a:t>https://scholar.google.com/citations?user=l8WuQJgAAAAJ&amp;hl=fr</a:t>
             </a:r>
             <a:endParaRPr lang="en-GB" dirty="0"/>
           </a:p>
           <a:p>
             <a:r>
               <a:rPr lang="en-GB" b="1" dirty="0"/>
-              <a:t>Jitendra</a:t>
+              <a:t>Li</a:t>
             </a:r>
             <a:r>
               <a:rPr lang="en-GB" dirty="0"/>
@@ -8299,7 +8693,7 @@
                   </a:schemeClr>
                 </a:solidFill>
               </a:rPr>
-              <a:t>Malik</a:t>
+              <a:t>Fei-Fei</a:t>
             </a:r>
             <a:r>
               <a:rPr lang="en-GB" dirty="0"/>
@@ -8315,32 +8709,35 @@
             </a:r>
             <a:r>
               <a:rPr lang="en-GB" b="1" dirty="0"/>
-              <a:t>UC</a:t>
-            </a:r>
-            <a:r>
-              <a:rPr lang="en-GB" dirty="0"/>
-              <a:t> </a:t>
-            </a:r>
-            <a:r>
-              <a:rPr lang="en-GB" b="1" dirty="0"/>
-              <a:t>Berkeley</a:t>
-            </a:r>
-            <a:r>
-              <a:rPr lang="en-GB" dirty="0"/>
-              <a:t>. Many contributions to Computer Vision and Statistical Learning. </a:t>
-            </a:r>
+              <a:t>Stanford</a:t>
+            </a:r>
+            <a:r>
+              <a:rPr lang="en-GB" dirty="0"/>
+              <a:t>. Many contributions to Computer Vision (</a:t>
+            </a:r>
+            <a:r>
+              <a:rPr lang="en-GB" b="1" dirty="0" err="1"/>
+              <a:t>Imagenet</a:t>
+            </a:r>
+            <a:r>
+              <a:rPr lang="en-GB" dirty="0"/>
+              <a:t>).</a:t>
+            </a:r>
+            <a:br>
+              <a:rPr lang="en-GB" dirty="0"/>
+            </a:br>
             <a:r>
               <a:rPr lang="en-GB" dirty="0">
                 <a:hlinkClick r:id="rId3"/>
               </a:rPr>
-              <a:t>https://scholar.google.com/citations?user=oY9R5YQAAAAJ&amp;hl=fr</a:t>
+              <a:t>https://scholar.google.com/citations?user=rDfyQnIAAAAJ&amp;hl=fr</a:t>
             </a:r>
             <a:endParaRPr lang="en-GB" dirty="0"/>
           </a:p>
           <a:p>
             <a:r>
               <a:rPr lang="en-GB" b="1" dirty="0"/>
-              <a:t>Sebastian</a:t>
+              <a:t>Ilya</a:t>
             </a:r>
             <a:r>
               <a:rPr lang="en-GB" dirty="0"/>
@@ -8354,7 +8751,7 @@
                   </a:schemeClr>
                 </a:solidFill>
               </a:rPr>
-              <a:t>Thrun</a:t>
+              <a:t>Sutskever</a:t>
             </a:r>
             <a:r>
               <a:rPr lang="en-GB" dirty="0"/>
@@ -8362,87 +8759,87 @@
             </a:r>
             <a:r>
               <a:rPr lang="en-GB" b="1" dirty="0"/>
-              <a:t>Stanford</a:t>
-            </a:r>
-            <a:r>
-              <a:rPr lang="en-GB" dirty="0"/>
-              <a:t>, cool stuff on </a:t>
-            </a:r>
-            <a:r>
-              <a:rPr lang="en-GB" b="1" dirty="0"/>
-              <a:t>robotics</a:t>
-            </a:r>
-            <a:r>
-              <a:rPr lang="en-GB" dirty="0"/>
-              <a:t>.</a:t>
-            </a:r>
-            <a:br>
-              <a:rPr lang="en-GB" dirty="0"/>
-            </a:br>
-            <a:r>
-              <a:rPr lang="en-GB" dirty="0">
-                <a:hlinkClick r:id="rId4"/>
-              </a:rPr>
-              <a:t>https://scholar.google.com/citations?user=7K34d7cAAAAJ&amp;hl=fr</a:t>
-            </a:r>
-            <a:endParaRPr lang="en-GB" dirty="0"/>
-          </a:p>
-          <a:p>
-            <a:r>
-              <a:rPr lang="en-US" b="1" dirty="0"/>
-              <a:t>Daphne</a:t>
-            </a:r>
-            <a:r>
-              <a:rPr lang="en-US" dirty="0"/>
-              <a:t> </a:t>
-            </a:r>
-            <a:r>
-              <a:rPr lang="en-US" b="1" dirty="0">
+              <a:t>Co-founder</a:t>
+            </a:r>
+            <a:r>
+              <a:rPr lang="en-GB" dirty="0"/>
+              <a:t> of </a:t>
+            </a:r>
+            <a:r>
+              <a:rPr lang="en-GB" b="1" dirty="0" err="1">
                 <a:solidFill>
                   <a:schemeClr val="accent2">
                     <a:lumMod val="50000"/>
                   </a:schemeClr>
                 </a:solidFill>
               </a:rPr>
-              <a:t>Koller</a:t>
-            </a:r>
-            <a:r>
-              <a:rPr lang="en-US" dirty="0"/>
-              <a:t>: </a:t>
-            </a:r>
-            <a:r>
-              <a:rPr lang="en-US" b="1" dirty="0"/>
-              <a:t>CEO</a:t>
-            </a:r>
-            <a:r>
-              <a:rPr lang="en-US" dirty="0"/>
-              <a:t> at </a:t>
-            </a:r>
-            <a:r>
-              <a:rPr lang="en-US" b="1" dirty="0" err="1"/>
-              <a:t>InSitro</a:t>
-            </a:r>
-            <a:r>
-              <a:rPr lang="en-US" dirty="0"/>
-              <a:t>, some cool </a:t>
-            </a:r>
-            <a:r>
-              <a:rPr lang="en-US" b="1" dirty="0"/>
-              <a:t>courses on Coursera</a:t>
-            </a:r>
-            <a:r>
-              <a:rPr lang="en-US" dirty="0"/>
-              <a:t>, she might be the co-founder of Coursera (?).</a:t>
+              <a:t>OpenAI</a:t>
+            </a:r>
+            <a:r>
+              <a:rPr lang="en-GB" dirty="0"/>
+              <a:t>.</a:t>
             </a:r>
             <a:br>
-              <a:rPr lang="en-US" dirty="0"/>
+              <a:rPr lang="en-GB" dirty="0"/>
             </a:br>
             <a:r>
+              <a:rPr lang="en-GB" dirty="0"/>
+              <a:t>Many contributions to Computer Vision (</a:t>
+            </a:r>
+            <a:r>
+              <a:rPr lang="en-GB" b="1" dirty="0" err="1"/>
+              <a:t>Imagenet</a:t>
+            </a:r>
+            <a:r>
+              <a:rPr lang="en-GB" dirty="0"/>
+              <a:t>) and </a:t>
+            </a:r>
+            <a:r>
+              <a:rPr lang="en-GB" b="1" dirty="0"/>
+              <a:t>Reinforcement</a:t>
+            </a:r>
+            <a:r>
+              <a:rPr lang="en-GB" dirty="0"/>
+              <a:t> </a:t>
+            </a:r>
+            <a:r>
+              <a:rPr lang="en-GB" b="1" dirty="0"/>
+              <a:t>Learning</a:t>
+            </a:r>
+            <a:r>
+              <a:rPr lang="en-GB" dirty="0"/>
+              <a:t>.</a:t>
+            </a:r>
+            <a:br>
+              <a:rPr lang="en-GB" dirty="0"/>
+            </a:br>
+            <a:r>
+              <a:rPr lang="en-GB" dirty="0"/>
+              <a:t>Co-inventor of Dropout layers and </a:t>
+            </a:r>
+            <a:r>
+              <a:rPr lang="en-GB" b="1" dirty="0" err="1">
+                <a:solidFill>
+                  <a:schemeClr val="accent2">
+                    <a:lumMod val="50000"/>
+                  </a:schemeClr>
+                </a:solidFill>
+              </a:rPr>
+              <a:t>Tensorflow</a:t>
+            </a:r>
+            <a:r>
+              <a:rPr lang="en-GB" dirty="0"/>
+              <a:t>. </a:t>
+            </a:r>
+            <a:r>
               <a:rPr lang="en-US" dirty="0">
-                <a:hlinkClick r:id="rId5"/>
+                <a:hlinkClick r:id="rId4"/>
               </a:rPr>
-              <a:t>https://scholar.google.com/citations?user=5Iqe53IAAAAJ&amp;hl=en</a:t>
-            </a:r>
+              <a:t>https://scholar.google.com/citations?user=x04W_mMAAAAJ&amp;hl=fr</a:t>
+            </a:r>
+            <a:endParaRPr lang="en-GB" dirty="0"/>
+          </a:p>
+          <a:p>
             <a:endParaRPr lang="en-US" dirty="0"/>
           </a:p>
           <a:p>
@@ -8456,7 +8853,7 @@
     </p:spTree>
     <p:extLst>
       <p:ext uri="{BB962C8B-B14F-4D97-AF65-F5344CB8AC3E}">
-        <p14:creationId xmlns:p14="http://schemas.microsoft.com/office/powerpoint/2010/main" val="898875826"/>
+        <p14:creationId xmlns:p14="http://schemas.microsoft.com/office/powerpoint/2010/main" val="3324188887"/>
       </p:ext>
     </p:extLst>
   </p:cSld>
@@ -8544,13 +8941,192 @@
         </p:spPr>
         <p:txBody>
           <a:bodyPr>
-            <a:noAutofit/>
+            <a:normAutofit/>
           </a:bodyPr>
           <a:lstStyle/>
           <a:p>
             <a:r>
+              <a:rPr lang="en-GB" b="1" dirty="0"/>
+              <a:t>Anil</a:t>
+            </a:r>
+            <a:r>
+              <a:rPr lang="en-GB" dirty="0"/>
+              <a:t> </a:t>
+            </a:r>
+            <a:r>
+              <a:rPr lang="en-GB" b="1" dirty="0"/>
+              <a:t>K. </a:t>
+            </a:r>
+            <a:r>
+              <a:rPr lang="en-GB" b="1" dirty="0">
+                <a:solidFill>
+                  <a:schemeClr val="accent2">
+                    <a:lumMod val="50000"/>
+                  </a:schemeClr>
+                </a:solidFill>
+              </a:rPr>
+              <a:t>Jain</a:t>
+            </a:r>
+            <a:r>
+              <a:rPr lang="en-GB" dirty="0"/>
+              <a:t>: </a:t>
+            </a:r>
+            <a:r>
+              <a:rPr lang="en-GB" b="1" dirty="0"/>
+              <a:t>Professor</a:t>
+            </a:r>
+            <a:r>
+              <a:rPr lang="en-GB" dirty="0"/>
+              <a:t> at </a:t>
+            </a:r>
+            <a:r>
+              <a:rPr lang="en-GB" b="1" dirty="0"/>
+              <a:t>Michigan</a:t>
+            </a:r>
+            <a:r>
+              <a:rPr lang="en-GB" dirty="0"/>
+              <a:t> </a:t>
+            </a:r>
+            <a:r>
+              <a:rPr lang="en-GB" b="1" dirty="0"/>
+              <a:t>State</a:t>
+            </a:r>
+            <a:r>
+              <a:rPr lang="en-GB" dirty="0"/>
+              <a:t> </a:t>
+            </a:r>
+            <a:r>
+              <a:rPr lang="en-GB" b="1" dirty="0"/>
+              <a:t>University</a:t>
+            </a:r>
+            <a:r>
+              <a:rPr lang="en-GB" dirty="0"/>
+              <a:t>. Many contributions to Computer Vision and Statistical Learning.</a:t>
+            </a:r>
+            <a:br>
+              <a:rPr lang="en-GB" dirty="0"/>
+            </a:br>
+            <a:r>
+              <a:rPr lang="en-GB" dirty="0">
+                <a:hlinkClick r:id="rId2"/>
+              </a:rPr>
+              <a:t>https://scholar.google.com/citations?user=g-_ZXGsAAAAJ&amp;hl=fr</a:t>
+            </a:r>
+            <a:endParaRPr lang="en-GB" dirty="0"/>
+          </a:p>
+          <a:p>
+            <a:r>
+              <a:rPr lang="en-GB" b="1" dirty="0"/>
+              <a:t>Jitendra</a:t>
+            </a:r>
+            <a:r>
+              <a:rPr lang="en-GB" dirty="0"/>
+              <a:t> </a:t>
+            </a:r>
+            <a:r>
+              <a:rPr lang="en-GB" b="1" dirty="0">
+                <a:solidFill>
+                  <a:schemeClr val="accent2">
+                    <a:lumMod val="50000"/>
+                  </a:schemeClr>
+                </a:solidFill>
+              </a:rPr>
+              <a:t>Malik</a:t>
+            </a:r>
+            <a:r>
+              <a:rPr lang="en-GB" dirty="0"/>
+              <a:t>: </a:t>
+            </a:r>
+            <a:r>
+              <a:rPr lang="en-GB" b="1" dirty="0"/>
+              <a:t>Professor</a:t>
+            </a:r>
+            <a:r>
+              <a:rPr lang="en-GB" dirty="0"/>
+              <a:t> at </a:t>
+            </a:r>
+            <a:r>
+              <a:rPr lang="en-GB" b="1" dirty="0"/>
+              <a:t>UC</a:t>
+            </a:r>
+            <a:r>
+              <a:rPr lang="en-GB" dirty="0"/>
+              <a:t> </a:t>
+            </a:r>
+            <a:r>
+              <a:rPr lang="en-GB" b="1" dirty="0"/>
+              <a:t>Berkeley</a:t>
+            </a:r>
+            <a:r>
+              <a:rPr lang="en-GB" dirty="0"/>
+              <a:t>. Many contributions to Computer Vision and Statistical Learning. </a:t>
+            </a:r>
+            <a:r>
+              <a:rPr lang="en-GB" dirty="0">
+                <a:hlinkClick r:id="rId3"/>
+              </a:rPr>
+              <a:t>https://scholar.google.com/citations?user=oY9R5YQAAAAJ&amp;hl=fr</a:t>
+            </a:r>
+            <a:endParaRPr lang="en-GB" dirty="0"/>
+          </a:p>
+          <a:p>
+            <a:r>
+              <a:rPr lang="en-GB" b="1" dirty="0"/>
+              <a:t>Sebastian</a:t>
+            </a:r>
+            <a:r>
+              <a:rPr lang="en-GB" dirty="0"/>
+              <a:t> </a:t>
+            </a:r>
+            <a:r>
+              <a:rPr lang="en-GB" b="1" dirty="0" err="1">
+                <a:solidFill>
+                  <a:schemeClr val="accent2">
+                    <a:lumMod val="50000"/>
+                  </a:schemeClr>
+                </a:solidFill>
+              </a:rPr>
+              <a:t>Thrun</a:t>
+            </a:r>
+            <a:r>
+              <a:rPr lang="en-GB" dirty="0"/>
+              <a:t>: </a:t>
+            </a:r>
+            <a:r>
+              <a:rPr lang="en-GB" b="1" dirty="0"/>
+              <a:t>Stanford</a:t>
+            </a:r>
+            <a:r>
+              <a:rPr lang="en-GB" dirty="0"/>
+              <a:t>, cool stuff on </a:t>
+            </a:r>
+            <a:r>
+              <a:rPr lang="en-GB" b="1" dirty="0"/>
+              <a:t>robotics</a:t>
+            </a:r>
+            <a:r>
+              <a:rPr lang="en-GB" dirty="0"/>
+              <a:t>.</a:t>
+            </a:r>
+            <a:br>
+              <a:rPr lang="en-GB" dirty="0"/>
+            </a:br>
+            <a:r>
+              <a:rPr lang="en-GB" dirty="0">
+                <a:hlinkClick r:id="rId4"/>
+              </a:rPr>
+              <a:t>https://scholar.google.com/citations?user=7K34d7cAAAAJ&amp;hl=fr</a:t>
+            </a:r>
+            <a:endParaRPr lang="en-GB" dirty="0"/>
+          </a:p>
+          <a:p>
+            <a:r>
               <a:rPr lang="en-US" b="1" dirty="0"/>
-              <a:t>Andrew </a:t>
+              <a:t>Daphne</a:t>
+            </a:r>
+            <a:r>
+              <a:rPr lang="en-US" dirty="0"/>
+              <a:t> </a:t>
             </a:r>
             <a:r>
               <a:rPr lang="en-US" b="1" dirty="0">
@@ -8560,7 +9136,7 @@
                   </a:schemeClr>
                 </a:solidFill>
               </a:rPr>
-              <a:t>Ng</a:t>
+              <a:t>Koller</a:t>
             </a:r>
             <a:r>
               <a:rPr lang="en-US" dirty="0"/>
@@ -8568,265 +9144,37 @@
             </a:r>
             <a:r>
               <a:rPr lang="en-US" b="1" dirty="0"/>
-              <a:t>Professor</a:t>
+              <a:t>CEO</a:t>
             </a:r>
             <a:r>
               <a:rPr lang="en-US" dirty="0"/>
               <a:t> at </a:t>
             </a:r>
             <a:r>
+              <a:rPr lang="en-US" b="1" dirty="0" err="1"/>
+              <a:t>InSitro</a:t>
+            </a:r>
+            <a:r>
+              <a:rPr lang="en-US" dirty="0"/>
+              <a:t>, some cool </a:t>
+            </a:r>
+            <a:r>
               <a:rPr lang="en-US" b="1" dirty="0"/>
-              <a:t>Stanford</a:t>
-            </a:r>
-            <a:r>
-              <a:rPr lang="en-US" dirty="0"/>
-              <a:t>, co-creator of </a:t>
-            </a:r>
-            <a:r>
-              <a:rPr lang="en-US" b="1" dirty="0">
-                <a:solidFill>
-                  <a:schemeClr val="accent2">
-                    <a:lumMod val="50000"/>
-                  </a:schemeClr>
-                </a:solidFill>
-              </a:rPr>
-              <a:t>Coursera</a:t>
-            </a:r>
-            <a:r>
-              <a:rPr lang="en-US" dirty="0"/>
-              <a:t>. Has one of the best online courses on Deep Learning.</a:t>
+              <a:t>courses on Coursera</a:t>
+            </a:r>
+            <a:r>
+              <a:rPr lang="en-US" dirty="0"/>
+              <a:t>, she might be the co-founder of Coursera (?).</a:t>
             </a:r>
             <a:br>
               <a:rPr lang="en-US" dirty="0"/>
             </a:br>
-            <a:r>
-              <a:rPr lang="en-US" dirty="0">
-                <a:hlinkClick r:id="rId2"/>
-              </a:rPr>
-              <a:t>https://scholar.google.com/citations?user=mG4imMEAAAAJ&amp;hl=en</a:t>
-            </a:r>
-            <a:endParaRPr lang="en-US" dirty="0"/>
-          </a:p>
-          <a:p>
-            <a:r>
-              <a:rPr lang="en-US" b="1" dirty="0"/>
-              <a:t>Jeremy</a:t>
-            </a:r>
-            <a:r>
-              <a:rPr lang="en-US" dirty="0"/>
-              <a:t> </a:t>
-            </a:r>
-            <a:r>
-              <a:rPr lang="en-US" b="1" dirty="0">
-                <a:solidFill>
-                  <a:schemeClr val="accent2">
-                    <a:lumMod val="50000"/>
-                  </a:schemeClr>
-                </a:solidFill>
-              </a:rPr>
-              <a:t>Howard</a:t>
-            </a:r>
-            <a:r>
-              <a:rPr lang="en-US" dirty="0"/>
-              <a:t>: </a:t>
-            </a:r>
-            <a:r>
-              <a:rPr lang="en-US" b="1" dirty="0"/>
-              <a:t>Research</a:t>
-            </a:r>
-            <a:r>
-              <a:rPr lang="en-US" dirty="0"/>
-              <a:t> </a:t>
-            </a:r>
-            <a:r>
-              <a:rPr lang="en-US" b="1" dirty="0"/>
-              <a:t>Scientist</a:t>
-            </a:r>
-            <a:r>
-              <a:rPr lang="en-US" dirty="0"/>
-              <a:t> at </a:t>
-            </a:r>
-            <a:r>
-              <a:rPr lang="en-US" b="1" dirty="0"/>
-              <a:t>University</a:t>
-            </a:r>
-            <a:r>
-              <a:rPr lang="en-US" dirty="0"/>
-              <a:t> </a:t>
-            </a:r>
-            <a:r>
-              <a:rPr lang="en-US" b="1" dirty="0"/>
-              <a:t>of</a:t>
-            </a:r>
-            <a:r>
-              <a:rPr lang="en-US" dirty="0"/>
-              <a:t> </a:t>
-            </a:r>
-            <a:r>
-              <a:rPr lang="en-US" b="1" dirty="0"/>
-              <a:t>San</a:t>
-            </a:r>
-            <a:r>
-              <a:rPr lang="en-US" dirty="0"/>
-              <a:t> </a:t>
-            </a:r>
-            <a:r>
-              <a:rPr lang="en-US" b="1" dirty="0"/>
-              <a:t>Francisco</a:t>
-            </a:r>
-            <a:r>
-              <a:rPr lang="en-US" dirty="0"/>
-              <a:t>, a good scout for notable research papers on Twitter and </a:t>
-            </a:r>
-            <a:r>
-              <a:rPr lang="en-US" b="1" dirty="0"/>
-              <a:t>TED</a:t>
-            </a:r>
-            <a:r>
-              <a:rPr lang="en-US" dirty="0"/>
-              <a:t> </a:t>
-            </a:r>
-            <a:r>
-              <a:rPr lang="en-US" b="1" dirty="0"/>
-              <a:t>talks</a:t>
-            </a:r>
-            <a:r>
-              <a:rPr lang="en-US" dirty="0"/>
-              <a:t>.</a:t>
-            </a:r>
-            <a:br>
-              <a:rPr lang="en-US" dirty="0"/>
-            </a:br>
-            <a:r>
-              <a:rPr lang="en-US" dirty="0">
-                <a:hlinkClick r:id="rId3"/>
-              </a:rPr>
-              <a:t>https://scholar.google.com/citations?user=ZWdEJ54AAAAJ&amp;hl=en</a:t>
-            </a:r>
-            <a:endParaRPr lang="en-US" dirty="0"/>
-          </a:p>
-          <a:p>
-            <a:r>
-              <a:rPr lang="en-GB" b="1" dirty="0" err="1"/>
-              <a:t>Yaser</a:t>
-            </a:r>
-            <a:r>
-              <a:rPr lang="en-GB" b="1" dirty="0"/>
-              <a:t> S. </a:t>
-            </a:r>
-            <a:r>
-              <a:rPr lang="en-GB" b="1" dirty="0">
-                <a:solidFill>
-                  <a:schemeClr val="accent2">
-                    <a:lumMod val="50000"/>
-                  </a:schemeClr>
-                </a:solidFill>
-              </a:rPr>
-              <a:t>Abu-Mostafa</a:t>
-            </a:r>
-            <a:r>
-              <a:rPr lang="en-GB" dirty="0"/>
-              <a:t>: </a:t>
-            </a:r>
-            <a:r>
-              <a:rPr lang="en-GB" b="1" dirty="0"/>
-              <a:t>Professor</a:t>
-            </a:r>
-            <a:r>
-              <a:rPr lang="en-GB" dirty="0"/>
-              <a:t> at </a:t>
-            </a:r>
-            <a:r>
-              <a:rPr lang="en-GB" b="1" dirty="0" err="1"/>
-              <a:t>CalTech</a:t>
-            </a:r>
-            <a:r>
-              <a:rPr lang="en-GB" dirty="0"/>
-              <a:t>, one of the best professors for Deep Learning out there.</a:t>
-            </a:r>
-            <a:br>
-              <a:rPr lang="en-GB" b="1" dirty="0"/>
-            </a:br>
-            <a:r>
-              <a:rPr lang="en-US" dirty="0">
-                <a:hlinkClick r:id="rId4"/>
-              </a:rPr>
-              <a:t>https://dblp.org/pid/69/3008.html</a:t>
-            </a:r>
-            <a:endParaRPr lang="en-US" dirty="0"/>
-          </a:p>
-          <a:p>
-            <a:r>
-              <a:rPr lang="en-GB" b="1" dirty="0"/>
-              <a:t>Rachel L. </a:t>
-            </a:r>
-            <a:r>
-              <a:rPr lang="en-GB" b="1" dirty="0">
-                <a:solidFill>
-                  <a:schemeClr val="accent2">
-                    <a:lumMod val="50000"/>
-                  </a:schemeClr>
-                </a:solidFill>
-              </a:rPr>
-              <a:t>Thomas</a:t>
-            </a:r>
-            <a:r>
-              <a:rPr lang="en-GB" dirty="0"/>
-              <a:t>: </a:t>
-            </a:r>
-            <a:r>
-              <a:rPr lang="en-GB" b="1" dirty="0"/>
-              <a:t>University</a:t>
-            </a:r>
-            <a:r>
-              <a:rPr lang="en-GB" dirty="0"/>
-              <a:t> of </a:t>
-            </a:r>
-            <a:r>
-              <a:rPr lang="en-GB" b="1" dirty="0"/>
-              <a:t>San</a:t>
-            </a:r>
-            <a:r>
-              <a:rPr lang="en-GB" dirty="0"/>
-              <a:t> </a:t>
-            </a:r>
-            <a:r>
-              <a:rPr lang="en-GB" b="1" dirty="0"/>
-              <a:t>Francisco</a:t>
-            </a:r>
-            <a:r>
-              <a:rPr lang="en-GB" dirty="0"/>
-              <a:t>, </a:t>
-            </a:r>
-            <a:r>
-              <a:rPr lang="en-GB" b="1" dirty="0" err="1">
-                <a:solidFill>
-                  <a:schemeClr val="accent2">
-                    <a:lumMod val="50000"/>
-                  </a:schemeClr>
-                </a:solidFill>
-              </a:rPr>
-              <a:t>FastAI</a:t>
-            </a:r>
-            <a:r>
-              <a:rPr lang="en-GB" dirty="0"/>
-              <a:t>, some great TED conferences on AI and Deep Learning. </a:t>
-            </a:r>
             <a:r>
               <a:rPr lang="en-US" dirty="0">
                 <a:hlinkClick r:id="rId5"/>
               </a:rPr>
-              <a:t>https://scholar.google.com/citations?user=BDsAYUsAAAAJ&amp;hl=en</a:t>
-            </a:r>
-            <a:endParaRPr lang="en-US" dirty="0"/>
-          </a:p>
-          <a:p>
-            <a:endParaRPr lang="en-US" dirty="0"/>
-          </a:p>
-          <a:p>
-            <a:endParaRPr lang="en-US" dirty="0"/>
-          </a:p>
-          <a:p>
+              <a:t>https://scholar.google.com/citations?user=5Iqe53IAAAAJ&amp;hl=en</a:t>
+            </a:r>
             <a:endParaRPr lang="en-US" dirty="0"/>
           </a:p>
           <a:p>
@@ -8840,7 +9188,7 @@
     </p:spTree>
     <p:extLst>
       <p:ext uri="{BB962C8B-B14F-4D97-AF65-F5344CB8AC3E}">
-        <p14:creationId xmlns:p14="http://schemas.microsoft.com/office/powerpoint/2010/main" val="58723962"/>
+        <p14:creationId xmlns:p14="http://schemas.microsoft.com/office/powerpoint/2010/main" val="898875826"/>
       </p:ext>
     </p:extLst>
   </p:cSld>
@@ -9003,6 +9351,390 @@
     <p:extLst>
       <p:ext uri="{BB962C8B-B14F-4D97-AF65-F5344CB8AC3E}">
         <p14:creationId xmlns:p14="http://schemas.microsoft.com/office/powerpoint/2010/main" val="3159760077"/>
+      </p:ext>
+    </p:extLst>
+  </p:cSld>
+  <p:clrMapOvr>
+    <a:masterClrMapping/>
+  </p:clrMapOvr>
+</p:sld>
+</file>
+
+<file path=ppt/slides/slide30.xml><?xml version="1.0" encoding="utf-8"?>
+<p:sld xmlns:a="http://schemas.openxmlformats.org/drawingml/2006/main" xmlns:r="http://schemas.openxmlformats.org/officeDocument/2006/relationships" xmlns:p="http://schemas.openxmlformats.org/presentationml/2006/main">
+  <p:cSld>
+    <p:spTree>
+      <p:nvGrpSpPr>
+        <p:cNvPr id="1" name=""/>
+        <p:cNvGrpSpPr/>
+        <p:nvPr/>
+      </p:nvGrpSpPr>
+      <p:grpSpPr>
+        <a:xfrm>
+          <a:off x="0" y="0"/>
+          <a:ext cx="0" cy="0"/>
+          <a:chOff x="0" y="0"/>
+          <a:chExt cx="0" cy="0"/>
+        </a:xfrm>
+      </p:grpSpPr>
+      <p:sp>
+        <p:nvSpPr>
+          <p:cNvPr id="4" name="Title 3">
+            <a:extLst>
+              <a:ext uri="{FF2B5EF4-FFF2-40B4-BE49-F238E27FC236}">
+                <a16:creationId xmlns:a16="http://schemas.microsoft.com/office/drawing/2014/main" id="{1715EAD9-59BF-46C0-9089-6E366691CAE9}"/>
+              </a:ext>
+            </a:extLst>
+          </p:cNvPr>
+          <p:cNvSpPr>
+            <a:spLocks noGrp="1"/>
+          </p:cNvSpPr>
+          <p:nvPr>
+            <p:ph type="title"/>
+          </p:nvPr>
+        </p:nvSpPr>
+        <p:spPr/>
+        <p:txBody>
+          <a:bodyPr/>
+          <a:lstStyle/>
+          <a:p>
+            <a:r>
+              <a:rPr lang="en-US" dirty="0"/>
+              <a:t>Add these researchers, companies and research </a:t>
+            </a:r>
+            <a:r>
+              <a:rPr lang="en-US" dirty="0" err="1"/>
+              <a:t>groupes</a:t>
+            </a:r>
+            <a:r>
+              <a:rPr lang="en-US" dirty="0"/>
+              <a:t> to your watchlist</a:t>
+            </a:r>
+            <a:endParaRPr lang="en-GB" dirty="0"/>
+          </a:p>
+        </p:txBody>
+      </p:sp>
+      <p:sp>
+        <p:nvSpPr>
+          <p:cNvPr id="5" name="Content Placeholder 4">
+            <a:extLst>
+              <a:ext uri="{FF2B5EF4-FFF2-40B4-BE49-F238E27FC236}">
+                <a16:creationId xmlns:a16="http://schemas.microsoft.com/office/drawing/2014/main" id="{279FF99D-84CB-436E-9373-43EB3F28720A}"/>
+              </a:ext>
+            </a:extLst>
+          </p:cNvPr>
+          <p:cNvSpPr>
+            <a:spLocks noGrp="1"/>
+          </p:cNvSpPr>
+          <p:nvPr>
+            <p:ph idx="1"/>
+          </p:nvPr>
+        </p:nvSpPr>
+        <p:spPr>
+          <a:xfrm>
+            <a:off x="838200" y="1825624"/>
+            <a:ext cx="10515600" cy="5032375"/>
+          </a:xfrm>
+        </p:spPr>
+        <p:txBody>
+          <a:bodyPr>
+            <a:noAutofit/>
+          </a:bodyPr>
+          <a:lstStyle/>
+          <a:p>
+            <a:r>
+              <a:rPr lang="en-US" b="1" dirty="0"/>
+              <a:t>Andrew </a:t>
+            </a:r>
+            <a:r>
+              <a:rPr lang="en-US" b="1" dirty="0">
+                <a:solidFill>
+                  <a:schemeClr val="accent2">
+                    <a:lumMod val="50000"/>
+                  </a:schemeClr>
+                </a:solidFill>
+              </a:rPr>
+              <a:t>Ng</a:t>
+            </a:r>
+            <a:r>
+              <a:rPr lang="en-US" dirty="0"/>
+              <a:t>: </a:t>
+            </a:r>
+            <a:r>
+              <a:rPr lang="en-US" b="1" dirty="0"/>
+              <a:t>Professor</a:t>
+            </a:r>
+            <a:r>
+              <a:rPr lang="en-US" dirty="0"/>
+              <a:t> at </a:t>
+            </a:r>
+            <a:r>
+              <a:rPr lang="en-US" b="1" dirty="0"/>
+              <a:t>Stanford</a:t>
+            </a:r>
+            <a:r>
+              <a:rPr lang="en-US" dirty="0"/>
+              <a:t>, co-creator of </a:t>
+            </a:r>
+            <a:r>
+              <a:rPr lang="en-US" b="1" dirty="0">
+                <a:solidFill>
+                  <a:schemeClr val="accent2">
+                    <a:lumMod val="50000"/>
+                  </a:schemeClr>
+                </a:solidFill>
+              </a:rPr>
+              <a:t>Coursera</a:t>
+            </a:r>
+            <a:r>
+              <a:rPr lang="en-US" dirty="0"/>
+              <a:t>. Has one of the best online courses on Deep Learning.</a:t>
+            </a:r>
+            <a:br>
+              <a:rPr lang="en-US" dirty="0"/>
+            </a:br>
+            <a:r>
+              <a:rPr lang="en-US" dirty="0">
+                <a:hlinkClick r:id="rId2"/>
+              </a:rPr>
+              <a:t>https://scholar.google.com/citations?user=mG4imMEAAAAJ&amp;hl=en</a:t>
+            </a:r>
+            <a:endParaRPr lang="en-US" dirty="0"/>
+          </a:p>
+          <a:p>
+            <a:r>
+              <a:rPr lang="en-US" b="1" dirty="0"/>
+              <a:t>Jeremy</a:t>
+            </a:r>
+            <a:r>
+              <a:rPr lang="en-US" dirty="0"/>
+              <a:t> </a:t>
+            </a:r>
+            <a:r>
+              <a:rPr lang="en-US" b="1" dirty="0">
+                <a:solidFill>
+                  <a:schemeClr val="accent2">
+                    <a:lumMod val="50000"/>
+                  </a:schemeClr>
+                </a:solidFill>
+              </a:rPr>
+              <a:t>Howard</a:t>
+            </a:r>
+            <a:r>
+              <a:rPr lang="en-US" dirty="0"/>
+              <a:t>: </a:t>
+            </a:r>
+            <a:r>
+              <a:rPr lang="en-US" b="1" dirty="0"/>
+              <a:t>Research</a:t>
+            </a:r>
+            <a:r>
+              <a:rPr lang="en-US" dirty="0"/>
+              <a:t> </a:t>
+            </a:r>
+            <a:r>
+              <a:rPr lang="en-US" b="1" dirty="0"/>
+              <a:t>Scientist</a:t>
+            </a:r>
+            <a:r>
+              <a:rPr lang="en-US" dirty="0"/>
+              <a:t> at </a:t>
+            </a:r>
+            <a:r>
+              <a:rPr lang="en-US" b="1" dirty="0"/>
+              <a:t>University</a:t>
+            </a:r>
+            <a:r>
+              <a:rPr lang="en-US" dirty="0"/>
+              <a:t> </a:t>
+            </a:r>
+            <a:r>
+              <a:rPr lang="en-US" b="1" dirty="0"/>
+              <a:t>of</a:t>
+            </a:r>
+            <a:r>
+              <a:rPr lang="en-US" dirty="0"/>
+              <a:t> </a:t>
+            </a:r>
+            <a:r>
+              <a:rPr lang="en-US" b="1" dirty="0"/>
+              <a:t>San</a:t>
+            </a:r>
+            <a:r>
+              <a:rPr lang="en-US" dirty="0"/>
+              <a:t> </a:t>
+            </a:r>
+            <a:r>
+              <a:rPr lang="en-US" b="1" dirty="0"/>
+              <a:t>Francisco</a:t>
+            </a:r>
+            <a:r>
+              <a:rPr lang="en-US" dirty="0"/>
+              <a:t>, a good scout for notable research papers on Twitter and </a:t>
+            </a:r>
+            <a:r>
+              <a:rPr lang="en-US" b="1" dirty="0"/>
+              <a:t>TED</a:t>
+            </a:r>
+            <a:r>
+              <a:rPr lang="en-US" dirty="0"/>
+              <a:t> </a:t>
+            </a:r>
+            <a:r>
+              <a:rPr lang="en-US" b="1" dirty="0"/>
+              <a:t>talks</a:t>
+            </a:r>
+            <a:r>
+              <a:rPr lang="en-US" dirty="0"/>
+              <a:t>.</a:t>
+            </a:r>
+            <a:br>
+              <a:rPr lang="en-US" dirty="0"/>
+            </a:br>
+            <a:r>
+              <a:rPr lang="en-US" dirty="0">
+                <a:hlinkClick r:id="rId3"/>
+              </a:rPr>
+              <a:t>https://scholar.google.com/citations?user=ZWdEJ54AAAAJ&amp;hl=en</a:t>
+            </a:r>
+            <a:endParaRPr lang="en-US" dirty="0"/>
+          </a:p>
+          <a:p>
+            <a:r>
+              <a:rPr lang="en-GB" b="1" dirty="0" err="1"/>
+              <a:t>Yaser</a:t>
+            </a:r>
+            <a:r>
+              <a:rPr lang="en-GB" b="1" dirty="0"/>
+              <a:t> S. </a:t>
+            </a:r>
+            <a:r>
+              <a:rPr lang="en-GB" b="1" dirty="0">
+                <a:solidFill>
+                  <a:schemeClr val="accent2">
+                    <a:lumMod val="50000"/>
+                  </a:schemeClr>
+                </a:solidFill>
+              </a:rPr>
+              <a:t>Abu-Mostafa</a:t>
+            </a:r>
+            <a:r>
+              <a:rPr lang="en-GB" dirty="0"/>
+              <a:t>: </a:t>
+            </a:r>
+            <a:r>
+              <a:rPr lang="en-GB" b="1" dirty="0"/>
+              <a:t>Professor</a:t>
+            </a:r>
+            <a:r>
+              <a:rPr lang="en-GB" dirty="0"/>
+              <a:t> at </a:t>
+            </a:r>
+            <a:r>
+              <a:rPr lang="en-GB" b="1" dirty="0" err="1"/>
+              <a:t>CalTech</a:t>
+            </a:r>
+            <a:r>
+              <a:rPr lang="en-GB" dirty="0"/>
+              <a:t>, one of the best professors for Deep Learning out there.</a:t>
+            </a:r>
+            <a:br>
+              <a:rPr lang="en-GB" b="1" dirty="0"/>
+            </a:br>
+            <a:r>
+              <a:rPr lang="en-US" dirty="0">
+                <a:hlinkClick r:id="rId4"/>
+              </a:rPr>
+              <a:t>https://dblp.org/pid/69/3008.html</a:t>
+            </a:r>
+            <a:endParaRPr lang="en-US" dirty="0"/>
+          </a:p>
+          <a:p>
+            <a:r>
+              <a:rPr lang="en-GB" b="1" dirty="0"/>
+              <a:t>Rachel L. </a:t>
+            </a:r>
+            <a:r>
+              <a:rPr lang="en-GB" b="1" dirty="0">
+                <a:solidFill>
+                  <a:schemeClr val="accent2">
+                    <a:lumMod val="50000"/>
+                  </a:schemeClr>
+                </a:solidFill>
+              </a:rPr>
+              <a:t>Thomas</a:t>
+            </a:r>
+            <a:r>
+              <a:rPr lang="en-GB" dirty="0"/>
+              <a:t>: </a:t>
+            </a:r>
+            <a:r>
+              <a:rPr lang="en-GB" b="1" dirty="0"/>
+              <a:t>University</a:t>
+            </a:r>
+            <a:r>
+              <a:rPr lang="en-GB" dirty="0"/>
+              <a:t> of </a:t>
+            </a:r>
+            <a:r>
+              <a:rPr lang="en-GB" b="1" dirty="0"/>
+              <a:t>San</a:t>
+            </a:r>
+            <a:r>
+              <a:rPr lang="en-GB" dirty="0"/>
+              <a:t> </a:t>
+            </a:r>
+            <a:r>
+              <a:rPr lang="en-GB" b="1" dirty="0"/>
+              <a:t>Francisco</a:t>
+            </a:r>
+            <a:r>
+              <a:rPr lang="en-GB" dirty="0"/>
+              <a:t>, </a:t>
+            </a:r>
+            <a:r>
+              <a:rPr lang="en-GB" b="1" dirty="0" err="1">
+                <a:solidFill>
+                  <a:schemeClr val="accent2">
+                    <a:lumMod val="50000"/>
+                  </a:schemeClr>
+                </a:solidFill>
+              </a:rPr>
+              <a:t>FastAI</a:t>
+            </a:r>
+            <a:r>
+              <a:rPr lang="en-GB" dirty="0"/>
+              <a:t>, some great TED conferences on AI and Deep Learning. </a:t>
+            </a:r>
+            <a:r>
+              <a:rPr lang="en-US" dirty="0">
+                <a:hlinkClick r:id="rId5"/>
+              </a:rPr>
+              <a:t>https://scholar.google.com/citations?user=BDsAYUsAAAAJ&amp;hl=en</a:t>
+            </a:r>
+            <a:endParaRPr lang="en-US" dirty="0"/>
+          </a:p>
+          <a:p>
+            <a:endParaRPr lang="en-US" dirty="0"/>
+          </a:p>
+          <a:p>
+            <a:endParaRPr lang="en-US" dirty="0"/>
+          </a:p>
+          <a:p>
+            <a:endParaRPr lang="en-US" dirty="0"/>
+          </a:p>
+          <a:p>
+            <a:endParaRPr lang="en-US" dirty="0"/>
+          </a:p>
+          <a:p>
+            <a:endParaRPr lang="en-GB" dirty="0"/>
+          </a:p>
+        </p:txBody>
+      </p:sp>
+    </p:spTree>
+    <p:extLst>
+      <p:ext uri="{BB962C8B-B14F-4D97-AF65-F5344CB8AC3E}">
+        <p14:creationId xmlns:p14="http://schemas.microsoft.com/office/powerpoint/2010/main" val="58723962"/>
       </p:ext>
     </p:extLst>
   </p:cSld>
@@ -9176,9 +9908,12 @@
             </a:r>
           </a:p>
           <a:p>
-            <a:r>
-              <a:rPr lang="en-US" dirty="0"/>
-              <a:t>Many more mechanisms when it comes to attacking and defending a Neural Network. E.g. new types of attacks, such as</a:t>
+            <a:pPr marL="0" indent="0">
+              <a:buNone/>
+            </a:pPr>
+            <a:r>
+              <a:rPr lang="en-US" dirty="0"/>
+              <a:t>Many more mechanisms when it comes to attacking and defending a Neural Network, e.g. new types of attacks, such as:</a:t>
             </a:r>
           </a:p>
           <a:p>
@@ -9305,6 +10040,9 @@
             </a:r>
           </a:p>
           <a:p>
+            <a:pPr marL="0" indent="0">
+              <a:buNone/>
+            </a:pPr>
             <a:r>
               <a:rPr lang="en-US" dirty="0"/>
               <a:t>Many more mechanisms when it comes to embedding and language related problems.</a:t>
@@ -9447,15 +10185,12 @@
             </a:r>
           </a:p>
           <a:p>
-            <a:r>
-              <a:rPr lang="en-US" dirty="0"/>
-              <a:t>We barely scratched the surface of Graph Theory.</a:t>
-            </a:r>
-          </a:p>
-          <a:p>
-            <a:r>
-              <a:rPr lang="en-US" dirty="0"/>
-              <a:t>If you need to study a new math theory, let it be graph theory!</a:t>
+            <a:pPr marL="0" indent="0">
+              <a:buNone/>
+            </a:pPr>
+            <a:r>
+              <a:rPr lang="en-US" dirty="0"/>
+              <a:t>We barely scratched the surface of Graph Theory. If you need to study a new math theory, let it be graph theory!</a:t>
             </a:r>
           </a:p>
           <a:p>
@@ -9479,13 +10214,7 @@
           <a:p>
             <a:r>
               <a:rPr lang="en-US" dirty="0"/>
-              <a:t>More advanced problems and concepts on Graph Neural Networks</a:t>
-            </a:r>
-          </a:p>
-          <a:p>
-            <a:r>
-              <a:rPr lang="en-US" dirty="0"/>
-              <a:t>Lectures 1-9 of course here</a:t>
+              <a:t>More advanced problems and concepts on Graph Neural Networks in lectures 1-9 of course here:</a:t>
             </a:r>
           </a:p>
           <a:p>
@@ -9612,6 +10341,9 @@
             </a:r>
           </a:p>
           <a:p>
+            <a:pPr marL="0" indent="0">
+              <a:buNone/>
+            </a:pPr>
             <a:r>
               <a:rPr lang="en-US" dirty="0"/>
               <a:t>Also, keep in mind that Neural Networks are graphs…</a:t>

--- a/W13/W13S1.pptx
+++ b/W13/W13S1.pptx
@@ -194,16 +194,40 @@
 </p:presentation>
 </file>
 
-<file path=ppt/revisionInfo.xml><?xml version="1.0" encoding="utf-8"?>
-<p1510:revInfo xmlns:a="http://schemas.openxmlformats.org/drawingml/2006/main" xmlns:r="http://schemas.openxmlformats.org/officeDocument/2006/relationships" xmlns:p1510="http://schemas.microsoft.com/office/powerpoint/2015/10/main">
-  <p1510:revLst>
-    <p1510:client id="{F12FC4A2-B409-4069-B166-D5A2DB97FEBD}" v="8" dt="2022-11-14T07:19:28.891"/>
-  </p1510:revLst>
-</p1510:revInfo>
-</file>
-
 <file path=ppt/changesInfos/changesInfo1.xml><?xml version="1.0" encoding="utf-8"?>
 <pc:chgInfo xmlns:a="http://schemas.openxmlformats.org/drawingml/2006/main" xmlns:r="http://schemas.openxmlformats.org/officeDocument/2006/relationships" xmlns:ac="http://schemas.microsoft.com/office/drawing/2013/main/command" xmlns:pc="http://schemas.microsoft.com/office/powerpoint/2013/main/command">
+  <pc:docChgLst>
+    <pc:chgData name="Matthieu De Mari" userId="dfb708c9-d8dc-439f-9a3b-c772bf4a311c" providerId="ADAL" clId="{2EE51D5F-91EB-49B2-8E86-C29DDEBB32B6}"/>
+    <pc:docChg chg="modSld">
+      <pc:chgData name="Matthieu De Mari" userId="dfb708c9-d8dc-439f-9a3b-c772bf4a311c" providerId="ADAL" clId="{2EE51D5F-91EB-49B2-8E86-C29DDEBB32B6}" dt="2023-02-12T10:25:06.179" v="3" actId="1076"/>
+      <pc:docMkLst>
+        <pc:docMk/>
+      </pc:docMkLst>
+      <pc:sldChg chg="modSp mod">
+        <pc:chgData name="Matthieu De Mari" userId="dfb708c9-d8dc-439f-9a3b-c772bf4a311c" providerId="ADAL" clId="{2EE51D5F-91EB-49B2-8E86-C29DDEBB32B6}" dt="2023-02-12T10:25:06.179" v="3" actId="1076"/>
+        <pc:sldMkLst>
+          <pc:docMk/>
+          <pc:sldMk cId="3742398413" sldId="707"/>
+        </pc:sldMkLst>
+        <pc:spChg chg="mod">
+          <ac:chgData name="Matthieu De Mari" userId="dfb708c9-d8dc-439f-9a3b-c772bf4a311c" providerId="ADAL" clId="{2EE51D5F-91EB-49B2-8E86-C29DDEBB32B6}" dt="2023-02-12T10:25:01.185" v="2" actId="20577"/>
+          <ac:spMkLst>
+            <pc:docMk/>
+            <pc:sldMk cId="3742398413" sldId="707"/>
+            <ac:spMk id="2" creationId="{B268085A-1A68-E432-3EE4-1DEE1BAB6A6E}"/>
+          </ac:spMkLst>
+        </pc:spChg>
+        <pc:picChg chg="mod">
+          <ac:chgData name="Matthieu De Mari" userId="dfb708c9-d8dc-439f-9a3b-c772bf4a311c" providerId="ADAL" clId="{2EE51D5F-91EB-49B2-8E86-C29DDEBB32B6}" dt="2023-02-12T10:25:06.179" v="3" actId="1076"/>
+          <ac:picMkLst>
+            <pc:docMk/>
+            <pc:sldMk cId="3742398413" sldId="707"/>
+            <ac:picMk id="10" creationId="{EBE3B238-DADD-2FDE-1B36-F1B78AC8896D}"/>
+          </ac:picMkLst>
+        </pc:picChg>
+      </pc:sldChg>
+    </pc:docChg>
+  </pc:docChgLst>
   <pc:docChgLst>
     <pc:chgData name="Matthieu De Mari" userId="dfb708c9-d8dc-439f-9a3b-c772bf4a311c" providerId="ADAL" clId="{F12FC4A2-B409-4069-B166-D5A2DB97FEBD}"/>
     <pc:docChg chg="custSel mod addSld modSld sldOrd modMainMaster modSection">
@@ -627,7 +651,7 @@
           <a:p>
             <a:fld id="{61478373-EB31-4867-8CF0-FA31364748A5}" type="datetimeFigureOut">
               <a:rPr lang="en-GB" smtClean="0"/>
-              <a:t>14/11/2022</a:t>
+              <a:t>12/02/2023</a:t>
             </a:fld>
             <a:endParaRPr lang="en-GB"/>
           </a:p>
@@ -1044,7 +1068,7 @@
           <a:p>
             <a:fld id="{E85DF616-B21E-4EF6-A6A5-95E2FB3EB1A1}" type="datetimeFigureOut">
               <a:rPr lang="en-GB" smtClean="0"/>
-              <a:t>14/11/2022</a:t>
+              <a:t>12/02/2023</a:t>
             </a:fld>
             <a:endParaRPr lang="en-GB"/>
           </a:p>
@@ -1244,7 +1268,7 @@
           <a:p>
             <a:fld id="{E85DF616-B21E-4EF6-A6A5-95E2FB3EB1A1}" type="datetimeFigureOut">
               <a:rPr lang="en-GB" smtClean="0"/>
-              <a:t>14/11/2022</a:t>
+              <a:t>12/02/2023</a:t>
             </a:fld>
             <a:endParaRPr lang="en-GB"/>
           </a:p>
@@ -1454,7 +1478,7 @@
           <a:p>
             <a:fld id="{E85DF616-B21E-4EF6-A6A5-95E2FB3EB1A1}" type="datetimeFigureOut">
               <a:rPr lang="en-GB" smtClean="0"/>
-              <a:t>14/11/2022</a:t>
+              <a:t>12/02/2023</a:t>
             </a:fld>
             <a:endParaRPr lang="en-GB"/>
           </a:p>
@@ -1654,7 +1678,7 @@
           <a:p>
             <a:fld id="{E85DF616-B21E-4EF6-A6A5-95E2FB3EB1A1}" type="datetimeFigureOut">
               <a:rPr lang="en-GB" smtClean="0"/>
-              <a:t>14/11/2022</a:t>
+              <a:t>12/02/2023</a:t>
             </a:fld>
             <a:endParaRPr lang="en-GB"/>
           </a:p>
@@ -1930,7 +1954,7 @@
           <a:p>
             <a:fld id="{E85DF616-B21E-4EF6-A6A5-95E2FB3EB1A1}" type="datetimeFigureOut">
               <a:rPr lang="en-GB" smtClean="0"/>
-              <a:t>14/11/2022</a:t>
+              <a:t>12/02/2023</a:t>
             </a:fld>
             <a:endParaRPr lang="en-GB"/>
           </a:p>
@@ -2198,7 +2222,7 @@
           <a:p>
             <a:fld id="{E85DF616-B21E-4EF6-A6A5-95E2FB3EB1A1}" type="datetimeFigureOut">
               <a:rPr lang="en-GB" smtClean="0"/>
-              <a:t>14/11/2022</a:t>
+              <a:t>12/02/2023</a:t>
             </a:fld>
             <a:endParaRPr lang="en-GB"/>
           </a:p>
@@ -2613,7 +2637,7 @@
           <a:p>
             <a:fld id="{E85DF616-B21E-4EF6-A6A5-95E2FB3EB1A1}" type="datetimeFigureOut">
               <a:rPr lang="en-GB" smtClean="0"/>
-              <a:t>14/11/2022</a:t>
+              <a:t>12/02/2023</a:t>
             </a:fld>
             <a:endParaRPr lang="en-GB"/>
           </a:p>
@@ -2755,7 +2779,7 @@
           <a:p>
             <a:fld id="{E85DF616-B21E-4EF6-A6A5-95E2FB3EB1A1}" type="datetimeFigureOut">
               <a:rPr lang="en-GB" smtClean="0"/>
-              <a:t>14/11/2022</a:t>
+              <a:t>12/02/2023</a:t>
             </a:fld>
             <a:endParaRPr lang="en-GB"/>
           </a:p>
@@ -2868,7 +2892,7 @@
           <a:p>
             <a:fld id="{E85DF616-B21E-4EF6-A6A5-95E2FB3EB1A1}" type="datetimeFigureOut">
               <a:rPr lang="en-GB" smtClean="0"/>
-              <a:t>14/11/2022</a:t>
+              <a:t>12/02/2023</a:t>
             </a:fld>
             <a:endParaRPr lang="en-GB"/>
           </a:p>
@@ -3181,7 +3205,7 @@
           <a:p>
             <a:fld id="{E85DF616-B21E-4EF6-A6A5-95E2FB3EB1A1}" type="datetimeFigureOut">
               <a:rPr lang="en-GB" smtClean="0"/>
-              <a:t>14/11/2022</a:t>
+              <a:t>12/02/2023</a:t>
             </a:fld>
             <a:endParaRPr lang="en-GB"/>
           </a:p>
@@ -3470,7 +3494,7 @@
           <a:p>
             <a:fld id="{E85DF616-B21E-4EF6-A6A5-95E2FB3EB1A1}" type="datetimeFigureOut">
               <a:rPr lang="en-GB" smtClean="0"/>
-              <a:t>14/11/2022</a:t>
+              <a:t>12/02/2023</a:t>
             </a:fld>
             <a:endParaRPr lang="en-GB"/>
           </a:p>
@@ -3713,7 +3737,7 @@
           <a:p>
             <a:fld id="{E85DF616-B21E-4EF6-A6A5-95E2FB3EB1A1}" type="datetimeFigureOut">
               <a:rPr lang="en-GB" smtClean="0"/>
-              <a:t>14/11/2022</a:t>
+              <a:t>12/02/2023</a:t>
             </a:fld>
             <a:endParaRPr lang="en-GB"/>
           </a:p>
@@ -6504,8 +6528,8 @@
         </p:nvSpPr>
         <p:spPr>
           <a:xfrm>
-            <a:off x="6172199" y="1825625"/>
-            <a:ext cx="5920274" cy="4351338"/>
+            <a:off x="5806831" y="1825625"/>
+            <a:ext cx="6285642" cy="4351338"/>
           </a:xfrm>
         </p:spPr>
         <p:txBody>
@@ -6526,7 +6550,14 @@
             </a:br>
             <a:r>
               <a:rPr lang="en-US" sz="3000" i="1" dirty="0"/>
-              <a:t>– André Gide, Nobel Prize of Literature in 1947</a:t>
+              <a:t>– André Gide, Nobel Prize</a:t>
+            </a:r>
+            <a:br>
+              <a:rPr lang="en-US" sz="3000" i="1" dirty="0"/>
+            </a:br>
+            <a:r>
+              <a:rPr lang="en-US" sz="3000" i="1" dirty="0"/>
+              <a:t>of Literature in 1947</a:t>
             </a:r>
           </a:p>
           <a:p>
@@ -6556,7 +6587,7 @@
         </p:blipFill>
         <p:spPr>
           <a:xfrm>
-            <a:off x="8334689" y="4488193"/>
+            <a:off x="8114971" y="4307218"/>
             <a:ext cx="1882331" cy="2004682"/>
           </a:xfrm>
           <a:prstGeom prst="rect">
